--- a/440_msia/05_hw/VRP and TSP.pptx
+++ b/440_msia/05_hw/VRP and TSP.pptx
@@ -189,7 +189,7 @@
           <p:cNvPr id="2" name="Header Placeholder 1">
             <a:extLst>
               <a:ext uri="{FF2B5EF4-FFF2-40B4-BE49-F238E27FC236}">
-                <a16:creationId xmlns:a16="http://schemas.microsoft.com/office/drawing/2014/main" id="{456FD804-889A-4E5B-A351-40397A097BDE}"/>
+                <a16:creationId xmlns:a16="http://schemas.microsoft.com/office/drawing/2014/main" xmlns="" id="{456FD804-889A-4E5B-A351-40397A097BDE}"/>
               </a:ext>
             </a:extLst>
           </p:cNvPr>
@@ -226,7 +226,7 @@
           <p:cNvPr id="3" name="Date Placeholder 2">
             <a:extLst>
               <a:ext uri="{FF2B5EF4-FFF2-40B4-BE49-F238E27FC236}">
-                <a16:creationId xmlns:a16="http://schemas.microsoft.com/office/drawing/2014/main" id="{A6B4D880-EE6F-4161-B147-88D51F2CCAEE}"/>
+                <a16:creationId xmlns:a16="http://schemas.microsoft.com/office/drawing/2014/main" xmlns="" id="{A6B4D880-EE6F-4161-B147-88D51F2CCAEE}"/>
               </a:ext>
             </a:extLst>
           </p:cNvPr>
@@ -256,7 +256,7 @@
           <a:p>
             <a:fld id="{6F9B7288-C7EC-4155-8A71-D18A5751214D}" type="datetimeFigureOut">
               <a:rPr lang="en-US" smtClean="0"/>
-              <a:t>10/10/2023</a:t>
+              <a:t>10/30/2023</a:t>
             </a:fld>
             <a:endParaRPr lang="en-US"/>
           </a:p>
@@ -267,7 +267,7 @@
           <p:cNvPr id="4" name="Footer Placeholder 3">
             <a:extLst>
               <a:ext uri="{FF2B5EF4-FFF2-40B4-BE49-F238E27FC236}">
-                <a16:creationId xmlns:a16="http://schemas.microsoft.com/office/drawing/2014/main" id="{36121755-4A15-4166-BC13-FA1F53F1DCB6}"/>
+                <a16:creationId xmlns:a16="http://schemas.microsoft.com/office/drawing/2014/main" xmlns="" id="{36121755-4A15-4166-BC13-FA1F53F1DCB6}"/>
               </a:ext>
             </a:extLst>
           </p:cNvPr>
@@ -304,7 +304,7 @@
           <p:cNvPr id="5" name="Slide Number Placeholder 4">
             <a:extLst>
               <a:ext uri="{FF2B5EF4-FFF2-40B4-BE49-F238E27FC236}">
-                <a16:creationId xmlns:a16="http://schemas.microsoft.com/office/drawing/2014/main" id="{74F097A2-512E-4D9C-8782-599A154F9A6E}"/>
+                <a16:creationId xmlns:a16="http://schemas.microsoft.com/office/drawing/2014/main" xmlns="" id="{74F097A2-512E-4D9C-8782-599A154F9A6E}"/>
               </a:ext>
             </a:extLst>
           </p:cNvPr>
@@ -433,7 +433,7 @@
           <a:p>
             <a:fld id="{D845C871-D4CC-4A73-9243-8AEC5363A5F2}" type="datetimeFigureOut">
               <a:rPr lang="en-US" smtClean="0"/>
-              <a:t>10/10/2023</a:t>
+              <a:t>10/30/2023</a:t>
             </a:fld>
             <a:endParaRPr lang="en-US"/>
           </a:p>
@@ -2378,7 +2378,7 @@
           <p:cNvPr id="2" name="Title 1">
             <a:extLst>
               <a:ext uri="{FF2B5EF4-FFF2-40B4-BE49-F238E27FC236}">
-                <a16:creationId xmlns:a16="http://schemas.microsoft.com/office/drawing/2014/main" id="{E9B6D3CF-F0CD-4A2D-B957-0E73A934995F}"/>
+                <a16:creationId xmlns:a16="http://schemas.microsoft.com/office/drawing/2014/main" xmlns="" id="{E9B6D3CF-F0CD-4A2D-B957-0E73A934995F}"/>
               </a:ext>
             </a:extLst>
           </p:cNvPr>
@@ -2419,7 +2419,7 @@
           <p:cNvPr id="3" name="Subtitle 2">
             <a:extLst>
               <a:ext uri="{FF2B5EF4-FFF2-40B4-BE49-F238E27FC236}">
-                <a16:creationId xmlns:a16="http://schemas.microsoft.com/office/drawing/2014/main" id="{2A827F53-48C3-4CAC-9F7D-EF23BBE6F7A4}"/>
+                <a16:creationId xmlns:a16="http://schemas.microsoft.com/office/drawing/2014/main" xmlns="" id="{2A827F53-48C3-4CAC-9F7D-EF23BBE6F7A4}"/>
               </a:ext>
             </a:extLst>
           </p:cNvPr>
@@ -2489,7 +2489,7 @@
           <p:cNvPr id="4" name="Date Placeholder 3">
             <a:extLst>
               <a:ext uri="{FF2B5EF4-FFF2-40B4-BE49-F238E27FC236}">
-                <a16:creationId xmlns:a16="http://schemas.microsoft.com/office/drawing/2014/main" id="{C7CE4847-9122-43FE-B3C2-F9072DA8B230}"/>
+                <a16:creationId xmlns:a16="http://schemas.microsoft.com/office/drawing/2014/main" xmlns="" id="{C7CE4847-9122-43FE-B3C2-F9072DA8B230}"/>
               </a:ext>
             </a:extLst>
           </p:cNvPr>
@@ -2507,7 +2507,7 @@
           <a:p>
             <a:fld id="{E6C5DA9F-9EC5-4880-999A-2EE76EC431AE}" type="datetime1">
               <a:rPr lang="en-US" smtClean="0"/>
-              <a:t>10/10/2023</a:t>
+              <a:t>10/30/2023</a:t>
             </a:fld>
             <a:endParaRPr lang="en-US"/>
           </a:p>
@@ -2518,7 +2518,7 @@
           <p:cNvPr id="5" name="Footer Placeholder 4">
             <a:extLst>
               <a:ext uri="{FF2B5EF4-FFF2-40B4-BE49-F238E27FC236}">
-                <a16:creationId xmlns:a16="http://schemas.microsoft.com/office/drawing/2014/main" id="{FCACE8C3-C344-499B-811E-DD7853FE44A0}"/>
+                <a16:creationId xmlns:a16="http://schemas.microsoft.com/office/drawing/2014/main" xmlns="" id="{FCACE8C3-C344-499B-811E-DD7853FE44A0}"/>
               </a:ext>
             </a:extLst>
           </p:cNvPr>
@@ -2556,7 +2556,7 @@
           <p:cNvPr id="6" name="Slide Number Placeholder 5">
             <a:extLst>
               <a:ext uri="{FF2B5EF4-FFF2-40B4-BE49-F238E27FC236}">
-                <a16:creationId xmlns:a16="http://schemas.microsoft.com/office/drawing/2014/main" id="{2262686D-606B-4247-9A59-525947814A84}"/>
+                <a16:creationId xmlns:a16="http://schemas.microsoft.com/office/drawing/2014/main" xmlns="" id="{2262686D-606B-4247-9A59-525947814A84}"/>
               </a:ext>
             </a:extLst>
           </p:cNvPr>
@@ -2615,7 +2615,7 @@
           <p:cNvPr id="2" name="Title 1">
             <a:extLst>
               <a:ext uri="{FF2B5EF4-FFF2-40B4-BE49-F238E27FC236}">
-                <a16:creationId xmlns:a16="http://schemas.microsoft.com/office/drawing/2014/main" id="{B02A4625-497D-4398-9938-B83E94DF458D}"/>
+                <a16:creationId xmlns:a16="http://schemas.microsoft.com/office/drawing/2014/main" xmlns="" id="{B02A4625-497D-4398-9938-B83E94DF458D}"/>
               </a:ext>
             </a:extLst>
           </p:cNvPr>
@@ -2643,7 +2643,7 @@
           <p:cNvPr id="3" name="Vertical Text Placeholder 2">
             <a:extLst>
               <a:ext uri="{FF2B5EF4-FFF2-40B4-BE49-F238E27FC236}">
-                <a16:creationId xmlns:a16="http://schemas.microsoft.com/office/drawing/2014/main" id="{5D93738E-4426-44D5-87F3-46A858376BD1}"/>
+                <a16:creationId xmlns:a16="http://schemas.microsoft.com/office/drawing/2014/main" xmlns="" id="{5D93738E-4426-44D5-87F3-46A858376BD1}"/>
               </a:ext>
             </a:extLst>
           </p:cNvPr>
@@ -2700,7 +2700,7 @@
           <p:cNvPr id="4" name="Date Placeholder 3">
             <a:extLst>
               <a:ext uri="{FF2B5EF4-FFF2-40B4-BE49-F238E27FC236}">
-                <a16:creationId xmlns:a16="http://schemas.microsoft.com/office/drawing/2014/main" id="{BF981481-0E3B-4793-BAAD-DD19F2CA80F4}"/>
+                <a16:creationId xmlns:a16="http://schemas.microsoft.com/office/drawing/2014/main" xmlns="" id="{BF981481-0E3B-4793-BAAD-DD19F2CA80F4}"/>
               </a:ext>
             </a:extLst>
           </p:cNvPr>
@@ -2718,7 +2718,7 @@
           <a:p>
             <a:fld id="{55FCD946-7ECD-4415-AF9F-8C4F53E13B02}" type="datetime1">
               <a:rPr lang="en-US" smtClean="0"/>
-              <a:t>10/10/2023</a:t>
+              <a:t>10/30/2023</a:t>
             </a:fld>
             <a:endParaRPr lang="en-US"/>
           </a:p>
@@ -2729,7 +2729,7 @@
           <p:cNvPr id="5" name="Footer Placeholder 4">
             <a:extLst>
               <a:ext uri="{FF2B5EF4-FFF2-40B4-BE49-F238E27FC236}">
-                <a16:creationId xmlns:a16="http://schemas.microsoft.com/office/drawing/2014/main" id="{B7B1A8D4-4A28-44EE-8003-EF9364C72F28}"/>
+                <a16:creationId xmlns:a16="http://schemas.microsoft.com/office/drawing/2014/main" xmlns="" id="{B7B1A8D4-4A28-44EE-8003-EF9364C72F28}"/>
               </a:ext>
             </a:extLst>
           </p:cNvPr>
@@ -2757,7 +2757,7 @@
           <p:cNvPr id="6" name="Slide Number Placeholder 5">
             <a:extLst>
               <a:ext uri="{FF2B5EF4-FFF2-40B4-BE49-F238E27FC236}">
-                <a16:creationId xmlns:a16="http://schemas.microsoft.com/office/drawing/2014/main" id="{8035A76C-3F1E-4154-B160-48C416DD2252}"/>
+                <a16:creationId xmlns:a16="http://schemas.microsoft.com/office/drawing/2014/main" xmlns="" id="{8035A76C-3F1E-4154-B160-48C416DD2252}"/>
               </a:ext>
             </a:extLst>
           </p:cNvPr>
@@ -2816,7 +2816,7 @@
           <p:cNvPr id="2" name="Vertical Title 1">
             <a:extLst>
               <a:ext uri="{FF2B5EF4-FFF2-40B4-BE49-F238E27FC236}">
-                <a16:creationId xmlns:a16="http://schemas.microsoft.com/office/drawing/2014/main" id="{0A7AFB17-3946-446A-8DFB-E4C903F680C9}"/>
+                <a16:creationId xmlns:a16="http://schemas.microsoft.com/office/drawing/2014/main" xmlns="" id="{0A7AFB17-3946-446A-8DFB-E4C903F680C9}"/>
               </a:ext>
             </a:extLst>
           </p:cNvPr>
@@ -2849,7 +2849,7 @@
           <p:cNvPr id="3" name="Vertical Text Placeholder 2">
             <a:extLst>
               <a:ext uri="{FF2B5EF4-FFF2-40B4-BE49-F238E27FC236}">
-                <a16:creationId xmlns:a16="http://schemas.microsoft.com/office/drawing/2014/main" id="{CDA17D67-B41C-4F67-B021-A75340412237}"/>
+                <a16:creationId xmlns:a16="http://schemas.microsoft.com/office/drawing/2014/main" xmlns="" id="{CDA17D67-B41C-4F67-B021-A75340412237}"/>
               </a:ext>
             </a:extLst>
           </p:cNvPr>
@@ -2911,7 +2911,7 @@
           <p:cNvPr id="4" name="Date Placeholder 3">
             <a:extLst>
               <a:ext uri="{FF2B5EF4-FFF2-40B4-BE49-F238E27FC236}">
-                <a16:creationId xmlns:a16="http://schemas.microsoft.com/office/drawing/2014/main" id="{8D841CC1-03F2-41BC-A85A-59E043F35D7F}"/>
+                <a16:creationId xmlns:a16="http://schemas.microsoft.com/office/drawing/2014/main" xmlns="" id="{8D841CC1-03F2-41BC-A85A-59E043F35D7F}"/>
               </a:ext>
             </a:extLst>
           </p:cNvPr>
@@ -2929,7 +2929,7 @@
           <a:p>
             <a:fld id="{91293D37-82F9-4EE7-A304-8C315FECC12B}" type="datetime1">
               <a:rPr lang="en-US" smtClean="0"/>
-              <a:t>10/10/2023</a:t>
+              <a:t>10/30/2023</a:t>
             </a:fld>
             <a:endParaRPr lang="en-US"/>
           </a:p>
@@ -2940,7 +2940,7 @@
           <p:cNvPr id="5" name="Footer Placeholder 4">
             <a:extLst>
               <a:ext uri="{FF2B5EF4-FFF2-40B4-BE49-F238E27FC236}">
-                <a16:creationId xmlns:a16="http://schemas.microsoft.com/office/drawing/2014/main" id="{F297655D-6255-4221-A3F7-B3AF5FE2E477}"/>
+                <a16:creationId xmlns:a16="http://schemas.microsoft.com/office/drawing/2014/main" xmlns="" id="{F297655D-6255-4221-A3F7-B3AF5FE2E477}"/>
               </a:ext>
             </a:extLst>
           </p:cNvPr>
@@ -2968,7 +2968,7 @@
           <p:cNvPr id="6" name="Slide Number Placeholder 5">
             <a:extLst>
               <a:ext uri="{FF2B5EF4-FFF2-40B4-BE49-F238E27FC236}">
-                <a16:creationId xmlns:a16="http://schemas.microsoft.com/office/drawing/2014/main" id="{5ABC7301-BD3F-46CD-8ABB-735F55480EEB}"/>
+                <a16:creationId xmlns:a16="http://schemas.microsoft.com/office/drawing/2014/main" xmlns="" id="{5ABC7301-BD3F-46CD-8ABB-735F55480EEB}"/>
               </a:ext>
             </a:extLst>
           </p:cNvPr>
@@ -3027,7 +3027,7 @@
           <p:cNvPr id="2" name="Title 1">
             <a:extLst>
               <a:ext uri="{FF2B5EF4-FFF2-40B4-BE49-F238E27FC236}">
-                <a16:creationId xmlns:a16="http://schemas.microsoft.com/office/drawing/2014/main" id="{CA04B816-BCEB-48E6-9FDD-CE6679E498A2}"/>
+                <a16:creationId xmlns:a16="http://schemas.microsoft.com/office/drawing/2014/main" xmlns="" id="{CA04B816-BCEB-48E6-9FDD-CE6679E498A2}"/>
               </a:ext>
             </a:extLst>
           </p:cNvPr>
@@ -3064,7 +3064,7 @@
           <p:cNvPr id="3" name="Subtitle 2">
             <a:extLst>
               <a:ext uri="{FF2B5EF4-FFF2-40B4-BE49-F238E27FC236}">
-                <a16:creationId xmlns:a16="http://schemas.microsoft.com/office/drawing/2014/main" id="{F002B820-43CC-4FFD-B2A1-5DCCBB74456A}"/>
+                <a16:creationId xmlns:a16="http://schemas.microsoft.com/office/drawing/2014/main" xmlns="" id="{F002B820-43CC-4FFD-B2A1-5DCCBB74456A}"/>
               </a:ext>
             </a:extLst>
           </p:cNvPr>
@@ -3134,7 +3134,7 @@
           <p:cNvPr id="4" name="Date Placeholder 3">
             <a:extLst>
               <a:ext uri="{FF2B5EF4-FFF2-40B4-BE49-F238E27FC236}">
-                <a16:creationId xmlns:a16="http://schemas.microsoft.com/office/drawing/2014/main" id="{9448E6D4-5C3D-45E2-9C46-1DDCA9C95FD5}"/>
+                <a16:creationId xmlns:a16="http://schemas.microsoft.com/office/drawing/2014/main" xmlns="" id="{9448E6D4-5C3D-45E2-9C46-1DDCA9C95FD5}"/>
               </a:ext>
             </a:extLst>
           </p:cNvPr>
@@ -3152,7 +3152,7 @@
           <a:p>
             <a:fld id="{DC68705F-E59C-40A7-AA70-680666ECDFED}" type="datetime1">
               <a:rPr lang="en-US" smtClean="0"/>
-              <a:t>10/10/2023</a:t>
+              <a:t>10/30/2023</a:t>
             </a:fld>
             <a:endParaRPr lang="en-US"/>
           </a:p>
@@ -3163,7 +3163,7 @@
           <p:cNvPr id="5" name="Footer Placeholder 4">
             <a:extLst>
               <a:ext uri="{FF2B5EF4-FFF2-40B4-BE49-F238E27FC236}">
-                <a16:creationId xmlns:a16="http://schemas.microsoft.com/office/drawing/2014/main" id="{839A504F-6FA5-4444-8061-084440755E84}"/>
+                <a16:creationId xmlns:a16="http://schemas.microsoft.com/office/drawing/2014/main" xmlns="" id="{839A504F-6FA5-4444-8061-084440755E84}"/>
               </a:ext>
             </a:extLst>
           </p:cNvPr>
@@ -3191,7 +3191,7 @@
           <p:cNvPr id="6" name="Slide Number Placeholder 5">
             <a:extLst>
               <a:ext uri="{FF2B5EF4-FFF2-40B4-BE49-F238E27FC236}">
-                <a16:creationId xmlns:a16="http://schemas.microsoft.com/office/drawing/2014/main" id="{3902EF38-46C8-43DC-9B45-DD8683791000}"/>
+                <a16:creationId xmlns:a16="http://schemas.microsoft.com/office/drawing/2014/main" xmlns="" id="{3902EF38-46C8-43DC-9B45-DD8683791000}"/>
               </a:ext>
             </a:extLst>
           </p:cNvPr>
@@ -3250,7 +3250,7 @@
           <p:cNvPr id="2" name="Title 1">
             <a:extLst>
               <a:ext uri="{FF2B5EF4-FFF2-40B4-BE49-F238E27FC236}">
-                <a16:creationId xmlns:a16="http://schemas.microsoft.com/office/drawing/2014/main" id="{F8074C0D-D48A-4F38-853C-DD3C16904D07}"/>
+                <a16:creationId xmlns:a16="http://schemas.microsoft.com/office/drawing/2014/main" xmlns="" id="{F8074C0D-D48A-4F38-853C-DD3C16904D07}"/>
               </a:ext>
             </a:extLst>
           </p:cNvPr>
@@ -3296,7 +3296,7 @@
           <p:cNvPr id="3" name="Content Placeholder 2">
             <a:extLst>
               <a:ext uri="{FF2B5EF4-FFF2-40B4-BE49-F238E27FC236}">
-                <a16:creationId xmlns:a16="http://schemas.microsoft.com/office/drawing/2014/main" id="{049051A5-4946-4B6A-8877-0092405B13E0}"/>
+                <a16:creationId xmlns:a16="http://schemas.microsoft.com/office/drawing/2014/main" xmlns="" id="{049051A5-4946-4B6A-8877-0092405B13E0}"/>
               </a:ext>
             </a:extLst>
           </p:cNvPr>
@@ -3358,7 +3358,7 @@
           <p:cNvPr id="7" name="Date Placeholder 6">
             <a:extLst>
               <a:ext uri="{FF2B5EF4-FFF2-40B4-BE49-F238E27FC236}">
-                <a16:creationId xmlns:a16="http://schemas.microsoft.com/office/drawing/2014/main" id="{A900F82D-0200-44F1-A13C-148C08836E6F}"/>
+                <a16:creationId xmlns:a16="http://schemas.microsoft.com/office/drawing/2014/main" xmlns="" id="{A900F82D-0200-44F1-A13C-148C08836E6F}"/>
               </a:ext>
             </a:extLst>
           </p:cNvPr>
@@ -3376,7 +3376,7 @@
           <a:p>
             <a:fld id="{91D32612-B5CE-490E-8741-A7B75B286B56}" type="datetime1">
               <a:rPr lang="en-US" smtClean="0"/>
-              <a:t>10/10/2023</a:t>
+              <a:t>10/30/2023</a:t>
             </a:fld>
             <a:endParaRPr lang="en-US"/>
           </a:p>
@@ -3387,7 +3387,7 @@
           <p:cNvPr id="8" name="Footer Placeholder 7">
             <a:extLst>
               <a:ext uri="{FF2B5EF4-FFF2-40B4-BE49-F238E27FC236}">
-                <a16:creationId xmlns:a16="http://schemas.microsoft.com/office/drawing/2014/main" id="{832F091A-B399-4038-B230-99F61201F7C6}"/>
+                <a16:creationId xmlns:a16="http://schemas.microsoft.com/office/drawing/2014/main" xmlns="" id="{832F091A-B399-4038-B230-99F61201F7C6}"/>
               </a:ext>
             </a:extLst>
           </p:cNvPr>
@@ -3425,7 +3425,7 @@
           <p:cNvPr id="9" name="Slide Number Placeholder 8">
             <a:extLst>
               <a:ext uri="{FF2B5EF4-FFF2-40B4-BE49-F238E27FC236}">
-                <a16:creationId xmlns:a16="http://schemas.microsoft.com/office/drawing/2014/main" id="{B07867BF-0F1B-464F-A270-C0EF7700B614}"/>
+                <a16:creationId xmlns:a16="http://schemas.microsoft.com/office/drawing/2014/main" xmlns="" id="{B07867BF-0F1B-464F-A270-C0EF7700B614}"/>
               </a:ext>
             </a:extLst>
           </p:cNvPr>
@@ -3484,7 +3484,7 @@
           <p:cNvPr id="2" name="Title 1">
             <a:extLst>
               <a:ext uri="{FF2B5EF4-FFF2-40B4-BE49-F238E27FC236}">
-                <a16:creationId xmlns:a16="http://schemas.microsoft.com/office/drawing/2014/main" id="{4035BDBE-F9C5-4C5E-A047-632ED446BA7D}"/>
+                <a16:creationId xmlns:a16="http://schemas.microsoft.com/office/drawing/2014/main" xmlns="" id="{4035BDBE-F9C5-4C5E-A047-632ED446BA7D}"/>
               </a:ext>
             </a:extLst>
           </p:cNvPr>
@@ -3521,7 +3521,7 @@
           <p:cNvPr id="3" name="Text Placeholder 2">
             <a:extLst>
               <a:ext uri="{FF2B5EF4-FFF2-40B4-BE49-F238E27FC236}">
-                <a16:creationId xmlns:a16="http://schemas.microsoft.com/office/drawing/2014/main" id="{A50A5313-4C2B-4602-B229-6E63594C71A7}"/>
+                <a16:creationId xmlns:a16="http://schemas.microsoft.com/office/drawing/2014/main" xmlns="" id="{A50A5313-4C2B-4602-B229-6E63594C71A7}"/>
               </a:ext>
             </a:extLst>
           </p:cNvPr>
@@ -3646,7 +3646,7 @@
           <p:cNvPr id="4" name="Date Placeholder 3">
             <a:extLst>
               <a:ext uri="{FF2B5EF4-FFF2-40B4-BE49-F238E27FC236}">
-                <a16:creationId xmlns:a16="http://schemas.microsoft.com/office/drawing/2014/main" id="{A7F5D49D-4C8E-4374-A6FA-D0D5FBE9E44E}"/>
+                <a16:creationId xmlns:a16="http://schemas.microsoft.com/office/drawing/2014/main" xmlns="" id="{A7F5D49D-4C8E-4374-A6FA-D0D5FBE9E44E}"/>
               </a:ext>
             </a:extLst>
           </p:cNvPr>
@@ -3664,7 +3664,7 @@
           <a:p>
             <a:fld id="{C62EB7E5-4F07-4BAC-ACBA-5C27DB12A67C}" type="datetime1">
               <a:rPr lang="en-US" smtClean="0"/>
-              <a:t>10/10/2023</a:t>
+              <a:t>10/30/2023</a:t>
             </a:fld>
             <a:endParaRPr lang="en-US"/>
           </a:p>
@@ -3675,7 +3675,7 @@
           <p:cNvPr id="5" name="Footer Placeholder 4">
             <a:extLst>
               <a:ext uri="{FF2B5EF4-FFF2-40B4-BE49-F238E27FC236}">
-                <a16:creationId xmlns:a16="http://schemas.microsoft.com/office/drawing/2014/main" id="{ECE51248-AA93-47D0-9A6B-2290CEC7D4EA}"/>
+                <a16:creationId xmlns:a16="http://schemas.microsoft.com/office/drawing/2014/main" xmlns="" id="{ECE51248-AA93-47D0-9A6B-2290CEC7D4EA}"/>
               </a:ext>
             </a:extLst>
           </p:cNvPr>
@@ -3703,7 +3703,7 @@
           <p:cNvPr id="6" name="Slide Number Placeholder 5">
             <a:extLst>
               <a:ext uri="{FF2B5EF4-FFF2-40B4-BE49-F238E27FC236}">
-                <a16:creationId xmlns:a16="http://schemas.microsoft.com/office/drawing/2014/main" id="{64268F10-A398-4C1A-AD96-94F672B0782B}"/>
+                <a16:creationId xmlns:a16="http://schemas.microsoft.com/office/drawing/2014/main" xmlns="" id="{64268F10-A398-4C1A-AD96-94F672B0782B}"/>
               </a:ext>
             </a:extLst>
           </p:cNvPr>
@@ -3762,7 +3762,7 @@
           <p:cNvPr id="2" name="Title 1">
             <a:extLst>
               <a:ext uri="{FF2B5EF4-FFF2-40B4-BE49-F238E27FC236}">
-                <a16:creationId xmlns:a16="http://schemas.microsoft.com/office/drawing/2014/main" id="{755AEAA0-0A67-4FE3-9581-F77F5C70DBDD}"/>
+                <a16:creationId xmlns:a16="http://schemas.microsoft.com/office/drawing/2014/main" xmlns="" id="{755AEAA0-0A67-4FE3-9581-F77F5C70DBDD}"/>
               </a:ext>
             </a:extLst>
           </p:cNvPr>
@@ -3790,7 +3790,7 @@
           <p:cNvPr id="3" name="Content Placeholder 2">
             <a:extLst>
               <a:ext uri="{FF2B5EF4-FFF2-40B4-BE49-F238E27FC236}">
-                <a16:creationId xmlns:a16="http://schemas.microsoft.com/office/drawing/2014/main" id="{C4B57AA6-87F8-4866-877A-01B617C817D3}"/>
+                <a16:creationId xmlns:a16="http://schemas.microsoft.com/office/drawing/2014/main" xmlns="" id="{C4B57AA6-87F8-4866-877A-01B617C817D3}"/>
               </a:ext>
             </a:extLst>
           </p:cNvPr>
@@ -3852,7 +3852,7 @@
           <p:cNvPr id="4" name="Content Placeholder 3">
             <a:extLst>
               <a:ext uri="{FF2B5EF4-FFF2-40B4-BE49-F238E27FC236}">
-                <a16:creationId xmlns:a16="http://schemas.microsoft.com/office/drawing/2014/main" id="{7CBD4D43-3736-48EA-A21B-C1F6787927F2}"/>
+                <a16:creationId xmlns:a16="http://schemas.microsoft.com/office/drawing/2014/main" xmlns="" id="{7CBD4D43-3736-48EA-A21B-C1F6787927F2}"/>
               </a:ext>
             </a:extLst>
           </p:cNvPr>
@@ -3914,7 +3914,7 @@
           <p:cNvPr id="5" name="Date Placeholder 4">
             <a:extLst>
               <a:ext uri="{FF2B5EF4-FFF2-40B4-BE49-F238E27FC236}">
-                <a16:creationId xmlns:a16="http://schemas.microsoft.com/office/drawing/2014/main" id="{A36F2DDC-F173-49DA-94AA-6CA9A844EDEF}"/>
+                <a16:creationId xmlns:a16="http://schemas.microsoft.com/office/drawing/2014/main" xmlns="" id="{A36F2DDC-F173-49DA-94AA-6CA9A844EDEF}"/>
               </a:ext>
             </a:extLst>
           </p:cNvPr>
@@ -3932,7 +3932,7 @@
           <a:p>
             <a:fld id="{ED27DB69-5DA3-400C-B70B-6272F6968AF3}" type="datetime1">
               <a:rPr lang="en-US" smtClean="0"/>
-              <a:t>10/10/2023</a:t>
+              <a:t>10/30/2023</a:t>
             </a:fld>
             <a:endParaRPr lang="en-US"/>
           </a:p>
@@ -3943,7 +3943,7 @@
           <p:cNvPr id="6" name="Footer Placeholder 5">
             <a:extLst>
               <a:ext uri="{FF2B5EF4-FFF2-40B4-BE49-F238E27FC236}">
-                <a16:creationId xmlns:a16="http://schemas.microsoft.com/office/drawing/2014/main" id="{16B2ADBC-EC67-41D4-B98C-B68848C5B1BC}"/>
+                <a16:creationId xmlns:a16="http://schemas.microsoft.com/office/drawing/2014/main" xmlns="" id="{16B2ADBC-EC67-41D4-B98C-B68848C5B1BC}"/>
               </a:ext>
             </a:extLst>
           </p:cNvPr>
@@ -3971,7 +3971,7 @@
           <p:cNvPr id="7" name="Slide Number Placeholder 6">
             <a:extLst>
               <a:ext uri="{FF2B5EF4-FFF2-40B4-BE49-F238E27FC236}">
-                <a16:creationId xmlns:a16="http://schemas.microsoft.com/office/drawing/2014/main" id="{75F24328-3280-47B2-996B-C3BE473E048D}"/>
+                <a16:creationId xmlns:a16="http://schemas.microsoft.com/office/drawing/2014/main" xmlns="" id="{75F24328-3280-47B2-996B-C3BE473E048D}"/>
               </a:ext>
             </a:extLst>
           </p:cNvPr>
@@ -4030,7 +4030,7 @@
           <p:cNvPr id="2" name="Title 1">
             <a:extLst>
               <a:ext uri="{FF2B5EF4-FFF2-40B4-BE49-F238E27FC236}">
-                <a16:creationId xmlns:a16="http://schemas.microsoft.com/office/drawing/2014/main" id="{A28434ED-FE7C-4104-87DB-BFF4F871F582}"/>
+                <a16:creationId xmlns:a16="http://schemas.microsoft.com/office/drawing/2014/main" xmlns="" id="{A28434ED-FE7C-4104-87DB-BFF4F871F582}"/>
               </a:ext>
             </a:extLst>
           </p:cNvPr>
@@ -4063,7 +4063,7 @@
           <p:cNvPr id="3" name="Text Placeholder 2">
             <a:extLst>
               <a:ext uri="{FF2B5EF4-FFF2-40B4-BE49-F238E27FC236}">
-                <a16:creationId xmlns:a16="http://schemas.microsoft.com/office/drawing/2014/main" id="{68CD586B-CA48-43EB-A664-31A0BE501C30}"/>
+                <a16:creationId xmlns:a16="http://schemas.microsoft.com/office/drawing/2014/main" xmlns="" id="{68CD586B-CA48-43EB-A664-31A0BE501C30}"/>
               </a:ext>
             </a:extLst>
           </p:cNvPr>
@@ -4134,7 +4134,7 @@
           <p:cNvPr id="4" name="Content Placeholder 3">
             <a:extLst>
               <a:ext uri="{FF2B5EF4-FFF2-40B4-BE49-F238E27FC236}">
-                <a16:creationId xmlns:a16="http://schemas.microsoft.com/office/drawing/2014/main" id="{A8E132D9-53AF-4AB1-8EBB-BFDA6F43D8C0}"/>
+                <a16:creationId xmlns:a16="http://schemas.microsoft.com/office/drawing/2014/main" xmlns="" id="{A8E132D9-53AF-4AB1-8EBB-BFDA6F43D8C0}"/>
               </a:ext>
             </a:extLst>
           </p:cNvPr>
@@ -4196,7 +4196,7 @@
           <p:cNvPr id="5" name="Text Placeholder 4">
             <a:extLst>
               <a:ext uri="{FF2B5EF4-FFF2-40B4-BE49-F238E27FC236}">
-                <a16:creationId xmlns:a16="http://schemas.microsoft.com/office/drawing/2014/main" id="{722352EE-E7BC-4262-B268-E527649040BB}"/>
+                <a16:creationId xmlns:a16="http://schemas.microsoft.com/office/drawing/2014/main" xmlns="" id="{722352EE-E7BC-4262-B268-E527649040BB}"/>
               </a:ext>
             </a:extLst>
           </p:cNvPr>
@@ -4267,7 +4267,7 @@
           <p:cNvPr id="6" name="Content Placeholder 5">
             <a:extLst>
               <a:ext uri="{FF2B5EF4-FFF2-40B4-BE49-F238E27FC236}">
-                <a16:creationId xmlns:a16="http://schemas.microsoft.com/office/drawing/2014/main" id="{89E15D04-9098-4EE2-A0CB-190966804BD5}"/>
+                <a16:creationId xmlns:a16="http://schemas.microsoft.com/office/drawing/2014/main" xmlns="" id="{89E15D04-9098-4EE2-A0CB-190966804BD5}"/>
               </a:ext>
             </a:extLst>
           </p:cNvPr>
@@ -4329,7 +4329,7 @@
           <p:cNvPr id="7" name="Date Placeholder 6">
             <a:extLst>
               <a:ext uri="{FF2B5EF4-FFF2-40B4-BE49-F238E27FC236}">
-                <a16:creationId xmlns:a16="http://schemas.microsoft.com/office/drawing/2014/main" id="{FDB37525-4C5A-46E4-8AD7-9EEB3BF9BE1C}"/>
+                <a16:creationId xmlns:a16="http://schemas.microsoft.com/office/drawing/2014/main" xmlns="" id="{FDB37525-4C5A-46E4-8AD7-9EEB3BF9BE1C}"/>
               </a:ext>
             </a:extLst>
           </p:cNvPr>
@@ -4347,7 +4347,7 @@
           <a:p>
             <a:fld id="{60F80073-D5CF-4A61-81D4-5220BC747B4B}" type="datetime1">
               <a:rPr lang="en-US" smtClean="0"/>
-              <a:t>10/10/2023</a:t>
+              <a:t>10/30/2023</a:t>
             </a:fld>
             <a:endParaRPr lang="en-US"/>
           </a:p>
@@ -4358,7 +4358,7 @@
           <p:cNvPr id="8" name="Footer Placeholder 7">
             <a:extLst>
               <a:ext uri="{FF2B5EF4-FFF2-40B4-BE49-F238E27FC236}">
-                <a16:creationId xmlns:a16="http://schemas.microsoft.com/office/drawing/2014/main" id="{AB27F3B4-158B-4A28-9F68-EB1491BE7F5A}"/>
+                <a16:creationId xmlns:a16="http://schemas.microsoft.com/office/drawing/2014/main" xmlns="" id="{AB27F3B4-158B-4A28-9F68-EB1491BE7F5A}"/>
               </a:ext>
             </a:extLst>
           </p:cNvPr>
@@ -4386,7 +4386,7 @@
           <p:cNvPr id="9" name="Slide Number Placeholder 8">
             <a:extLst>
               <a:ext uri="{FF2B5EF4-FFF2-40B4-BE49-F238E27FC236}">
-                <a16:creationId xmlns:a16="http://schemas.microsoft.com/office/drawing/2014/main" id="{90BF8D5D-A2DD-407E-B1F4-A114F79AFB6C}"/>
+                <a16:creationId xmlns:a16="http://schemas.microsoft.com/office/drawing/2014/main" xmlns="" id="{90BF8D5D-A2DD-407E-B1F4-A114F79AFB6C}"/>
               </a:ext>
             </a:extLst>
           </p:cNvPr>
@@ -4445,7 +4445,7 @@
           <p:cNvPr id="2" name="Title 1">
             <a:extLst>
               <a:ext uri="{FF2B5EF4-FFF2-40B4-BE49-F238E27FC236}">
-                <a16:creationId xmlns:a16="http://schemas.microsoft.com/office/drawing/2014/main" id="{2C180CC2-0A6A-4C1F-8049-E96558E0623B}"/>
+                <a16:creationId xmlns:a16="http://schemas.microsoft.com/office/drawing/2014/main" xmlns="" id="{2C180CC2-0A6A-4C1F-8049-E96558E0623B}"/>
               </a:ext>
             </a:extLst>
           </p:cNvPr>
@@ -4473,7 +4473,7 @@
           <p:cNvPr id="3" name="Date Placeholder 2">
             <a:extLst>
               <a:ext uri="{FF2B5EF4-FFF2-40B4-BE49-F238E27FC236}">
-                <a16:creationId xmlns:a16="http://schemas.microsoft.com/office/drawing/2014/main" id="{F5872697-B5F3-4E65-982E-C7918FE97468}"/>
+                <a16:creationId xmlns:a16="http://schemas.microsoft.com/office/drawing/2014/main" xmlns="" id="{F5872697-B5F3-4E65-982E-C7918FE97468}"/>
               </a:ext>
             </a:extLst>
           </p:cNvPr>
@@ -4491,7 +4491,7 @@
           <a:p>
             <a:fld id="{7898F168-7E8B-40CE-8B49-5F69F234684F}" type="datetime1">
               <a:rPr lang="en-US" smtClean="0"/>
-              <a:t>10/10/2023</a:t>
+              <a:t>10/30/2023</a:t>
             </a:fld>
             <a:endParaRPr lang="en-US"/>
           </a:p>
@@ -4502,7 +4502,7 @@
           <p:cNvPr id="4" name="Footer Placeholder 3">
             <a:extLst>
               <a:ext uri="{FF2B5EF4-FFF2-40B4-BE49-F238E27FC236}">
-                <a16:creationId xmlns:a16="http://schemas.microsoft.com/office/drawing/2014/main" id="{4CED606F-2733-4283-ABE8-8EDEC3C4B599}"/>
+                <a16:creationId xmlns:a16="http://schemas.microsoft.com/office/drawing/2014/main" xmlns="" id="{4CED606F-2733-4283-ABE8-8EDEC3C4B599}"/>
               </a:ext>
             </a:extLst>
           </p:cNvPr>
@@ -4530,7 +4530,7 @@
           <p:cNvPr id="5" name="Slide Number Placeholder 4">
             <a:extLst>
               <a:ext uri="{FF2B5EF4-FFF2-40B4-BE49-F238E27FC236}">
-                <a16:creationId xmlns:a16="http://schemas.microsoft.com/office/drawing/2014/main" id="{768A7C60-1767-4EEA-96D3-D7256689544B}"/>
+                <a16:creationId xmlns:a16="http://schemas.microsoft.com/office/drawing/2014/main" xmlns="" id="{768A7C60-1767-4EEA-96D3-D7256689544B}"/>
               </a:ext>
             </a:extLst>
           </p:cNvPr>
@@ -4589,7 +4589,7 @@
           <p:cNvPr id="2" name="Date Placeholder 1">
             <a:extLst>
               <a:ext uri="{FF2B5EF4-FFF2-40B4-BE49-F238E27FC236}">
-                <a16:creationId xmlns:a16="http://schemas.microsoft.com/office/drawing/2014/main" id="{9433A5AA-00DE-4253-AD32-B28D135229AD}"/>
+                <a16:creationId xmlns:a16="http://schemas.microsoft.com/office/drawing/2014/main" xmlns="" id="{9433A5AA-00DE-4253-AD32-B28D135229AD}"/>
               </a:ext>
             </a:extLst>
           </p:cNvPr>
@@ -4607,7 +4607,7 @@
           <a:p>
             <a:fld id="{6A7F5F2F-C32F-4C60-9CF7-FF33E018C4FE}" type="datetime1">
               <a:rPr lang="en-US" smtClean="0"/>
-              <a:t>10/10/2023</a:t>
+              <a:t>10/30/2023</a:t>
             </a:fld>
             <a:endParaRPr lang="en-US"/>
           </a:p>
@@ -4618,7 +4618,7 @@
           <p:cNvPr id="3" name="Footer Placeholder 2">
             <a:extLst>
               <a:ext uri="{FF2B5EF4-FFF2-40B4-BE49-F238E27FC236}">
-                <a16:creationId xmlns:a16="http://schemas.microsoft.com/office/drawing/2014/main" id="{26F72076-DD40-4EC9-B058-8FC2844C45B4}"/>
+                <a16:creationId xmlns:a16="http://schemas.microsoft.com/office/drawing/2014/main" xmlns="" id="{26F72076-DD40-4EC9-B058-8FC2844C45B4}"/>
               </a:ext>
             </a:extLst>
           </p:cNvPr>
@@ -4646,7 +4646,7 @@
           <p:cNvPr id="4" name="Slide Number Placeholder 3">
             <a:extLst>
               <a:ext uri="{FF2B5EF4-FFF2-40B4-BE49-F238E27FC236}">
-                <a16:creationId xmlns:a16="http://schemas.microsoft.com/office/drawing/2014/main" id="{1F28F191-BFAC-4283-97E8-3000B4D69426}"/>
+                <a16:creationId xmlns:a16="http://schemas.microsoft.com/office/drawing/2014/main" xmlns="" id="{1F28F191-BFAC-4283-97E8-3000B4D69426}"/>
               </a:ext>
             </a:extLst>
           </p:cNvPr>
@@ -4705,7 +4705,7 @@
           <p:cNvPr id="2" name="Title 1">
             <a:extLst>
               <a:ext uri="{FF2B5EF4-FFF2-40B4-BE49-F238E27FC236}">
-                <a16:creationId xmlns:a16="http://schemas.microsoft.com/office/drawing/2014/main" id="{E58C3EDA-F11E-4224-AD79-E17D991D0537}"/>
+                <a16:creationId xmlns:a16="http://schemas.microsoft.com/office/drawing/2014/main" xmlns="" id="{E58C3EDA-F11E-4224-AD79-E17D991D0537}"/>
               </a:ext>
             </a:extLst>
           </p:cNvPr>
@@ -4742,7 +4742,7 @@
           <p:cNvPr id="3" name="Content Placeholder 2">
             <a:extLst>
               <a:ext uri="{FF2B5EF4-FFF2-40B4-BE49-F238E27FC236}">
-                <a16:creationId xmlns:a16="http://schemas.microsoft.com/office/drawing/2014/main" id="{7CDDAA6C-6224-47CF-A14B-954A9F980DF1}"/>
+                <a16:creationId xmlns:a16="http://schemas.microsoft.com/office/drawing/2014/main" xmlns="" id="{7CDDAA6C-6224-47CF-A14B-954A9F980DF1}"/>
               </a:ext>
             </a:extLst>
           </p:cNvPr>
@@ -4832,7 +4832,7 @@
           <p:cNvPr id="4" name="Text Placeholder 3">
             <a:extLst>
               <a:ext uri="{FF2B5EF4-FFF2-40B4-BE49-F238E27FC236}">
-                <a16:creationId xmlns:a16="http://schemas.microsoft.com/office/drawing/2014/main" id="{7A5E0CB3-18CB-492E-AC73-B3D8D539862B}"/>
+                <a16:creationId xmlns:a16="http://schemas.microsoft.com/office/drawing/2014/main" xmlns="" id="{7A5E0CB3-18CB-492E-AC73-B3D8D539862B}"/>
               </a:ext>
             </a:extLst>
           </p:cNvPr>
@@ -4903,7 +4903,7 @@
           <p:cNvPr id="5" name="Date Placeholder 4">
             <a:extLst>
               <a:ext uri="{FF2B5EF4-FFF2-40B4-BE49-F238E27FC236}">
-                <a16:creationId xmlns:a16="http://schemas.microsoft.com/office/drawing/2014/main" id="{7387D1DC-7D78-4FD9-90A1-1CE7DC3AAD33}"/>
+                <a16:creationId xmlns:a16="http://schemas.microsoft.com/office/drawing/2014/main" xmlns="" id="{7387D1DC-7D78-4FD9-90A1-1CE7DC3AAD33}"/>
               </a:ext>
             </a:extLst>
           </p:cNvPr>
@@ -4921,7 +4921,7 @@
           <a:p>
             <a:fld id="{0B1A5200-9D12-4E9E-965A-D5999F208480}" type="datetime1">
               <a:rPr lang="en-US" smtClean="0"/>
-              <a:t>10/10/2023</a:t>
+              <a:t>10/30/2023</a:t>
             </a:fld>
             <a:endParaRPr lang="en-US"/>
           </a:p>
@@ -4932,7 +4932,7 @@
           <p:cNvPr id="6" name="Footer Placeholder 5">
             <a:extLst>
               <a:ext uri="{FF2B5EF4-FFF2-40B4-BE49-F238E27FC236}">
-                <a16:creationId xmlns:a16="http://schemas.microsoft.com/office/drawing/2014/main" id="{9540D9DC-C324-447F-936B-2DB9FFAD868B}"/>
+                <a16:creationId xmlns:a16="http://schemas.microsoft.com/office/drawing/2014/main" xmlns="" id="{9540D9DC-C324-447F-936B-2DB9FFAD868B}"/>
               </a:ext>
             </a:extLst>
           </p:cNvPr>
@@ -4960,7 +4960,7 @@
           <p:cNvPr id="7" name="Slide Number Placeholder 6">
             <a:extLst>
               <a:ext uri="{FF2B5EF4-FFF2-40B4-BE49-F238E27FC236}">
-                <a16:creationId xmlns:a16="http://schemas.microsoft.com/office/drawing/2014/main" id="{52105302-A8F1-4E4F-9A4E-A52ED7B5FB75}"/>
+                <a16:creationId xmlns:a16="http://schemas.microsoft.com/office/drawing/2014/main" xmlns="" id="{52105302-A8F1-4E4F-9A4E-A52ED7B5FB75}"/>
               </a:ext>
             </a:extLst>
           </p:cNvPr>
@@ -5019,7 +5019,7 @@
           <p:cNvPr id="2" name="Title 1">
             <a:extLst>
               <a:ext uri="{FF2B5EF4-FFF2-40B4-BE49-F238E27FC236}">
-                <a16:creationId xmlns:a16="http://schemas.microsoft.com/office/drawing/2014/main" id="{AC0A59AC-D898-4500-BD0F-254C4DE7EE60}"/>
+                <a16:creationId xmlns:a16="http://schemas.microsoft.com/office/drawing/2014/main" xmlns="" id="{AC0A59AC-D898-4500-BD0F-254C4DE7EE60}"/>
               </a:ext>
             </a:extLst>
           </p:cNvPr>
@@ -5047,7 +5047,7 @@
           <p:cNvPr id="3" name="Content Placeholder 2">
             <a:extLst>
               <a:ext uri="{FF2B5EF4-FFF2-40B4-BE49-F238E27FC236}">
-                <a16:creationId xmlns:a16="http://schemas.microsoft.com/office/drawing/2014/main" id="{6C616909-CEC4-4186-91C2-E5C5C11E1FF1}"/>
+                <a16:creationId xmlns:a16="http://schemas.microsoft.com/office/drawing/2014/main" xmlns="" id="{6C616909-CEC4-4186-91C2-E5C5C11E1FF1}"/>
               </a:ext>
             </a:extLst>
           </p:cNvPr>
@@ -5104,7 +5104,7 @@
           <p:cNvPr id="4" name="Date Placeholder 3">
             <a:extLst>
               <a:ext uri="{FF2B5EF4-FFF2-40B4-BE49-F238E27FC236}">
-                <a16:creationId xmlns:a16="http://schemas.microsoft.com/office/drawing/2014/main" id="{7E093DFB-93AB-405E-B34F-41AB92648C31}"/>
+                <a16:creationId xmlns:a16="http://schemas.microsoft.com/office/drawing/2014/main" xmlns="" id="{7E093DFB-93AB-405E-B34F-41AB92648C31}"/>
               </a:ext>
             </a:extLst>
           </p:cNvPr>
@@ -5122,7 +5122,7 @@
           <a:p>
             <a:fld id="{E8FA1548-0CA5-4965-81C4-71FC3C423ABC}" type="datetime1">
               <a:rPr lang="en-US" smtClean="0"/>
-              <a:t>10/10/2023</a:t>
+              <a:t>10/30/2023</a:t>
             </a:fld>
             <a:endParaRPr lang="en-US"/>
           </a:p>
@@ -5133,7 +5133,7 @@
           <p:cNvPr id="5" name="Footer Placeholder 4">
             <a:extLst>
               <a:ext uri="{FF2B5EF4-FFF2-40B4-BE49-F238E27FC236}">
-                <a16:creationId xmlns:a16="http://schemas.microsoft.com/office/drawing/2014/main" id="{71AA780B-3B98-47E3-BD67-DCF6B4CAE780}"/>
+                <a16:creationId xmlns:a16="http://schemas.microsoft.com/office/drawing/2014/main" xmlns="" id="{71AA780B-3B98-47E3-BD67-DCF6B4CAE780}"/>
               </a:ext>
             </a:extLst>
           </p:cNvPr>
@@ -5171,7 +5171,7 @@
           <p:cNvPr id="6" name="Slide Number Placeholder 5">
             <a:extLst>
               <a:ext uri="{FF2B5EF4-FFF2-40B4-BE49-F238E27FC236}">
-                <a16:creationId xmlns:a16="http://schemas.microsoft.com/office/drawing/2014/main" id="{33CA9D92-4827-4C64-A619-492EF3EA2725}"/>
+                <a16:creationId xmlns:a16="http://schemas.microsoft.com/office/drawing/2014/main" xmlns="" id="{33CA9D92-4827-4C64-A619-492EF3EA2725}"/>
               </a:ext>
             </a:extLst>
           </p:cNvPr>
@@ -5230,7 +5230,7 @@
           <p:cNvPr id="2" name="Title 1">
             <a:extLst>
               <a:ext uri="{FF2B5EF4-FFF2-40B4-BE49-F238E27FC236}">
-                <a16:creationId xmlns:a16="http://schemas.microsoft.com/office/drawing/2014/main" id="{165E303F-4D45-4B7C-AD09-8CD32C805E88}"/>
+                <a16:creationId xmlns:a16="http://schemas.microsoft.com/office/drawing/2014/main" xmlns="" id="{165E303F-4D45-4B7C-AD09-8CD32C805E88}"/>
               </a:ext>
             </a:extLst>
           </p:cNvPr>
@@ -5267,7 +5267,7 @@
           <p:cNvPr id="3" name="Picture Placeholder 2">
             <a:extLst>
               <a:ext uri="{FF2B5EF4-FFF2-40B4-BE49-F238E27FC236}">
-                <a16:creationId xmlns:a16="http://schemas.microsoft.com/office/drawing/2014/main" id="{0977B0C3-7E4C-4B9A-8602-1084B2D0F03B}"/>
+                <a16:creationId xmlns:a16="http://schemas.microsoft.com/office/drawing/2014/main" xmlns="" id="{0977B0C3-7E4C-4B9A-8602-1084B2D0F03B}"/>
               </a:ext>
             </a:extLst>
           </p:cNvPr>
@@ -5334,7 +5334,7 @@
           <p:cNvPr id="4" name="Text Placeholder 3">
             <a:extLst>
               <a:ext uri="{FF2B5EF4-FFF2-40B4-BE49-F238E27FC236}">
-                <a16:creationId xmlns:a16="http://schemas.microsoft.com/office/drawing/2014/main" id="{F880F77E-9C0B-4064-A41D-B3BB70D84B46}"/>
+                <a16:creationId xmlns:a16="http://schemas.microsoft.com/office/drawing/2014/main" xmlns="" id="{F880F77E-9C0B-4064-A41D-B3BB70D84B46}"/>
               </a:ext>
             </a:extLst>
           </p:cNvPr>
@@ -5405,7 +5405,7 @@
           <p:cNvPr id="5" name="Date Placeholder 4">
             <a:extLst>
               <a:ext uri="{FF2B5EF4-FFF2-40B4-BE49-F238E27FC236}">
-                <a16:creationId xmlns:a16="http://schemas.microsoft.com/office/drawing/2014/main" id="{775363F8-70DE-4FCE-B863-830D393DBB72}"/>
+                <a16:creationId xmlns:a16="http://schemas.microsoft.com/office/drawing/2014/main" xmlns="" id="{775363F8-70DE-4FCE-B863-830D393DBB72}"/>
               </a:ext>
             </a:extLst>
           </p:cNvPr>
@@ -5423,7 +5423,7 @@
           <a:p>
             <a:fld id="{B52E9940-05AF-45CC-B9EA-467906A9A1F6}" type="datetime1">
               <a:rPr lang="en-US" smtClean="0"/>
-              <a:t>10/10/2023</a:t>
+              <a:t>10/30/2023</a:t>
             </a:fld>
             <a:endParaRPr lang="en-US"/>
           </a:p>
@@ -5434,7 +5434,7 @@
           <p:cNvPr id="6" name="Footer Placeholder 5">
             <a:extLst>
               <a:ext uri="{FF2B5EF4-FFF2-40B4-BE49-F238E27FC236}">
-                <a16:creationId xmlns:a16="http://schemas.microsoft.com/office/drawing/2014/main" id="{EFAB667F-D088-4A07-9BED-450B51779B0A}"/>
+                <a16:creationId xmlns:a16="http://schemas.microsoft.com/office/drawing/2014/main" xmlns="" id="{EFAB667F-D088-4A07-9BED-450B51779B0A}"/>
               </a:ext>
             </a:extLst>
           </p:cNvPr>
@@ -5462,7 +5462,7 @@
           <p:cNvPr id="7" name="Slide Number Placeholder 6">
             <a:extLst>
               <a:ext uri="{FF2B5EF4-FFF2-40B4-BE49-F238E27FC236}">
-                <a16:creationId xmlns:a16="http://schemas.microsoft.com/office/drawing/2014/main" id="{77877E67-E7CA-4055-AB34-F5C463C4474D}"/>
+                <a16:creationId xmlns:a16="http://schemas.microsoft.com/office/drawing/2014/main" xmlns="" id="{77877E67-E7CA-4055-AB34-F5C463C4474D}"/>
               </a:ext>
             </a:extLst>
           </p:cNvPr>
@@ -5521,7 +5521,7 @@
           <p:cNvPr id="2" name="Title 1">
             <a:extLst>
               <a:ext uri="{FF2B5EF4-FFF2-40B4-BE49-F238E27FC236}">
-                <a16:creationId xmlns:a16="http://schemas.microsoft.com/office/drawing/2014/main" id="{320E5298-30E9-4979-AE62-DA7F539E84E7}"/>
+                <a16:creationId xmlns:a16="http://schemas.microsoft.com/office/drawing/2014/main" xmlns="" id="{320E5298-30E9-4979-AE62-DA7F539E84E7}"/>
               </a:ext>
             </a:extLst>
           </p:cNvPr>
@@ -5549,7 +5549,7 @@
           <p:cNvPr id="3" name="Vertical Text Placeholder 2">
             <a:extLst>
               <a:ext uri="{FF2B5EF4-FFF2-40B4-BE49-F238E27FC236}">
-                <a16:creationId xmlns:a16="http://schemas.microsoft.com/office/drawing/2014/main" id="{8A59F66F-C0A8-4695-8BAD-80C64DF6ACF1}"/>
+                <a16:creationId xmlns:a16="http://schemas.microsoft.com/office/drawing/2014/main" xmlns="" id="{8A59F66F-C0A8-4695-8BAD-80C64DF6ACF1}"/>
               </a:ext>
             </a:extLst>
           </p:cNvPr>
@@ -5606,7 +5606,7 @@
           <p:cNvPr id="4" name="Date Placeholder 3">
             <a:extLst>
               <a:ext uri="{FF2B5EF4-FFF2-40B4-BE49-F238E27FC236}">
-                <a16:creationId xmlns:a16="http://schemas.microsoft.com/office/drawing/2014/main" id="{52B077E3-599A-4EF9-817D-B90C6C24A830}"/>
+                <a16:creationId xmlns:a16="http://schemas.microsoft.com/office/drawing/2014/main" xmlns="" id="{52B077E3-599A-4EF9-817D-B90C6C24A830}"/>
               </a:ext>
             </a:extLst>
           </p:cNvPr>
@@ -5624,7 +5624,7 @@
           <a:p>
             <a:fld id="{759A37E3-938D-429A-BCEB-1B5A5E286CBF}" type="datetime1">
               <a:rPr lang="en-US" smtClean="0"/>
-              <a:t>10/10/2023</a:t>
+              <a:t>10/30/2023</a:t>
             </a:fld>
             <a:endParaRPr lang="en-US"/>
           </a:p>
@@ -5635,7 +5635,7 @@
           <p:cNvPr id="5" name="Footer Placeholder 4">
             <a:extLst>
               <a:ext uri="{FF2B5EF4-FFF2-40B4-BE49-F238E27FC236}">
-                <a16:creationId xmlns:a16="http://schemas.microsoft.com/office/drawing/2014/main" id="{30610F6A-207C-4BC5-80F2-6ECAFF3C2C73}"/>
+                <a16:creationId xmlns:a16="http://schemas.microsoft.com/office/drawing/2014/main" xmlns="" id="{30610F6A-207C-4BC5-80F2-6ECAFF3C2C73}"/>
               </a:ext>
             </a:extLst>
           </p:cNvPr>
@@ -5663,7 +5663,7 @@
           <p:cNvPr id="6" name="Slide Number Placeholder 5">
             <a:extLst>
               <a:ext uri="{FF2B5EF4-FFF2-40B4-BE49-F238E27FC236}">
-                <a16:creationId xmlns:a16="http://schemas.microsoft.com/office/drawing/2014/main" id="{69ADDAE4-A677-45D4-9E90-89A2B9BB29BD}"/>
+                <a16:creationId xmlns:a16="http://schemas.microsoft.com/office/drawing/2014/main" xmlns="" id="{69ADDAE4-A677-45D4-9E90-89A2B9BB29BD}"/>
               </a:ext>
             </a:extLst>
           </p:cNvPr>
@@ -5722,7 +5722,7 @@
           <p:cNvPr id="2" name="Vertical Title 1">
             <a:extLst>
               <a:ext uri="{FF2B5EF4-FFF2-40B4-BE49-F238E27FC236}">
-                <a16:creationId xmlns:a16="http://schemas.microsoft.com/office/drawing/2014/main" id="{21B1D6A0-D319-4FA6-993B-67D596C4E26F}"/>
+                <a16:creationId xmlns:a16="http://schemas.microsoft.com/office/drawing/2014/main" xmlns="" id="{21B1D6A0-D319-4FA6-993B-67D596C4E26F}"/>
               </a:ext>
             </a:extLst>
           </p:cNvPr>
@@ -5755,7 +5755,7 @@
           <p:cNvPr id="3" name="Vertical Text Placeholder 2">
             <a:extLst>
               <a:ext uri="{FF2B5EF4-FFF2-40B4-BE49-F238E27FC236}">
-                <a16:creationId xmlns:a16="http://schemas.microsoft.com/office/drawing/2014/main" id="{B3892699-2CE3-45E7-8A7A-B58859056D86}"/>
+                <a16:creationId xmlns:a16="http://schemas.microsoft.com/office/drawing/2014/main" xmlns="" id="{B3892699-2CE3-45E7-8A7A-B58859056D86}"/>
               </a:ext>
             </a:extLst>
           </p:cNvPr>
@@ -5817,7 +5817,7 @@
           <p:cNvPr id="4" name="Date Placeholder 3">
             <a:extLst>
               <a:ext uri="{FF2B5EF4-FFF2-40B4-BE49-F238E27FC236}">
-                <a16:creationId xmlns:a16="http://schemas.microsoft.com/office/drawing/2014/main" id="{426F78AA-00D5-4794-8825-01C38D139F05}"/>
+                <a16:creationId xmlns:a16="http://schemas.microsoft.com/office/drawing/2014/main" xmlns="" id="{426F78AA-00D5-4794-8825-01C38D139F05}"/>
               </a:ext>
             </a:extLst>
           </p:cNvPr>
@@ -5835,7 +5835,7 @@
           <a:p>
             <a:fld id="{760B582F-5CAD-455F-8B91-B0BCFA0A4559}" type="datetime1">
               <a:rPr lang="en-US" smtClean="0"/>
-              <a:t>10/10/2023</a:t>
+              <a:t>10/30/2023</a:t>
             </a:fld>
             <a:endParaRPr lang="en-US"/>
           </a:p>
@@ -5846,7 +5846,7 @@
           <p:cNvPr id="5" name="Footer Placeholder 4">
             <a:extLst>
               <a:ext uri="{FF2B5EF4-FFF2-40B4-BE49-F238E27FC236}">
-                <a16:creationId xmlns:a16="http://schemas.microsoft.com/office/drawing/2014/main" id="{9E2ADAC6-1196-4471-9800-ED0843651E37}"/>
+                <a16:creationId xmlns:a16="http://schemas.microsoft.com/office/drawing/2014/main" xmlns="" id="{9E2ADAC6-1196-4471-9800-ED0843651E37}"/>
               </a:ext>
             </a:extLst>
           </p:cNvPr>
@@ -5874,7 +5874,7 @@
           <p:cNvPr id="6" name="Slide Number Placeholder 5">
             <a:extLst>
               <a:ext uri="{FF2B5EF4-FFF2-40B4-BE49-F238E27FC236}">
-                <a16:creationId xmlns:a16="http://schemas.microsoft.com/office/drawing/2014/main" id="{898E0771-60F8-4315-BC2A-BF83A8C52478}"/>
+                <a16:creationId xmlns:a16="http://schemas.microsoft.com/office/drawing/2014/main" xmlns="" id="{898E0771-60F8-4315-BC2A-BF83A8C52478}"/>
               </a:ext>
             </a:extLst>
           </p:cNvPr>
@@ -5933,7 +5933,7 @@
           <p:cNvPr id="3" name="Title 1">
             <a:extLst>
               <a:ext uri="{FF2B5EF4-FFF2-40B4-BE49-F238E27FC236}">
-                <a16:creationId xmlns:a16="http://schemas.microsoft.com/office/drawing/2014/main" id="{BB5E2274-53B5-E646-8249-2FAA231DDB77}"/>
+                <a16:creationId xmlns:a16="http://schemas.microsoft.com/office/drawing/2014/main" xmlns="" id="{BB5E2274-53B5-E646-8249-2FAA231DDB77}"/>
               </a:ext>
             </a:extLst>
           </p:cNvPr>
@@ -5983,7 +5983,7 @@
           <p:cNvPr id="4" name="Text Placeholder 8">
             <a:extLst>
               <a:ext uri="{FF2B5EF4-FFF2-40B4-BE49-F238E27FC236}">
-                <a16:creationId xmlns:a16="http://schemas.microsoft.com/office/drawing/2014/main" id="{B19BDDD2-FA0D-4C46-B208-85C7A45B52C1}"/>
+                <a16:creationId xmlns:a16="http://schemas.microsoft.com/office/drawing/2014/main" xmlns="" id="{B19BDDD2-FA0D-4C46-B208-85C7A45B52C1}"/>
               </a:ext>
             </a:extLst>
           </p:cNvPr>
@@ -6034,7 +6034,7 @@
           <p:cNvPr id="6" name="Content Placeholder 5">
             <a:extLst>
               <a:ext uri="{FF2B5EF4-FFF2-40B4-BE49-F238E27FC236}">
-                <a16:creationId xmlns:a16="http://schemas.microsoft.com/office/drawing/2014/main" id="{22B1FF8F-C656-8942-B9B2-F6ADCBDC6ED2}"/>
+                <a16:creationId xmlns:a16="http://schemas.microsoft.com/office/drawing/2014/main" xmlns="" id="{22B1FF8F-C656-8942-B9B2-F6ADCBDC6ED2}"/>
               </a:ext>
             </a:extLst>
           </p:cNvPr>
@@ -6156,7 +6156,7 @@
           <p:cNvPr id="9" name="Slide Number Placeholder 5">
             <a:extLst>
               <a:ext uri="{FF2B5EF4-FFF2-40B4-BE49-F238E27FC236}">
-                <a16:creationId xmlns:a16="http://schemas.microsoft.com/office/drawing/2014/main" id="{18ACC2A2-0BF8-0845-8431-42B6E1AF502E}"/>
+                <a16:creationId xmlns:a16="http://schemas.microsoft.com/office/drawing/2014/main" xmlns="" id="{18ACC2A2-0BF8-0845-8431-42B6E1AF502E}"/>
               </a:ext>
             </a:extLst>
           </p:cNvPr>
@@ -6234,7 +6234,7 @@
           <p:cNvPr id="2" name="Title 1">
             <a:extLst>
               <a:ext uri="{FF2B5EF4-FFF2-40B4-BE49-F238E27FC236}">
-                <a16:creationId xmlns:a16="http://schemas.microsoft.com/office/drawing/2014/main" id="{D86851A9-A0C6-1E4C-9924-2F721BA0B798}"/>
+                <a16:creationId xmlns:a16="http://schemas.microsoft.com/office/drawing/2014/main" xmlns="" id="{D86851A9-A0C6-1E4C-9924-2F721BA0B798}"/>
               </a:ext>
             </a:extLst>
           </p:cNvPr>
@@ -6284,7 +6284,7 @@
           <p:cNvPr id="9" name="Text Placeholder 8">
             <a:extLst>
               <a:ext uri="{FF2B5EF4-FFF2-40B4-BE49-F238E27FC236}">
-                <a16:creationId xmlns:a16="http://schemas.microsoft.com/office/drawing/2014/main" id="{5AD84B63-BBB4-7842-9BE8-B0ED6F1117FF}"/>
+                <a16:creationId xmlns:a16="http://schemas.microsoft.com/office/drawing/2014/main" xmlns="" id="{5AD84B63-BBB4-7842-9BE8-B0ED6F1117FF}"/>
               </a:ext>
             </a:extLst>
           </p:cNvPr>
@@ -6335,7 +6335,7 @@
           <p:cNvPr id="6" name="Slide Number Placeholder 5">
             <a:extLst>
               <a:ext uri="{FF2B5EF4-FFF2-40B4-BE49-F238E27FC236}">
-                <a16:creationId xmlns:a16="http://schemas.microsoft.com/office/drawing/2014/main" id="{206D5C23-01EA-204E-A54A-6E2E15BA722C}"/>
+                <a16:creationId xmlns:a16="http://schemas.microsoft.com/office/drawing/2014/main" xmlns="" id="{206D5C23-01EA-204E-A54A-6E2E15BA722C}"/>
               </a:ext>
             </a:extLst>
           </p:cNvPr>
@@ -6413,7 +6413,7 @@
           <p:cNvPr id="2" name="Rectangle 1">
             <a:extLst>
               <a:ext uri="{FF2B5EF4-FFF2-40B4-BE49-F238E27FC236}">
-                <a16:creationId xmlns:a16="http://schemas.microsoft.com/office/drawing/2014/main" id="{A8E58728-4C2D-D44E-A192-0BBBB2F33D74}"/>
+                <a16:creationId xmlns:a16="http://schemas.microsoft.com/office/drawing/2014/main" xmlns="" id="{A8E58728-4C2D-D44E-A192-0BBBB2F33D74}"/>
               </a:ext>
             </a:extLst>
           </p:cNvPr>
@@ -6467,7 +6467,7 @@
           <p:cNvPr id="3" name="Picture Placeholder 2">
             <a:extLst>
               <a:ext uri="{FF2B5EF4-FFF2-40B4-BE49-F238E27FC236}">
-                <a16:creationId xmlns:a16="http://schemas.microsoft.com/office/drawing/2014/main" id="{542A4589-6F5D-8648-A846-945ECFB37E7E}"/>
+                <a16:creationId xmlns:a16="http://schemas.microsoft.com/office/drawing/2014/main" xmlns="" id="{542A4589-6F5D-8648-A846-945ECFB37E7E}"/>
               </a:ext>
             </a:extLst>
           </p:cNvPr>
@@ -6555,7 +6555,7 @@
           <p:cNvPr id="5" name="Slide Number Placeholder 5">
             <a:extLst>
               <a:ext uri="{FF2B5EF4-FFF2-40B4-BE49-F238E27FC236}">
-                <a16:creationId xmlns:a16="http://schemas.microsoft.com/office/drawing/2014/main" id="{11C9CB76-DE2D-264B-862B-74BCAD9DB385}"/>
+                <a16:creationId xmlns:a16="http://schemas.microsoft.com/office/drawing/2014/main" xmlns="" id="{11C9CB76-DE2D-264B-862B-74BCAD9DB385}"/>
               </a:ext>
             </a:extLst>
           </p:cNvPr>
@@ -6603,7 +6603,7 @@
           <p:cNvPr id="3" name="Title 1">
             <a:extLst>
               <a:ext uri="{FF2B5EF4-FFF2-40B4-BE49-F238E27FC236}">
-                <a16:creationId xmlns:a16="http://schemas.microsoft.com/office/drawing/2014/main" id="{BB5E2274-53B5-E646-8249-2FAA231DDB77}"/>
+                <a16:creationId xmlns:a16="http://schemas.microsoft.com/office/drawing/2014/main" xmlns="" id="{BB5E2274-53B5-E646-8249-2FAA231DDB77}"/>
               </a:ext>
             </a:extLst>
           </p:cNvPr>
@@ -6653,7 +6653,7 @@
           <p:cNvPr id="4" name="Text Placeholder 8">
             <a:extLst>
               <a:ext uri="{FF2B5EF4-FFF2-40B4-BE49-F238E27FC236}">
-                <a16:creationId xmlns:a16="http://schemas.microsoft.com/office/drawing/2014/main" id="{B19BDDD2-FA0D-4C46-B208-85C7A45B52C1}"/>
+                <a16:creationId xmlns:a16="http://schemas.microsoft.com/office/drawing/2014/main" xmlns="" id="{B19BDDD2-FA0D-4C46-B208-85C7A45B52C1}"/>
               </a:ext>
             </a:extLst>
           </p:cNvPr>
@@ -6734,7 +6734,7 @@
           <p:cNvPr id="3" name="Slide Number Placeholder 5">
             <a:extLst>
               <a:ext uri="{FF2B5EF4-FFF2-40B4-BE49-F238E27FC236}">
-                <a16:creationId xmlns:a16="http://schemas.microsoft.com/office/drawing/2014/main" id="{AA2A33DA-55CD-E746-A70B-FED4EF33241A}"/>
+                <a16:creationId xmlns:a16="http://schemas.microsoft.com/office/drawing/2014/main" xmlns="" id="{AA2A33DA-55CD-E746-A70B-FED4EF33241A}"/>
               </a:ext>
             </a:extLst>
           </p:cNvPr>
@@ -6812,7 +6812,7 @@
           <p:cNvPr id="3" name="Title 1">
             <a:extLst>
               <a:ext uri="{FF2B5EF4-FFF2-40B4-BE49-F238E27FC236}">
-                <a16:creationId xmlns:a16="http://schemas.microsoft.com/office/drawing/2014/main" id="{BB5E2274-53B5-E646-8249-2FAA231DDB77}"/>
+                <a16:creationId xmlns:a16="http://schemas.microsoft.com/office/drawing/2014/main" xmlns="" id="{BB5E2274-53B5-E646-8249-2FAA231DDB77}"/>
               </a:ext>
             </a:extLst>
           </p:cNvPr>
@@ -6862,7 +6862,7 @@
           <p:cNvPr id="4" name="Text Placeholder 8">
             <a:extLst>
               <a:ext uri="{FF2B5EF4-FFF2-40B4-BE49-F238E27FC236}">
-                <a16:creationId xmlns:a16="http://schemas.microsoft.com/office/drawing/2014/main" id="{B19BDDD2-FA0D-4C46-B208-85C7A45B52C1}"/>
+                <a16:creationId xmlns:a16="http://schemas.microsoft.com/office/drawing/2014/main" xmlns="" id="{B19BDDD2-FA0D-4C46-B208-85C7A45B52C1}"/>
               </a:ext>
             </a:extLst>
           </p:cNvPr>
@@ -6913,7 +6913,7 @@
           <p:cNvPr id="7" name="Slide Number Placeholder 5">
             <a:extLst>
               <a:ext uri="{FF2B5EF4-FFF2-40B4-BE49-F238E27FC236}">
-                <a16:creationId xmlns:a16="http://schemas.microsoft.com/office/drawing/2014/main" id="{A0E82B3C-D95E-0548-AC36-2726FAC2D023}"/>
+                <a16:creationId xmlns:a16="http://schemas.microsoft.com/office/drawing/2014/main" xmlns="" id="{A0E82B3C-D95E-0548-AC36-2726FAC2D023}"/>
               </a:ext>
             </a:extLst>
           </p:cNvPr>
@@ -6961,7 +6961,7 @@
           <p:cNvPr id="10" name="TextBox 9">
             <a:extLst>
               <a:ext uri="{FF2B5EF4-FFF2-40B4-BE49-F238E27FC236}">
-                <a16:creationId xmlns:a16="http://schemas.microsoft.com/office/drawing/2014/main" id="{DA14C8CA-969C-B94D-9353-565EE06C1CCD}"/>
+                <a16:creationId xmlns:a16="http://schemas.microsoft.com/office/drawing/2014/main" xmlns="" id="{DA14C8CA-969C-B94D-9353-565EE06C1CCD}"/>
               </a:ext>
             </a:extLst>
           </p:cNvPr>
@@ -7003,7 +7003,7 @@
           <p:cNvPr id="11" name="Straight Connector 10">
             <a:extLst>
               <a:ext uri="{FF2B5EF4-FFF2-40B4-BE49-F238E27FC236}">
-                <a16:creationId xmlns:a16="http://schemas.microsoft.com/office/drawing/2014/main" id="{3C64F277-5CEF-984B-AF6B-01ED0BDB4CC3}"/>
+                <a16:creationId xmlns:a16="http://schemas.microsoft.com/office/drawing/2014/main" xmlns="" id="{3C64F277-5CEF-984B-AF6B-01ED0BDB4CC3}"/>
               </a:ext>
             </a:extLst>
           </p:cNvPr>
@@ -7044,7 +7044,7 @@
           <p:cNvPr id="12" name="Picture 11">
             <a:extLst>
               <a:ext uri="{FF2B5EF4-FFF2-40B4-BE49-F238E27FC236}">
-                <a16:creationId xmlns:a16="http://schemas.microsoft.com/office/drawing/2014/main" id="{D84486EA-184E-4545-91BE-6F81B7DF9BA8}"/>
+                <a16:creationId xmlns:a16="http://schemas.microsoft.com/office/drawing/2014/main" xmlns="" id="{D84486EA-184E-4545-91BE-6F81B7DF9BA8}"/>
               </a:ext>
             </a:extLst>
           </p:cNvPr>
@@ -7110,7 +7110,7 @@
           <p:cNvPr id="3" name="Title 1">
             <a:extLst>
               <a:ext uri="{FF2B5EF4-FFF2-40B4-BE49-F238E27FC236}">
-                <a16:creationId xmlns:a16="http://schemas.microsoft.com/office/drawing/2014/main" id="{BB5E2274-53B5-E646-8249-2FAA231DDB77}"/>
+                <a16:creationId xmlns:a16="http://schemas.microsoft.com/office/drawing/2014/main" xmlns="" id="{BB5E2274-53B5-E646-8249-2FAA231DDB77}"/>
               </a:ext>
             </a:extLst>
           </p:cNvPr>
@@ -7160,7 +7160,7 @@
           <p:cNvPr id="4" name="Text Placeholder 8">
             <a:extLst>
               <a:ext uri="{FF2B5EF4-FFF2-40B4-BE49-F238E27FC236}">
-                <a16:creationId xmlns:a16="http://schemas.microsoft.com/office/drawing/2014/main" id="{B19BDDD2-FA0D-4C46-B208-85C7A45B52C1}"/>
+                <a16:creationId xmlns:a16="http://schemas.microsoft.com/office/drawing/2014/main" xmlns="" id="{B19BDDD2-FA0D-4C46-B208-85C7A45B52C1}"/>
               </a:ext>
             </a:extLst>
           </p:cNvPr>
@@ -7211,7 +7211,7 @@
           <p:cNvPr id="6" name="Content Placeholder 5">
             <a:extLst>
               <a:ext uri="{FF2B5EF4-FFF2-40B4-BE49-F238E27FC236}">
-                <a16:creationId xmlns:a16="http://schemas.microsoft.com/office/drawing/2014/main" id="{22B1FF8F-C656-8942-B9B2-F6ADCBDC6ED2}"/>
+                <a16:creationId xmlns:a16="http://schemas.microsoft.com/office/drawing/2014/main" xmlns="" id="{22B1FF8F-C656-8942-B9B2-F6ADCBDC6ED2}"/>
               </a:ext>
             </a:extLst>
           </p:cNvPr>
@@ -7333,7 +7333,7 @@
           <p:cNvPr id="9" name="Slide Number Placeholder 5">
             <a:extLst>
               <a:ext uri="{FF2B5EF4-FFF2-40B4-BE49-F238E27FC236}">
-                <a16:creationId xmlns:a16="http://schemas.microsoft.com/office/drawing/2014/main" id="{18ACC2A2-0BF8-0845-8431-42B6E1AF502E}"/>
+                <a16:creationId xmlns:a16="http://schemas.microsoft.com/office/drawing/2014/main" xmlns="" id="{18ACC2A2-0BF8-0845-8431-42B6E1AF502E}"/>
               </a:ext>
             </a:extLst>
           </p:cNvPr>
@@ -7411,7 +7411,7 @@
           <p:cNvPr id="2" name="Title 1">
             <a:extLst>
               <a:ext uri="{FF2B5EF4-FFF2-40B4-BE49-F238E27FC236}">
-                <a16:creationId xmlns:a16="http://schemas.microsoft.com/office/drawing/2014/main" id="{12C1222B-DF8C-4ACF-B424-153A2046AC98}"/>
+                <a16:creationId xmlns:a16="http://schemas.microsoft.com/office/drawing/2014/main" xmlns="" id="{12C1222B-DF8C-4ACF-B424-153A2046AC98}"/>
               </a:ext>
             </a:extLst>
           </p:cNvPr>
@@ -7448,7 +7448,7 @@
           <p:cNvPr id="3" name="Text Placeholder 2">
             <a:extLst>
               <a:ext uri="{FF2B5EF4-FFF2-40B4-BE49-F238E27FC236}">
-                <a16:creationId xmlns:a16="http://schemas.microsoft.com/office/drawing/2014/main" id="{32A63160-B563-4B28-A924-EFB5424E5305}"/>
+                <a16:creationId xmlns:a16="http://schemas.microsoft.com/office/drawing/2014/main" xmlns="" id="{32A63160-B563-4B28-A924-EFB5424E5305}"/>
               </a:ext>
             </a:extLst>
           </p:cNvPr>
@@ -7573,7 +7573,7 @@
           <p:cNvPr id="4" name="Date Placeholder 3">
             <a:extLst>
               <a:ext uri="{FF2B5EF4-FFF2-40B4-BE49-F238E27FC236}">
-                <a16:creationId xmlns:a16="http://schemas.microsoft.com/office/drawing/2014/main" id="{3A90A567-7760-4490-A015-9009EEB64DE5}"/>
+                <a16:creationId xmlns:a16="http://schemas.microsoft.com/office/drawing/2014/main" xmlns="" id="{3A90A567-7760-4490-A015-9009EEB64DE5}"/>
               </a:ext>
             </a:extLst>
           </p:cNvPr>
@@ -7591,7 +7591,7 @@
           <a:p>
             <a:fld id="{6DF2582F-F59C-4A0B-96DF-3D81691448CA}" type="datetime1">
               <a:rPr lang="en-US" smtClean="0"/>
-              <a:t>10/10/2023</a:t>
+              <a:t>10/30/2023</a:t>
             </a:fld>
             <a:endParaRPr lang="en-US"/>
           </a:p>
@@ -7602,7 +7602,7 @@
           <p:cNvPr id="5" name="Footer Placeholder 4">
             <a:extLst>
               <a:ext uri="{FF2B5EF4-FFF2-40B4-BE49-F238E27FC236}">
-                <a16:creationId xmlns:a16="http://schemas.microsoft.com/office/drawing/2014/main" id="{E1B0991F-0D18-4F31-BD69-CED3760B49D6}"/>
+                <a16:creationId xmlns:a16="http://schemas.microsoft.com/office/drawing/2014/main" xmlns="" id="{E1B0991F-0D18-4F31-BD69-CED3760B49D6}"/>
               </a:ext>
             </a:extLst>
           </p:cNvPr>
@@ -7640,7 +7640,7 @@
           <p:cNvPr id="6" name="Slide Number Placeholder 5">
             <a:extLst>
               <a:ext uri="{FF2B5EF4-FFF2-40B4-BE49-F238E27FC236}">
-                <a16:creationId xmlns:a16="http://schemas.microsoft.com/office/drawing/2014/main" id="{4C27B366-5A0D-40C5-97C4-8FD0092E0CC8}"/>
+                <a16:creationId xmlns:a16="http://schemas.microsoft.com/office/drawing/2014/main" xmlns="" id="{4C27B366-5A0D-40C5-97C4-8FD0092E0CC8}"/>
               </a:ext>
             </a:extLst>
           </p:cNvPr>
@@ -7699,7 +7699,7 @@
           <p:cNvPr id="3" name="Title 1">
             <a:extLst>
               <a:ext uri="{FF2B5EF4-FFF2-40B4-BE49-F238E27FC236}">
-                <a16:creationId xmlns:a16="http://schemas.microsoft.com/office/drawing/2014/main" id="{ABC977A2-F8FB-3244-81AC-C75A9C1248BE}"/>
+                <a16:creationId xmlns:a16="http://schemas.microsoft.com/office/drawing/2014/main" xmlns="" id="{ABC977A2-F8FB-3244-81AC-C75A9C1248BE}"/>
               </a:ext>
             </a:extLst>
           </p:cNvPr>
@@ -7749,7 +7749,7 @@
           <p:cNvPr id="4" name="Text Placeholder 8">
             <a:extLst>
               <a:ext uri="{FF2B5EF4-FFF2-40B4-BE49-F238E27FC236}">
-                <a16:creationId xmlns:a16="http://schemas.microsoft.com/office/drawing/2014/main" id="{6A58D2F7-E7FA-854F-A544-970A10E86824}"/>
+                <a16:creationId xmlns:a16="http://schemas.microsoft.com/office/drawing/2014/main" xmlns="" id="{6A58D2F7-E7FA-854F-A544-970A10E86824}"/>
               </a:ext>
             </a:extLst>
           </p:cNvPr>
@@ -7800,7 +7800,7 @@
           <p:cNvPr id="6" name="Content Placeholder 5">
             <a:extLst>
               <a:ext uri="{FF2B5EF4-FFF2-40B4-BE49-F238E27FC236}">
-                <a16:creationId xmlns:a16="http://schemas.microsoft.com/office/drawing/2014/main" id="{CE349C09-2D97-C741-BD6A-8225162D9098}"/>
+                <a16:creationId xmlns:a16="http://schemas.microsoft.com/office/drawing/2014/main" xmlns="" id="{CE349C09-2D97-C741-BD6A-8225162D9098}"/>
               </a:ext>
             </a:extLst>
           </p:cNvPr>
@@ -7882,7 +7882,7 @@
           <p:cNvPr id="7" name="Content Placeholder 5">
             <a:extLst>
               <a:ext uri="{FF2B5EF4-FFF2-40B4-BE49-F238E27FC236}">
-                <a16:creationId xmlns:a16="http://schemas.microsoft.com/office/drawing/2014/main" id="{5DA9125E-52EB-9543-8111-4216B21CC69D}"/>
+                <a16:creationId xmlns:a16="http://schemas.microsoft.com/office/drawing/2014/main" xmlns="" id="{5DA9125E-52EB-9543-8111-4216B21CC69D}"/>
               </a:ext>
             </a:extLst>
           </p:cNvPr>
@@ -7963,7 +7963,7 @@
           <p:cNvPr id="9" name="Slide Number Placeholder 5">
             <a:extLst>
               <a:ext uri="{FF2B5EF4-FFF2-40B4-BE49-F238E27FC236}">
-                <a16:creationId xmlns:a16="http://schemas.microsoft.com/office/drawing/2014/main" id="{0AB2A566-5A28-314D-93B8-0A0FBC9176DB}"/>
+                <a16:creationId xmlns:a16="http://schemas.microsoft.com/office/drawing/2014/main" xmlns="" id="{0AB2A566-5A28-314D-93B8-0A0FBC9176DB}"/>
               </a:ext>
             </a:extLst>
           </p:cNvPr>
@@ -8041,7 +8041,7 @@
           <p:cNvPr id="3" name="Title 1">
             <a:extLst>
               <a:ext uri="{FF2B5EF4-FFF2-40B4-BE49-F238E27FC236}">
-                <a16:creationId xmlns:a16="http://schemas.microsoft.com/office/drawing/2014/main" id="{ABC977A2-F8FB-3244-81AC-C75A9C1248BE}"/>
+                <a16:creationId xmlns:a16="http://schemas.microsoft.com/office/drawing/2014/main" xmlns="" id="{ABC977A2-F8FB-3244-81AC-C75A9C1248BE}"/>
               </a:ext>
             </a:extLst>
           </p:cNvPr>
@@ -8091,7 +8091,7 @@
           <p:cNvPr id="4" name="Text Placeholder 8">
             <a:extLst>
               <a:ext uri="{FF2B5EF4-FFF2-40B4-BE49-F238E27FC236}">
-                <a16:creationId xmlns:a16="http://schemas.microsoft.com/office/drawing/2014/main" id="{6A58D2F7-E7FA-854F-A544-970A10E86824}"/>
+                <a16:creationId xmlns:a16="http://schemas.microsoft.com/office/drawing/2014/main" xmlns="" id="{6A58D2F7-E7FA-854F-A544-970A10E86824}"/>
               </a:ext>
             </a:extLst>
           </p:cNvPr>
@@ -8142,7 +8142,7 @@
           <p:cNvPr id="6" name="Content Placeholder 5">
             <a:extLst>
               <a:ext uri="{FF2B5EF4-FFF2-40B4-BE49-F238E27FC236}">
-                <a16:creationId xmlns:a16="http://schemas.microsoft.com/office/drawing/2014/main" id="{CE349C09-2D97-C741-BD6A-8225162D9098}"/>
+                <a16:creationId xmlns:a16="http://schemas.microsoft.com/office/drawing/2014/main" xmlns="" id="{CE349C09-2D97-C741-BD6A-8225162D9098}"/>
               </a:ext>
             </a:extLst>
           </p:cNvPr>
@@ -8207,7 +8207,7 @@
           <p:cNvPr id="7" name="Content Placeholder 5">
             <a:extLst>
               <a:ext uri="{FF2B5EF4-FFF2-40B4-BE49-F238E27FC236}">
-                <a16:creationId xmlns:a16="http://schemas.microsoft.com/office/drawing/2014/main" id="{5DA9125E-52EB-9543-8111-4216B21CC69D}"/>
+                <a16:creationId xmlns:a16="http://schemas.microsoft.com/office/drawing/2014/main" xmlns="" id="{5DA9125E-52EB-9543-8111-4216B21CC69D}"/>
               </a:ext>
             </a:extLst>
           </p:cNvPr>
@@ -8272,7 +8272,7 @@
           <p:cNvPr id="9" name="Slide Number Placeholder 5">
             <a:extLst>
               <a:ext uri="{FF2B5EF4-FFF2-40B4-BE49-F238E27FC236}">
-                <a16:creationId xmlns:a16="http://schemas.microsoft.com/office/drawing/2014/main" id="{F43B5814-6C3C-E44E-8A64-43E20160DEA1}"/>
+                <a16:creationId xmlns:a16="http://schemas.microsoft.com/office/drawing/2014/main" xmlns="" id="{F43B5814-6C3C-E44E-8A64-43E20160DEA1}"/>
               </a:ext>
             </a:extLst>
           </p:cNvPr>
@@ -8484,7 +8484,7 @@
           <p:cNvPr id="2" name="Title 1">
             <a:extLst>
               <a:ext uri="{FF2B5EF4-FFF2-40B4-BE49-F238E27FC236}">
-                <a16:creationId xmlns:a16="http://schemas.microsoft.com/office/drawing/2014/main" id="{D86851A9-A0C6-1E4C-9924-2F721BA0B798}"/>
+                <a16:creationId xmlns:a16="http://schemas.microsoft.com/office/drawing/2014/main" xmlns="" id="{D86851A9-A0C6-1E4C-9924-2F721BA0B798}"/>
               </a:ext>
             </a:extLst>
           </p:cNvPr>
@@ -8534,7 +8534,7 @@
           <p:cNvPr id="9" name="Text Placeholder 8">
             <a:extLst>
               <a:ext uri="{FF2B5EF4-FFF2-40B4-BE49-F238E27FC236}">
-                <a16:creationId xmlns:a16="http://schemas.microsoft.com/office/drawing/2014/main" id="{5AD84B63-BBB4-7842-9BE8-B0ED6F1117FF}"/>
+                <a16:creationId xmlns:a16="http://schemas.microsoft.com/office/drawing/2014/main" xmlns="" id="{5AD84B63-BBB4-7842-9BE8-B0ED6F1117FF}"/>
               </a:ext>
             </a:extLst>
           </p:cNvPr>
@@ -8615,7 +8615,7 @@
           <p:cNvPr id="2" name="Title 1">
             <a:extLst>
               <a:ext uri="{FF2B5EF4-FFF2-40B4-BE49-F238E27FC236}">
-                <a16:creationId xmlns:a16="http://schemas.microsoft.com/office/drawing/2014/main" id="{D86851A9-A0C6-1E4C-9924-2F721BA0B798}"/>
+                <a16:creationId xmlns:a16="http://schemas.microsoft.com/office/drawing/2014/main" xmlns="" id="{D86851A9-A0C6-1E4C-9924-2F721BA0B798}"/>
               </a:ext>
             </a:extLst>
           </p:cNvPr>
@@ -8665,7 +8665,7 @@
           <p:cNvPr id="9" name="Text Placeholder 8">
             <a:extLst>
               <a:ext uri="{FF2B5EF4-FFF2-40B4-BE49-F238E27FC236}">
-                <a16:creationId xmlns:a16="http://schemas.microsoft.com/office/drawing/2014/main" id="{5AD84B63-BBB4-7842-9BE8-B0ED6F1117FF}"/>
+                <a16:creationId xmlns:a16="http://schemas.microsoft.com/office/drawing/2014/main" xmlns="" id="{5AD84B63-BBB4-7842-9BE8-B0ED6F1117FF}"/>
               </a:ext>
             </a:extLst>
           </p:cNvPr>
@@ -8716,7 +8716,7 @@
           <p:cNvPr id="6" name="Slide Number Placeholder 5">
             <a:extLst>
               <a:ext uri="{FF2B5EF4-FFF2-40B4-BE49-F238E27FC236}">
-                <a16:creationId xmlns:a16="http://schemas.microsoft.com/office/drawing/2014/main" id="{206D5C23-01EA-204E-A54A-6E2E15BA722C}"/>
+                <a16:creationId xmlns:a16="http://schemas.microsoft.com/office/drawing/2014/main" xmlns="" id="{206D5C23-01EA-204E-A54A-6E2E15BA722C}"/>
               </a:ext>
             </a:extLst>
           </p:cNvPr>
@@ -8794,7 +8794,7 @@
           <p:cNvPr id="7" name="Title 1">
             <a:extLst>
               <a:ext uri="{FF2B5EF4-FFF2-40B4-BE49-F238E27FC236}">
-                <a16:creationId xmlns:a16="http://schemas.microsoft.com/office/drawing/2014/main" id="{37EB327B-1A00-F443-9075-F5000367FB6C}"/>
+                <a16:creationId xmlns:a16="http://schemas.microsoft.com/office/drawing/2014/main" xmlns="" id="{37EB327B-1A00-F443-9075-F5000367FB6C}"/>
               </a:ext>
             </a:extLst>
           </p:cNvPr>
@@ -8844,7 +8844,7 @@
           <p:cNvPr id="8" name="Text Placeholder 8">
             <a:extLst>
               <a:ext uri="{FF2B5EF4-FFF2-40B4-BE49-F238E27FC236}">
-                <a16:creationId xmlns:a16="http://schemas.microsoft.com/office/drawing/2014/main" id="{CD3F4D70-6EAD-9742-9366-7F440430AF6F}"/>
+                <a16:creationId xmlns:a16="http://schemas.microsoft.com/office/drawing/2014/main" xmlns="" id="{CD3F4D70-6EAD-9742-9366-7F440430AF6F}"/>
               </a:ext>
             </a:extLst>
           </p:cNvPr>
@@ -8895,7 +8895,7 @@
           <p:cNvPr id="6" name="Slide Number Placeholder 5">
             <a:extLst>
               <a:ext uri="{FF2B5EF4-FFF2-40B4-BE49-F238E27FC236}">
-                <a16:creationId xmlns:a16="http://schemas.microsoft.com/office/drawing/2014/main" id="{238854CD-A813-BF40-A804-38F7E0504BB3}"/>
+                <a16:creationId xmlns:a16="http://schemas.microsoft.com/office/drawing/2014/main" xmlns="" id="{238854CD-A813-BF40-A804-38F7E0504BB3}"/>
               </a:ext>
             </a:extLst>
           </p:cNvPr>
@@ -9077,7 +9077,7 @@
           <p:cNvPr id="7" name="Title 1">
             <a:extLst>
               <a:ext uri="{FF2B5EF4-FFF2-40B4-BE49-F238E27FC236}">
-                <a16:creationId xmlns:a16="http://schemas.microsoft.com/office/drawing/2014/main" id="{37EB327B-1A00-F443-9075-F5000367FB6C}"/>
+                <a16:creationId xmlns:a16="http://schemas.microsoft.com/office/drawing/2014/main" xmlns="" id="{37EB327B-1A00-F443-9075-F5000367FB6C}"/>
               </a:ext>
             </a:extLst>
           </p:cNvPr>
@@ -9127,7 +9127,7 @@
           <p:cNvPr id="8" name="Text Placeholder 8">
             <a:extLst>
               <a:ext uri="{FF2B5EF4-FFF2-40B4-BE49-F238E27FC236}">
-                <a16:creationId xmlns:a16="http://schemas.microsoft.com/office/drawing/2014/main" id="{CD3F4D70-6EAD-9742-9366-7F440430AF6F}"/>
+                <a16:creationId xmlns:a16="http://schemas.microsoft.com/office/drawing/2014/main" xmlns="" id="{CD3F4D70-6EAD-9742-9366-7F440430AF6F}"/>
               </a:ext>
             </a:extLst>
           </p:cNvPr>
@@ -9178,7 +9178,7 @@
           <p:cNvPr id="9" name="Slide Number Placeholder 5">
             <a:extLst>
               <a:ext uri="{FF2B5EF4-FFF2-40B4-BE49-F238E27FC236}">
-                <a16:creationId xmlns:a16="http://schemas.microsoft.com/office/drawing/2014/main" id="{17D4799D-C9A9-A74E-A3FD-EDE8A948A1E5}"/>
+                <a16:creationId xmlns:a16="http://schemas.microsoft.com/office/drawing/2014/main" xmlns="" id="{17D4799D-C9A9-A74E-A3FD-EDE8A948A1E5}"/>
               </a:ext>
             </a:extLst>
           </p:cNvPr>
@@ -9367,7 +9367,7 @@
           <p:cNvPr id="4" name="Slide Number Placeholder 5">
             <a:extLst>
               <a:ext uri="{FF2B5EF4-FFF2-40B4-BE49-F238E27FC236}">
-                <a16:creationId xmlns:a16="http://schemas.microsoft.com/office/drawing/2014/main" id="{7A1A73D3-81CF-F142-8C24-A59A110D8AE3}"/>
+                <a16:creationId xmlns:a16="http://schemas.microsoft.com/office/drawing/2014/main" xmlns="" id="{7A1A73D3-81CF-F142-8C24-A59A110D8AE3}"/>
               </a:ext>
             </a:extLst>
           </p:cNvPr>
@@ -9601,7 +9601,7 @@
           <p:cNvPr id="10" name="Slide Number Placeholder 5">
             <a:extLst>
               <a:ext uri="{FF2B5EF4-FFF2-40B4-BE49-F238E27FC236}">
-                <a16:creationId xmlns:a16="http://schemas.microsoft.com/office/drawing/2014/main" id="{FEBCDDD3-A781-444F-B545-35199A4CC713}"/>
+                <a16:creationId xmlns:a16="http://schemas.microsoft.com/office/drawing/2014/main" xmlns="" id="{FEBCDDD3-A781-444F-B545-35199A4CC713}"/>
               </a:ext>
             </a:extLst>
           </p:cNvPr>
@@ -9917,7 +9917,7 @@
           <p:cNvPr id="2" name="Title 1">
             <a:extLst>
               <a:ext uri="{FF2B5EF4-FFF2-40B4-BE49-F238E27FC236}">
-                <a16:creationId xmlns:a16="http://schemas.microsoft.com/office/drawing/2014/main" id="{4DE7CBEA-D3D8-4408-AD3D-0F8A7175C5CC}"/>
+                <a16:creationId xmlns:a16="http://schemas.microsoft.com/office/drawing/2014/main" xmlns="" id="{4DE7CBEA-D3D8-4408-AD3D-0F8A7175C5CC}"/>
               </a:ext>
             </a:extLst>
           </p:cNvPr>
@@ -9945,7 +9945,7 @@
           <p:cNvPr id="3" name="Content Placeholder 2">
             <a:extLst>
               <a:ext uri="{FF2B5EF4-FFF2-40B4-BE49-F238E27FC236}">
-                <a16:creationId xmlns:a16="http://schemas.microsoft.com/office/drawing/2014/main" id="{B6736122-1DA6-4B66-B358-EC566838E6BB}"/>
+                <a16:creationId xmlns:a16="http://schemas.microsoft.com/office/drawing/2014/main" xmlns="" id="{B6736122-1DA6-4B66-B358-EC566838E6BB}"/>
               </a:ext>
             </a:extLst>
           </p:cNvPr>
@@ -10007,7 +10007,7 @@
           <p:cNvPr id="4" name="Content Placeholder 3">
             <a:extLst>
               <a:ext uri="{FF2B5EF4-FFF2-40B4-BE49-F238E27FC236}">
-                <a16:creationId xmlns:a16="http://schemas.microsoft.com/office/drawing/2014/main" id="{89DADCB9-DE80-4AD7-98CD-2A1F5D997B62}"/>
+                <a16:creationId xmlns:a16="http://schemas.microsoft.com/office/drawing/2014/main" xmlns="" id="{89DADCB9-DE80-4AD7-98CD-2A1F5D997B62}"/>
               </a:ext>
             </a:extLst>
           </p:cNvPr>
@@ -10069,7 +10069,7 @@
           <p:cNvPr id="5" name="Date Placeholder 4">
             <a:extLst>
               <a:ext uri="{FF2B5EF4-FFF2-40B4-BE49-F238E27FC236}">
-                <a16:creationId xmlns:a16="http://schemas.microsoft.com/office/drawing/2014/main" id="{B7C8E78E-ABDD-4A26-B3F1-C49480F5BF78}"/>
+                <a16:creationId xmlns:a16="http://schemas.microsoft.com/office/drawing/2014/main" xmlns="" id="{B7C8E78E-ABDD-4A26-B3F1-C49480F5BF78}"/>
               </a:ext>
             </a:extLst>
           </p:cNvPr>
@@ -10087,7 +10087,7 @@
           <a:p>
             <a:fld id="{1B165AF0-21B8-4861-8F6E-0101343A7446}" type="datetime1">
               <a:rPr lang="en-US" smtClean="0"/>
-              <a:t>10/10/2023</a:t>
+              <a:t>10/30/2023</a:t>
             </a:fld>
             <a:endParaRPr lang="en-US"/>
           </a:p>
@@ -10098,7 +10098,7 @@
           <p:cNvPr id="6" name="Footer Placeholder 5">
             <a:extLst>
               <a:ext uri="{FF2B5EF4-FFF2-40B4-BE49-F238E27FC236}">
-                <a16:creationId xmlns:a16="http://schemas.microsoft.com/office/drawing/2014/main" id="{813C9584-74AC-460A-B354-0A3F1D80ADB2}"/>
+                <a16:creationId xmlns:a16="http://schemas.microsoft.com/office/drawing/2014/main" xmlns="" id="{813C9584-74AC-460A-B354-0A3F1D80ADB2}"/>
               </a:ext>
             </a:extLst>
           </p:cNvPr>
@@ -10126,7 +10126,7 @@
           <p:cNvPr id="7" name="Slide Number Placeholder 6">
             <a:extLst>
               <a:ext uri="{FF2B5EF4-FFF2-40B4-BE49-F238E27FC236}">
-                <a16:creationId xmlns:a16="http://schemas.microsoft.com/office/drawing/2014/main" id="{6CD0E8E8-A83C-4C7D-9907-9EDCDC8D3EFC}"/>
+                <a16:creationId xmlns:a16="http://schemas.microsoft.com/office/drawing/2014/main" xmlns="" id="{6CD0E8E8-A83C-4C7D-9907-9EDCDC8D3EFC}"/>
               </a:ext>
             </a:extLst>
           </p:cNvPr>
@@ -10653,7 +10653,7 @@
           <p:cNvPr id="17" name="Title 1">
             <a:extLst>
               <a:ext uri="{FF2B5EF4-FFF2-40B4-BE49-F238E27FC236}">
-                <a16:creationId xmlns:a16="http://schemas.microsoft.com/office/drawing/2014/main" id="{DD09C67D-E0FF-934A-853F-C537A5649E42}"/>
+                <a16:creationId xmlns:a16="http://schemas.microsoft.com/office/drawing/2014/main" xmlns="" id="{DD09C67D-E0FF-934A-853F-C537A5649E42}"/>
               </a:ext>
             </a:extLst>
           </p:cNvPr>
@@ -10703,7 +10703,7 @@
           <p:cNvPr id="22" name="Text Placeholder 8">
             <a:extLst>
               <a:ext uri="{FF2B5EF4-FFF2-40B4-BE49-F238E27FC236}">
-                <a16:creationId xmlns:a16="http://schemas.microsoft.com/office/drawing/2014/main" id="{DFCBD283-A0CA-F442-90C6-5255F9A5935B}"/>
+                <a16:creationId xmlns:a16="http://schemas.microsoft.com/office/drawing/2014/main" xmlns="" id="{DFCBD283-A0CA-F442-90C6-5255F9A5935B}"/>
               </a:ext>
             </a:extLst>
           </p:cNvPr>
@@ -10754,7 +10754,7 @@
           <p:cNvPr id="24" name="Slide Number Placeholder 5">
             <a:extLst>
               <a:ext uri="{FF2B5EF4-FFF2-40B4-BE49-F238E27FC236}">
-                <a16:creationId xmlns:a16="http://schemas.microsoft.com/office/drawing/2014/main" id="{010A451B-A203-514B-B2EA-F25F008B666C}"/>
+                <a16:creationId xmlns:a16="http://schemas.microsoft.com/office/drawing/2014/main" xmlns="" id="{010A451B-A203-514B-B2EA-F25F008B666C}"/>
               </a:ext>
             </a:extLst>
           </p:cNvPr>
@@ -13480,7 +13480,7 @@
           <p:cNvPr id="11" name="Title 1">
             <a:extLst>
               <a:ext uri="{FF2B5EF4-FFF2-40B4-BE49-F238E27FC236}">
-                <a16:creationId xmlns:a16="http://schemas.microsoft.com/office/drawing/2014/main" id="{F1029B7D-3BAA-3D4E-A028-484BB127E701}"/>
+                <a16:creationId xmlns:a16="http://schemas.microsoft.com/office/drawing/2014/main" xmlns="" id="{F1029B7D-3BAA-3D4E-A028-484BB127E701}"/>
               </a:ext>
             </a:extLst>
           </p:cNvPr>
@@ -13530,7 +13530,7 @@
           <p:cNvPr id="12" name="Text Placeholder 8">
             <a:extLst>
               <a:ext uri="{FF2B5EF4-FFF2-40B4-BE49-F238E27FC236}">
-                <a16:creationId xmlns:a16="http://schemas.microsoft.com/office/drawing/2014/main" id="{96EA47DE-669D-EB4E-83AB-E0EB211F52FB}"/>
+                <a16:creationId xmlns:a16="http://schemas.microsoft.com/office/drawing/2014/main" xmlns="" id="{96EA47DE-669D-EB4E-83AB-E0EB211F52FB}"/>
               </a:ext>
             </a:extLst>
           </p:cNvPr>
@@ -13581,7 +13581,7 @@
           <p:cNvPr id="15" name="Slide Number Placeholder 5">
             <a:extLst>
               <a:ext uri="{FF2B5EF4-FFF2-40B4-BE49-F238E27FC236}">
-                <a16:creationId xmlns:a16="http://schemas.microsoft.com/office/drawing/2014/main" id="{691DAC93-7CD0-2640-B701-1C5042A57BAF}"/>
+                <a16:creationId xmlns:a16="http://schemas.microsoft.com/office/drawing/2014/main" xmlns="" id="{691DAC93-7CD0-2640-B701-1C5042A57BAF}"/>
               </a:ext>
             </a:extLst>
           </p:cNvPr>
@@ -14179,7 +14179,7 @@
           <p:cNvPr id="23" name="Title 1">
             <a:extLst>
               <a:ext uri="{FF2B5EF4-FFF2-40B4-BE49-F238E27FC236}">
-                <a16:creationId xmlns:a16="http://schemas.microsoft.com/office/drawing/2014/main" id="{DE030B39-EA6D-0E4D-91E0-0A3BC0E074E1}"/>
+                <a16:creationId xmlns:a16="http://schemas.microsoft.com/office/drawing/2014/main" xmlns="" id="{DE030B39-EA6D-0E4D-91E0-0A3BC0E074E1}"/>
               </a:ext>
             </a:extLst>
           </p:cNvPr>
@@ -14229,7 +14229,7 @@
           <p:cNvPr id="24" name="Text Placeholder 8">
             <a:extLst>
               <a:ext uri="{FF2B5EF4-FFF2-40B4-BE49-F238E27FC236}">
-                <a16:creationId xmlns:a16="http://schemas.microsoft.com/office/drawing/2014/main" id="{45CA5114-FC51-9F4F-AE52-3EE246116055}"/>
+                <a16:creationId xmlns:a16="http://schemas.microsoft.com/office/drawing/2014/main" xmlns="" id="{45CA5114-FC51-9F4F-AE52-3EE246116055}"/>
               </a:ext>
             </a:extLst>
           </p:cNvPr>
@@ -14280,7 +14280,7 @@
           <p:cNvPr id="27" name="Slide Number Placeholder 5">
             <a:extLst>
               <a:ext uri="{FF2B5EF4-FFF2-40B4-BE49-F238E27FC236}">
-                <a16:creationId xmlns:a16="http://schemas.microsoft.com/office/drawing/2014/main" id="{38D87316-57F5-0640-BF8A-20989789C76F}"/>
+                <a16:creationId xmlns:a16="http://schemas.microsoft.com/office/drawing/2014/main" xmlns="" id="{38D87316-57F5-0640-BF8A-20989789C76F}"/>
               </a:ext>
             </a:extLst>
           </p:cNvPr>
@@ -15089,7 +15089,7 @@
           <p:cNvPr id="8" name="Slide Number Placeholder 5">
             <a:extLst>
               <a:ext uri="{FF2B5EF4-FFF2-40B4-BE49-F238E27FC236}">
-                <a16:creationId xmlns:a16="http://schemas.microsoft.com/office/drawing/2014/main" id="{75A5C5F0-C41F-7942-8ECA-A826DF27531B}"/>
+                <a16:creationId xmlns:a16="http://schemas.microsoft.com/office/drawing/2014/main" xmlns="" id="{75A5C5F0-C41F-7942-8ECA-A826DF27531B}"/>
               </a:ext>
             </a:extLst>
           </p:cNvPr>
@@ -15375,7 +15375,7 @@
           <p:cNvPr id="11" name="Title 1">
             <a:extLst>
               <a:ext uri="{FF2B5EF4-FFF2-40B4-BE49-F238E27FC236}">
-                <a16:creationId xmlns:a16="http://schemas.microsoft.com/office/drawing/2014/main" id="{2A5E6DB6-7B08-A14D-8FAD-954BCCF5F90D}"/>
+                <a16:creationId xmlns:a16="http://schemas.microsoft.com/office/drawing/2014/main" xmlns="" id="{2A5E6DB6-7B08-A14D-8FAD-954BCCF5F90D}"/>
               </a:ext>
             </a:extLst>
           </p:cNvPr>
@@ -15425,7 +15425,7 @@
           <p:cNvPr id="12" name="Text Placeholder 8">
             <a:extLst>
               <a:ext uri="{FF2B5EF4-FFF2-40B4-BE49-F238E27FC236}">
-                <a16:creationId xmlns:a16="http://schemas.microsoft.com/office/drawing/2014/main" id="{52271C4B-0C21-5F47-AD9B-82607851CA16}"/>
+                <a16:creationId xmlns:a16="http://schemas.microsoft.com/office/drawing/2014/main" xmlns="" id="{52271C4B-0C21-5F47-AD9B-82607851CA16}"/>
               </a:ext>
             </a:extLst>
           </p:cNvPr>
@@ -15476,7 +15476,7 @@
           <p:cNvPr id="14" name="Slide Number Placeholder 5">
             <a:extLst>
               <a:ext uri="{FF2B5EF4-FFF2-40B4-BE49-F238E27FC236}">
-                <a16:creationId xmlns:a16="http://schemas.microsoft.com/office/drawing/2014/main" id="{33F83F03-CF24-AD4F-B859-CB868702C7E8}"/>
+                <a16:creationId xmlns:a16="http://schemas.microsoft.com/office/drawing/2014/main" xmlns="" id="{33F83F03-CF24-AD4F-B859-CB868702C7E8}"/>
               </a:ext>
             </a:extLst>
           </p:cNvPr>
@@ -18202,7 +18202,7 @@
           <p:cNvPr id="11" name="Title 1">
             <a:extLst>
               <a:ext uri="{FF2B5EF4-FFF2-40B4-BE49-F238E27FC236}">
-                <a16:creationId xmlns:a16="http://schemas.microsoft.com/office/drawing/2014/main" id="{68D52428-C078-C543-9637-86DC0744DEE6}"/>
+                <a16:creationId xmlns:a16="http://schemas.microsoft.com/office/drawing/2014/main" xmlns="" id="{68D52428-C078-C543-9637-86DC0744DEE6}"/>
               </a:ext>
             </a:extLst>
           </p:cNvPr>
@@ -18252,7 +18252,7 @@
           <p:cNvPr id="12" name="Text Placeholder 8">
             <a:extLst>
               <a:ext uri="{FF2B5EF4-FFF2-40B4-BE49-F238E27FC236}">
-                <a16:creationId xmlns:a16="http://schemas.microsoft.com/office/drawing/2014/main" id="{95059646-250A-DF4C-B175-063E02183A10}"/>
+                <a16:creationId xmlns:a16="http://schemas.microsoft.com/office/drawing/2014/main" xmlns="" id="{95059646-250A-DF4C-B175-063E02183A10}"/>
               </a:ext>
             </a:extLst>
           </p:cNvPr>
@@ -18303,7 +18303,7 @@
           <p:cNvPr id="15" name="Slide Number Placeholder 5">
             <a:extLst>
               <a:ext uri="{FF2B5EF4-FFF2-40B4-BE49-F238E27FC236}">
-                <a16:creationId xmlns:a16="http://schemas.microsoft.com/office/drawing/2014/main" id="{27CCC715-2BAE-0047-94BC-979A2BD6C3A3}"/>
+                <a16:creationId xmlns:a16="http://schemas.microsoft.com/office/drawing/2014/main" xmlns="" id="{27CCC715-2BAE-0047-94BC-979A2BD6C3A3}"/>
               </a:ext>
             </a:extLst>
           </p:cNvPr>
@@ -18433,7 +18433,7 @@
           <p:cNvPr id="5" name="Title 1">
             <a:extLst>
               <a:ext uri="{FF2B5EF4-FFF2-40B4-BE49-F238E27FC236}">
-                <a16:creationId xmlns:a16="http://schemas.microsoft.com/office/drawing/2014/main" id="{303EB829-E69A-D54D-BE45-E1F47963ABF0}"/>
+                <a16:creationId xmlns:a16="http://schemas.microsoft.com/office/drawing/2014/main" xmlns="" id="{303EB829-E69A-D54D-BE45-E1F47963ABF0}"/>
               </a:ext>
             </a:extLst>
           </p:cNvPr>
@@ -18483,7 +18483,7 @@
           <p:cNvPr id="6" name="Text Placeholder 8">
             <a:extLst>
               <a:ext uri="{FF2B5EF4-FFF2-40B4-BE49-F238E27FC236}">
-                <a16:creationId xmlns:a16="http://schemas.microsoft.com/office/drawing/2014/main" id="{6EC3CCCC-A50B-FB46-A074-6944BB26E11E}"/>
+                <a16:creationId xmlns:a16="http://schemas.microsoft.com/office/drawing/2014/main" xmlns="" id="{6EC3CCCC-A50B-FB46-A074-6944BB26E11E}"/>
               </a:ext>
             </a:extLst>
           </p:cNvPr>
@@ -18534,7 +18534,7 @@
           <p:cNvPr id="8" name="Slide Number Placeholder 5">
             <a:extLst>
               <a:ext uri="{FF2B5EF4-FFF2-40B4-BE49-F238E27FC236}">
-                <a16:creationId xmlns:a16="http://schemas.microsoft.com/office/drawing/2014/main" id="{FB544A60-126C-A444-9D7A-4EAF8262F9E2}"/>
+                <a16:creationId xmlns:a16="http://schemas.microsoft.com/office/drawing/2014/main" xmlns="" id="{FB544A60-126C-A444-9D7A-4EAF8262F9E2}"/>
               </a:ext>
             </a:extLst>
           </p:cNvPr>
@@ -18872,7 +18872,7 @@
           <p:cNvPr id="9" name="Slide Number Placeholder 5">
             <a:extLst>
               <a:ext uri="{FF2B5EF4-FFF2-40B4-BE49-F238E27FC236}">
-                <a16:creationId xmlns:a16="http://schemas.microsoft.com/office/drawing/2014/main" id="{199D01AE-C8A0-0E4B-8E45-571EBEE020F1}"/>
+                <a16:creationId xmlns:a16="http://schemas.microsoft.com/office/drawing/2014/main" xmlns="" id="{199D01AE-C8A0-0E4B-8E45-571EBEE020F1}"/>
               </a:ext>
             </a:extLst>
           </p:cNvPr>
@@ -19106,7 +19106,7 @@
           <p:cNvPr id="10" name="Slide Number Placeholder 5">
             <a:extLst>
               <a:ext uri="{FF2B5EF4-FFF2-40B4-BE49-F238E27FC236}">
-                <a16:creationId xmlns:a16="http://schemas.microsoft.com/office/drawing/2014/main" id="{47A5FEC4-D756-B347-ADAE-73084E89B7BF}"/>
+                <a16:creationId xmlns:a16="http://schemas.microsoft.com/office/drawing/2014/main" xmlns="" id="{47A5FEC4-D756-B347-ADAE-73084E89B7BF}"/>
               </a:ext>
             </a:extLst>
           </p:cNvPr>
@@ -19236,7 +19236,7 @@
           <p:cNvPr id="10" name="Title 1">
             <a:extLst>
               <a:ext uri="{FF2B5EF4-FFF2-40B4-BE49-F238E27FC236}">
-                <a16:creationId xmlns:a16="http://schemas.microsoft.com/office/drawing/2014/main" id="{D13F32DD-746D-4042-ACFC-B00E658EBA67}"/>
+                <a16:creationId xmlns:a16="http://schemas.microsoft.com/office/drawing/2014/main" xmlns="" id="{D13F32DD-746D-4042-ACFC-B00E658EBA67}"/>
               </a:ext>
             </a:extLst>
           </p:cNvPr>
@@ -19286,7 +19286,7 @@
           <p:cNvPr id="11" name="Text Placeholder 8">
             <a:extLst>
               <a:ext uri="{FF2B5EF4-FFF2-40B4-BE49-F238E27FC236}">
-                <a16:creationId xmlns:a16="http://schemas.microsoft.com/office/drawing/2014/main" id="{66684C0F-6A1D-2849-AC3A-9B2D4FEDC85D}"/>
+                <a16:creationId xmlns:a16="http://schemas.microsoft.com/office/drawing/2014/main" xmlns="" id="{66684C0F-6A1D-2849-AC3A-9B2D4FEDC85D}"/>
               </a:ext>
             </a:extLst>
           </p:cNvPr>
@@ -19367,7 +19367,7 @@
           <p:cNvPr id="2" name="Title 1">
             <a:extLst>
               <a:ext uri="{FF2B5EF4-FFF2-40B4-BE49-F238E27FC236}">
-                <a16:creationId xmlns:a16="http://schemas.microsoft.com/office/drawing/2014/main" id="{3CD16A77-9929-48E6-952C-C20D20852107}"/>
+                <a16:creationId xmlns:a16="http://schemas.microsoft.com/office/drawing/2014/main" xmlns="" id="{3CD16A77-9929-48E6-952C-C20D20852107}"/>
               </a:ext>
             </a:extLst>
           </p:cNvPr>
@@ -19400,7 +19400,7 @@
           <p:cNvPr id="3" name="Text Placeholder 2">
             <a:extLst>
               <a:ext uri="{FF2B5EF4-FFF2-40B4-BE49-F238E27FC236}">
-                <a16:creationId xmlns:a16="http://schemas.microsoft.com/office/drawing/2014/main" id="{4A117CA9-0B87-4C5B-A1F7-0BFE1751681C}"/>
+                <a16:creationId xmlns:a16="http://schemas.microsoft.com/office/drawing/2014/main" xmlns="" id="{4A117CA9-0B87-4C5B-A1F7-0BFE1751681C}"/>
               </a:ext>
             </a:extLst>
           </p:cNvPr>
@@ -19471,7 +19471,7 @@
           <p:cNvPr id="4" name="Content Placeholder 3">
             <a:extLst>
               <a:ext uri="{FF2B5EF4-FFF2-40B4-BE49-F238E27FC236}">
-                <a16:creationId xmlns:a16="http://schemas.microsoft.com/office/drawing/2014/main" id="{003CFEB5-3834-4EE1-9265-2CAFB7BFAD2C}"/>
+                <a16:creationId xmlns:a16="http://schemas.microsoft.com/office/drawing/2014/main" xmlns="" id="{003CFEB5-3834-4EE1-9265-2CAFB7BFAD2C}"/>
               </a:ext>
             </a:extLst>
           </p:cNvPr>
@@ -19533,7 +19533,7 @@
           <p:cNvPr id="5" name="Text Placeholder 4">
             <a:extLst>
               <a:ext uri="{FF2B5EF4-FFF2-40B4-BE49-F238E27FC236}">
-                <a16:creationId xmlns:a16="http://schemas.microsoft.com/office/drawing/2014/main" id="{C67C8610-C9B5-4537-9F1F-A16C0D90C298}"/>
+                <a16:creationId xmlns:a16="http://schemas.microsoft.com/office/drawing/2014/main" xmlns="" id="{C67C8610-C9B5-4537-9F1F-A16C0D90C298}"/>
               </a:ext>
             </a:extLst>
           </p:cNvPr>
@@ -19604,7 +19604,7 @@
           <p:cNvPr id="6" name="Content Placeholder 5">
             <a:extLst>
               <a:ext uri="{FF2B5EF4-FFF2-40B4-BE49-F238E27FC236}">
-                <a16:creationId xmlns:a16="http://schemas.microsoft.com/office/drawing/2014/main" id="{0CEAB6C3-03F2-425E-B51C-9D405C867D2A}"/>
+                <a16:creationId xmlns:a16="http://schemas.microsoft.com/office/drawing/2014/main" xmlns="" id="{0CEAB6C3-03F2-425E-B51C-9D405C867D2A}"/>
               </a:ext>
             </a:extLst>
           </p:cNvPr>
@@ -19666,7 +19666,7 @@
           <p:cNvPr id="7" name="Date Placeholder 6">
             <a:extLst>
               <a:ext uri="{FF2B5EF4-FFF2-40B4-BE49-F238E27FC236}">
-                <a16:creationId xmlns:a16="http://schemas.microsoft.com/office/drawing/2014/main" id="{609C8A57-BF67-4F7F-ADF8-3E49A5DF3FF2}"/>
+                <a16:creationId xmlns:a16="http://schemas.microsoft.com/office/drawing/2014/main" xmlns="" id="{609C8A57-BF67-4F7F-ADF8-3E49A5DF3FF2}"/>
               </a:ext>
             </a:extLst>
           </p:cNvPr>
@@ -19684,7 +19684,7 @@
           <a:p>
             <a:fld id="{6D9D4D01-D683-4003-9235-D73A8590B2C1}" type="datetime1">
               <a:rPr lang="en-US" smtClean="0"/>
-              <a:t>10/10/2023</a:t>
+              <a:t>10/30/2023</a:t>
             </a:fld>
             <a:endParaRPr lang="en-US"/>
           </a:p>
@@ -19695,7 +19695,7 @@
           <p:cNvPr id="8" name="Footer Placeholder 7">
             <a:extLst>
               <a:ext uri="{FF2B5EF4-FFF2-40B4-BE49-F238E27FC236}">
-                <a16:creationId xmlns:a16="http://schemas.microsoft.com/office/drawing/2014/main" id="{7D54A5E8-C901-4705-A406-7AF1F8CEE2F8}"/>
+                <a16:creationId xmlns:a16="http://schemas.microsoft.com/office/drawing/2014/main" xmlns="" id="{7D54A5E8-C901-4705-A406-7AF1F8CEE2F8}"/>
               </a:ext>
             </a:extLst>
           </p:cNvPr>
@@ -19723,7 +19723,7 @@
           <p:cNvPr id="9" name="Slide Number Placeholder 8">
             <a:extLst>
               <a:ext uri="{FF2B5EF4-FFF2-40B4-BE49-F238E27FC236}">
-                <a16:creationId xmlns:a16="http://schemas.microsoft.com/office/drawing/2014/main" id="{F25921D5-8F09-4470-8DB7-92A1489FBF05}"/>
+                <a16:creationId xmlns:a16="http://schemas.microsoft.com/office/drawing/2014/main" xmlns="" id="{F25921D5-8F09-4470-8DB7-92A1489FBF05}"/>
               </a:ext>
             </a:extLst>
           </p:cNvPr>
@@ -19834,7 +19834,7 @@
           <p:cNvPr id="7" name="Title 1">
             <a:extLst>
               <a:ext uri="{FF2B5EF4-FFF2-40B4-BE49-F238E27FC236}">
-                <a16:creationId xmlns:a16="http://schemas.microsoft.com/office/drawing/2014/main" id="{583E914F-2997-7C4B-90BF-65835C7AF74F}"/>
+                <a16:creationId xmlns:a16="http://schemas.microsoft.com/office/drawing/2014/main" xmlns="" id="{583E914F-2997-7C4B-90BF-65835C7AF74F}"/>
               </a:ext>
             </a:extLst>
           </p:cNvPr>
@@ -19884,7 +19884,7 @@
           <p:cNvPr id="8" name="Text Placeholder 8">
             <a:extLst>
               <a:ext uri="{FF2B5EF4-FFF2-40B4-BE49-F238E27FC236}">
-                <a16:creationId xmlns:a16="http://schemas.microsoft.com/office/drawing/2014/main" id="{D43F9C10-767A-A94E-9F02-DED49C95591E}"/>
+                <a16:creationId xmlns:a16="http://schemas.microsoft.com/office/drawing/2014/main" xmlns="" id="{D43F9C10-767A-A94E-9F02-DED49C95591E}"/>
               </a:ext>
             </a:extLst>
           </p:cNvPr>
@@ -19935,7 +19935,7 @@
           <p:cNvPr id="9" name="Slide Number Placeholder 5">
             <a:extLst>
               <a:ext uri="{FF2B5EF4-FFF2-40B4-BE49-F238E27FC236}">
-                <a16:creationId xmlns:a16="http://schemas.microsoft.com/office/drawing/2014/main" id="{A3A96411-2497-F444-920A-3D140D988242}"/>
+                <a16:creationId xmlns:a16="http://schemas.microsoft.com/office/drawing/2014/main" xmlns="" id="{A3A96411-2497-F444-920A-3D140D988242}"/>
               </a:ext>
             </a:extLst>
           </p:cNvPr>
@@ -20065,7 +20065,7 @@
           <p:cNvPr id="5" name="Slide Number Placeholder 5">
             <a:extLst>
               <a:ext uri="{FF2B5EF4-FFF2-40B4-BE49-F238E27FC236}">
-                <a16:creationId xmlns:a16="http://schemas.microsoft.com/office/drawing/2014/main" id="{92697335-1694-5E43-9EB3-ECCA0F1150D9}"/>
+                <a16:creationId xmlns:a16="http://schemas.microsoft.com/office/drawing/2014/main" xmlns="" id="{92697335-1694-5E43-9EB3-ECCA0F1150D9}"/>
               </a:ext>
             </a:extLst>
           </p:cNvPr>
@@ -20195,7 +20195,7 @@
           <p:cNvPr id="6" name="Slide Number Placeholder 5">
             <a:extLst>
               <a:ext uri="{FF2B5EF4-FFF2-40B4-BE49-F238E27FC236}">
-                <a16:creationId xmlns:a16="http://schemas.microsoft.com/office/drawing/2014/main" id="{A1CC5F96-14D9-EB4E-8DF1-89C59AE06415}"/>
+                <a16:creationId xmlns:a16="http://schemas.microsoft.com/office/drawing/2014/main" xmlns="" id="{A1CC5F96-14D9-EB4E-8DF1-89C59AE06415}"/>
               </a:ext>
             </a:extLst>
           </p:cNvPr>
@@ -20533,7 +20533,7 @@
           <p:cNvPr id="14" name="Slide Number Placeholder 5">
             <a:extLst>
               <a:ext uri="{FF2B5EF4-FFF2-40B4-BE49-F238E27FC236}">
-                <a16:creationId xmlns:a16="http://schemas.microsoft.com/office/drawing/2014/main" id="{FE582F7E-060A-F74F-9AC9-145E6E8B1414}"/>
+                <a16:creationId xmlns:a16="http://schemas.microsoft.com/office/drawing/2014/main" xmlns="" id="{FE582F7E-060A-F74F-9AC9-145E6E8B1414}"/>
               </a:ext>
             </a:extLst>
           </p:cNvPr>
@@ -20715,7 +20715,7 @@
           <p:cNvPr id="8" name="Slide Number Placeholder 5">
             <a:extLst>
               <a:ext uri="{FF2B5EF4-FFF2-40B4-BE49-F238E27FC236}">
-                <a16:creationId xmlns:a16="http://schemas.microsoft.com/office/drawing/2014/main" id="{33C6F5FE-9BE0-994C-905C-8DA873C436D5}"/>
+                <a16:creationId xmlns:a16="http://schemas.microsoft.com/office/drawing/2014/main" xmlns="" id="{33C6F5FE-9BE0-994C-905C-8DA873C436D5}"/>
               </a:ext>
             </a:extLst>
           </p:cNvPr>
@@ -20845,7 +20845,7 @@
           <p:cNvPr id="5" name="Title 1">
             <a:extLst>
               <a:ext uri="{FF2B5EF4-FFF2-40B4-BE49-F238E27FC236}">
-                <a16:creationId xmlns:a16="http://schemas.microsoft.com/office/drawing/2014/main" id="{A8C6689F-348E-4E4C-883F-BDC0668F99DE}"/>
+                <a16:creationId xmlns:a16="http://schemas.microsoft.com/office/drawing/2014/main" xmlns="" id="{A8C6689F-348E-4E4C-883F-BDC0668F99DE}"/>
               </a:ext>
             </a:extLst>
           </p:cNvPr>
@@ -20895,7 +20895,7 @@
           <p:cNvPr id="6" name="Text Placeholder 8">
             <a:extLst>
               <a:ext uri="{FF2B5EF4-FFF2-40B4-BE49-F238E27FC236}">
-                <a16:creationId xmlns:a16="http://schemas.microsoft.com/office/drawing/2014/main" id="{43408BB5-FCFA-FF45-91D5-7493412539DA}"/>
+                <a16:creationId xmlns:a16="http://schemas.microsoft.com/office/drawing/2014/main" xmlns="" id="{43408BB5-FCFA-FF45-91D5-7493412539DA}"/>
               </a:ext>
             </a:extLst>
           </p:cNvPr>
@@ -20946,7 +20946,7 @@
           <p:cNvPr id="8" name="Slide Number Placeholder 5">
             <a:extLst>
               <a:ext uri="{FF2B5EF4-FFF2-40B4-BE49-F238E27FC236}">
-                <a16:creationId xmlns:a16="http://schemas.microsoft.com/office/drawing/2014/main" id="{EE5BD98B-19CF-BC4A-B8F0-D4ADBBD3CDBF}"/>
+                <a16:creationId xmlns:a16="http://schemas.microsoft.com/office/drawing/2014/main" xmlns="" id="{EE5BD98B-19CF-BC4A-B8F0-D4ADBBD3CDBF}"/>
               </a:ext>
             </a:extLst>
           </p:cNvPr>
@@ -21076,7 +21076,7 @@
           <p:cNvPr id="5" name="Slide Number Placeholder 5">
             <a:extLst>
               <a:ext uri="{FF2B5EF4-FFF2-40B4-BE49-F238E27FC236}">
-                <a16:creationId xmlns:a16="http://schemas.microsoft.com/office/drawing/2014/main" id="{78ABC98D-4893-3B43-90EE-1605644FA3FF}"/>
+                <a16:creationId xmlns:a16="http://schemas.microsoft.com/office/drawing/2014/main" xmlns="" id="{78ABC98D-4893-3B43-90EE-1605644FA3FF}"/>
               </a:ext>
             </a:extLst>
           </p:cNvPr>
@@ -21362,7 +21362,7 @@
           <p:cNvPr id="12" name="Slide Number Placeholder 5">
             <a:extLst>
               <a:ext uri="{FF2B5EF4-FFF2-40B4-BE49-F238E27FC236}">
-                <a16:creationId xmlns:a16="http://schemas.microsoft.com/office/drawing/2014/main" id="{C4D452C1-95CC-0A4E-994B-5A06A8617C19}"/>
+                <a16:creationId xmlns:a16="http://schemas.microsoft.com/office/drawing/2014/main" xmlns="" id="{C4D452C1-95CC-0A4E-994B-5A06A8617C19}"/>
               </a:ext>
             </a:extLst>
           </p:cNvPr>
@@ -21687,7 +21687,7 @@
           <p:cNvPr id="10" name="Slide Number Placeholder 5">
             <a:extLst>
               <a:ext uri="{FF2B5EF4-FFF2-40B4-BE49-F238E27FC236}">
-                <a16:creationId xmlns:a16="http://schemas.microsoft.com/office/drawing/2014/main" id="{6108D85B-EC6B-6544-BF40-3E120AFA9A5A}"/>
+                <a16:creationId xmlns:a16="http://schemas.microsoft.com/office/drawing/2014/main" xmlns="" id="{6108D85B-EC6B-6544-BF40-3E120AFA9A5A}"/>
               </a:ext>
             </a:extLst>
           </p:cNvPr>
@@ -21765,7 +21765,7 @@
           <p:cNvPr id="2" name="Title 1">
             <a:extLst>
               <a:ext uri="{FF2B5EF4-FFF2-40B4-BE49-F238E27FC236}">
-                <a16:creationId xmlns:a16="http://schemas.microsoft.com/office/drawing/2014/main" id="{9BC8C2C1-F76E-4E30-8689-27177FF15A66}"/>
+                <a16:creationId xmlns:a16="http://schemas.microsoft.com/office/drawing/2014/main" xmlns="" id="{9BC8C2C1-F76E-4E30-8689-27177FF15A66}"/>
               </a:ext>
             </a:extLst>
           </p:cNvPr>
@@ -21793,7 +21793,7 @@
           <p:cNvPr id="3" name="Date Placeholder 2">
             <a:extLst>
               <a:ext uri="{FF2B5EF4-FFF2-40B4-BE49-F238E27FC236}">
-                <a16:creationId xmlns:a16="http://schemas.microsoft.com/office/drawing/2014/main" id="{E3C87C27-27D0-4533-8CCF-FA8E94E577C7}"/>
+                <a16:creationId xmlns:a16="http://schemas.microsoft.com/office/drawing/2014/main" xmlns="" id="{E3C87C27-27D0-4533-8CCF-FA8E94E577C7}"/>
               </a:ext>
             </a:extLst>
           </p:cNvPr>
@@ -21811,7 +21811,7 @@
           <a:p>
             <a:fld id="{B3392A3D-7344-413D-82B3-53E3FB3F13FF}" type="datetime1">
               <a:rPr lang="en-US" smtClean="0"/>
-              <a:t>10/10/2023</a:t>
+              <a:t>10/30/2023</a:t>
             </a:fld>
             <a:endParaRPr lang="en-US"/>
           </a:p>
@@ -21822,7 +21822,7 @@
           <p:cNvPr id="4" name="Footer Placeholder 3">
             <a:extLst>
               <a:ext uri="{FF2B5EF4-FFF2-40B4-BE49-F238E27FC236}">
-                <a16:creationId xmlns:a16="http://schemas.microsoft.com/office/drawing/2014/main" id="{52FCA993-A410-4C1F-BB36-8D3565D40F7E}"/>
+                <a16:creationId xmlns:a16="http://schemas.microsoft.com/office/drawing/2014/main" xmlns="" id="{52FCA993-A410-4C1F-BB36-8D3565D40F7E}"/>
               </a:ext>
             </a:extLst>
           </p:cNvPr>
@@ -21850,7 +21850,7 @@
           <p:cNvPr id="5" name="Slide Number Placeholder 4">
             <a:extLst>
               <a:ext uri="{FF2B5EF4-FFF2-40B4-BE49-F238E27FC236}">
-                <a16:creationId xmlns:a16="http://schemas.microsoft.com/office/drawing/2014/main" id="{842F8DFE-F694-46EC-9E2D-5A13759FE6CA}"/>
+                <a16:creationId xmlns:a16="http://schemas.microsoft.com/office/drawing/2014/main" xmlns="" id="{842F8DFE-F694-46EC-9E2D-5A13759FE6CA}"/>
               </a:ext>
             </a:extLst>
           </p:cNvPr>
@@ -22615,7 +22615,7 @@
           <p:cNvPr id="24" name="Slide Number Placeholder 5">
             <a:extLst>
               <a:ext uri="{FF2B5EF4-FFF2-40B4-BE49-F238E27FC236}">
-                <a16:creationId xmlns:a16="http://schemas.microsoft.com/office/drawing/2014/main" id="{0CF4040C-77CA-7C4E-892D-408428B03E87}"/>
+                <a16:creationId xmlns:a16="http://schemas.microsoft.com/office/drawing/2014/main" xmlns="" id="{0CF4040C-77CA-7C4E-892D-408428B03E87}"/>
               </a:ext>
             </a:extLst>
           </p:cNvPr>
@@ -22901,7 +22901,7 @@
           <p:cNvPr id="13" name="Slide Number Placeholder 5">
             <a:extLst>
               <a:ext uri="{FF2B5EF4-FFF2-40B4-BE49-F238E27FC236}">
-                <a16:creationId xmlns:a16="http://schemas.microsoft.com/office/drawing/2014/main" id="{BF39539F-CFB0-E14D-926B-54EDC59D4C40}"/>
+                <a16:creationId xmlns:a16="http://schemas.microsoft.com/office/drawing/2014/main" xmlns="" id="{BF39539F-CFB0-E14D-926B-54EDC59D4C40}"/>
               </a:ext>
             </a:extLst>
           </p:cNvPr>
@@ -23269,7 +23269,7 @@
           <p:cNvPr id="10" name="Slide Number Placeholder 5">
             <a:extLst>
               <a:ext uri="{FF2B5EF4-FFF2-40B4-BE49-F238E27FC236}">
-                <a16:creationId xmlns:a16="http://schemas.microsoft.com/office/drawing/2014/main" id="{8632AC6E-2573-934C-85E6-8FB4FF70B695}"/>
+                <a16:creationId xmlns:a16="http://schemas.microsoft.com/office/drawing/2014/main" xmlns="" id="{8632AC6E-2573-934C-85E6-8FB4FF70B695}"/>
               </a:ext>
             </a:extLst>
           </p:cNvPr>
@@ -23347,7 +23347,7 @@
           <p:cNvPr id="3" name="Title 1">
             <a:extLst>
               <a:ext uri="{FF2B5EF4-FFF2-40B4-BE49-F238E27FC236}">
-                <a16:creationId xmlns:a16="http://schemas.microsoft.com/office/drawing/2014/main" id="{F7D69E2F-8148-D54A-89C7-14064510F583}"/>
+                <a16:creationId xmlns:a16="http://schemas.microsoft.com/office/drawing/2014/main" xmlns="" id="{F7D69E2F-8148-D54A-89C7-14064510F583}"/>
               </a:ext>
             </a:extLst>
           </p:cNvPr>
@@ -23397,7 +23397,7 @@
           <p:cNvPr id="4" name="Text Placeholder 8">
             <a:extLst>
               <a:ext uri="{FF2B5EF4-FFF2-40B4-BE49-F238E27FC236}">
-                <a16:creationId xmlns:a16="http://schemas.microsoft.com/office/drawing/2014/main" id="{83BE7697-61B1-0C42-B712-225972253B4D}"/>
+                <a16:creationId xmlns:a16="http://schemas.microsoft.com/office/drawing/2014/main" xmlns="" id="{83BE7697-61B1-0C42-B712-225972253B4D}"/>
               </a:ext>
             </a:extLst>
           </p:cNvPr>
@@ -23448,7 +23448,7 @@
           <p:cNvPr id="5" name="Picture Placeholder 2">
             <a:extLst>
               <a:ext uri="{FF2B5EF4-FFF2-40B4-BE49-F238E27FC236}">
-                <a16:creationId xmlns:a16="http://schemas.microsoft.com/office/drawing/2014/main" id="{07F89DA6-4701-E742-A7F2-18A3F7B6970B}"/>
+                <a16:creationId xmlns:a16="http://schemas.microsoft.com/office/drawing/2014/main" xmlns="" id="{07F89DA6-4701-E742-A7F2-18A3F7B6970B}"/>
               </a:ext>
             </a:extLst>
           </p:cNvPr>
@@ -23506,7 +23506,7 @@
           <p:cNvPr id="7" name="Slide Number Placeholder 5">
             <a:extLst>
               <a:ext uri="{FF2B5EF4-FFF2-40B4-BE49-F238E27FC236}">
-                <a16:creationId xmlns:a16="http://schemas.microsoft.com/office/drawing/2014/main" id="{0404560E-509C-9B44-8953-6A8FD69FC66C}"/>
+                <a16:creationId xmlns:a16="http://schemas.microsoft.com/office/drawing/2014/main" xmlns="" id="{0404560E-509C-9B44-8953-6A8FD69FC66C}"/>
               </a:ext>
             </a:extLst>
           </p:cNvPr>
@@ -23592,7 +23592,7 @@
           <p:cNvPr id="2" name="Date Placeholder 1">
             <a:extLst>
               <a:ext uri="{FF2B5EF4-FFF2-40B4-BE49-F238E27FC236}">
-                <a16:creationId xmlns:a16="http://schemas.microsoft.com/office/drawing/2014/main" id="{064B06F4-FD6E-49D8-8DA7-F5749A546705}"/>
+                <a16:creationId xmlns:a16="http://schemas.microsoft.com/office/drawing/2014/main" xmlns="" id="{064B06F4-FD6E-49D8-8DA7-F5749A546705}"/>
               </a:ext>
             </a:extLst>
           </p:cNvPr>
@@ -23610,7 +23610,7 @@
           <a:p>
             <a:fld id="{5BE582F4-C36F-4D66-B748-627E94E3CC8D}" type="datetime1">
               <a:rPr lang="en-US" smtClean="0"/>
-              <a:t>10/10/2023</a:t>
+              <a:t>10/30/2023</a:t>
             </a:fld>
             <a:endParaRPr lang="en-US"/>
           </a:p>
@@ -23621,7 +23621,7 @@
           <p:cNvPr id="3" name="Footer Placeholder 2">
             <a:extLst>
               <a:ext uri="{FF2B5EF4-FFF2-40B4-BE49-F238E27FC236}">
-                <a16:creationId xmlns:a16="http://schemas.microsoft.com/office/drawing/2014/main" id="{B53FCEB2-E720-435D-92C9-6C0D5B2446E8}"/>
+                <a16:creationId xmlns:a16="http://schemas.microsoft.com/office/drawing/2014/main" xmlns="" id="{B53FCEB2-E720-435D-92C9-6C0D5B2446E8}"/>
               </a:ext>
             </a:extLst>
           </p:cNvPr>
@@ -23649,7 +23649,7 @@
           <p:cNvPr id="4" name="Slide Number Placeholder 3">
             <a:extLst>
               <a:ext uri="{FF2B5EF4-FFF2-40B4-BE49-F238E27FC236}">
-                <a16:creationId xmlns:a16="http://schemas.microsoft.com/office/drawing/2014/main" id="{F5CB1536-29ED-45B3-85F2-D481FA2D1587}"/>
+                <a16:creationId xmlns:a16="http://schemas.microsoft.com/office/drawing/2014/main" xmlns="" id="{F5CB1536-29ED-45B3-85F2-D481FA2D1587}"/>
               </a:ext>
             </a:extLst>
           </p:cNvPr>
@@ -23708,7 +23708,7 @@
           <p:cNvPr id="2" name="Title 1">
             <a:extLst>
               <a:ext uri="{FF2B5EF4-FFF2-40B4-BE49-F238E27FC236}">
-                <a16:creationId xmlns:a16="http://schemas.microsoft.com/office/drawing/2014/main" id="{C3E686DA-2ECE-4609-BE3D-6B330D58FBD1}"/>
+                <a16:creationId xmlns:a16="http://schemas.microsoft.com/office/drawing/2014/main" xmlns="" id="{C3E686DA-2ECE-4609-BE3D-6B330D58FBD1}"/>
               </a:ext>
             </a:extLst>
           </p:cNvPr>
@@ -23745,7 +23745,7 @@
           <p:cNvPr id="3" name="Content Placeholder 2">
             <a:extLst>
               <a:ext uri="{FF2B5EF4-FFF2-40B4-BE49-F238E27FC236}">
-                <a16:creationId xmlns:a16="http://schemas.microsoft.com/office/drawing/2014/main" id="{B5C8232E-4C0E-4C96-9702-A4C1E9597362}"/>
+                <a16:creationId xmlns:a16="http://schemas.microsoft.com/office/drawing/2014/main" xmlns="" id="{B5C8232E-4C0E-4C96-9702-A4C1E9597362}"/>
               </a:ext>
             </a:extLst>
           </p:cNvPr>
@@ -23835,7 +23835,7 @@
           <p:cNvPr id="4" name="Text Placeholder 3">
             <a:extLst>
               <a:ext uri="{FF2B5EF4-FFF2-40B4-BE49-F238E27FC236}">
-                <a16:creationId xmlns:a16="http://schemas.microsoft.com/office/drawing/2014/main" id="{01169BB0-3532-4B65-9F43-AFA6B4612661}"/>
+                <a16:creationId xmlns:a16="http://schemas.microsoft.com/office/drawing/2014/main" xmlns="" id="{01169BB0-3532-4B65-9F43-AFA6B4612661}"/>
               </a:ext>
             </a:extLst>
           </p:cNvPr>
@@ -23906,7 +23906,7 @@
           <p:cNvPr id="5" name="Date Placeholder 4">
             <a:extLst>
               <a:ext uri="{FF2B5EF4-FFF2-40B4-BE49-F238E27FC236}">
-                <a16:creationId xmlns:a16="http://schemas.microsoft.com/office/drawing/2014/main" id="{C8C1F602-E878-4F34-A7FD-66FA87E62725}"/>
+                <a16:creationId xmlns:a16="http://schemas.microsoft.com/office/drawing/2014/main" xmlns="" id="{C8C1F602-E878-4F34-A7FD-66FA87E62725}"/>
               </a:ext>
             </a:extLst>
           </p:cNvPr>
@@ -23924,7 +23924,7 @@
           <a:p>
             <a:fld id="{6B7E9E2F-FB42-4F17-845D-7F8F882C50B9}" type="datetime1">
               <a:rPr lang="en-US" smtClean="0"/>
-              <a:t>10/10/2023</a:t>
+              <a:t>10/30/2023</a:t>
             </a:fld>
             <a:endParaRPr lang="en-US"/>
           </a:p>
@@ -23935,7 +23935,7 @@
           <p:cNvPr id="6" name="Footer Placeholder 5">
             <a:extLst>
               <a:ext uri="{FF2B5EF4-FFF2-40B4-BE49-F238E27FC236}">
-                <a16:creationId xmlns:a16="http://schemas.microsoft.com/office/drawing/2014/main" id="{9A74730E-CB19-4E60-8C81-BE9AC47E88EA}"/>
+                <a16:creationId xmlns:a16="http://schemas.microsoft.com/office/drawing/2014/main" xmlns="" id="{9A74730E-CB19-4E60-8C81-BE9AC47E88EA}"/>
               </a:ext>
             </a:extLst>
           </p:cNvPr>
@@ -23963,7 +23963,7 @@
           <p:cNvPr id="7" name="Slide Number Placeholder 6">
             <a:extLst>
               <a:ext uri="{FF2B5EF4-FFF2-40B4-BE49-F238E27FC236}">
-                <a16:creationId xmlns:a16="http://schemas.microsoft.com/office/drawing/2014/main" id="{5B90B51C-08D7-4D3E-82C3-064FC9CAD495}"/>
+                <a16:creationId xmlns:a16="http://schemas.microsoft.com/office/drawing/2014/main" xmlns="" id="{5B90B51C-08D7-4D3E-82C3-064FC9CAD495}"/>
               </a:ext>
             </a:extLst>
           </p:cNvPr>
@@ -24022,7 +24022,7 @@
           <p:cNvPr id="2" name="Title 1">
             <a:extLst>
               <a:ext uri="{FF2B5EF4-FFF2-40B4-BE49-F238E27FC236}">
-                <a16:creationId xmlns:a16="http://schemas.microsoft.com/office/drawing/2014/main" id="{B5864361-8107-46BE-BACE-38258A697445}"/>
+                <a16:creationId xmlns:a16="http://schemas.microsoft.com/office/drawing/2014/main" xmlns="" id="{B5864361-8107-46BE-BACE-38258A697445}"/>
               </a:ext>
             </a:extLst>
           </p:cNvPr>
@@ -24059,7 +24059,7 @@
           <p:cNvPr id="3" name="Picture Placeholder 2">
             <a:extLst>
               <a:ext uri="{FF2B5EF4-FFF2-40B4-BE49-F238E27FC236}">
-                <a16:creationId xmlns:a16="http://schemas.microsoft.com/office/drawing/2014/main" id="{07E17952-073D-436F-8C20-575CE371FD8C}"/>
+                <a16:creationId xmlns:a16="http://schemas.microsoft.com/office/drawing/2014/main" xmlns="" id="{07E17952-073D-436F-8C20-575CE371FD8C}"/>
               </a:ext>
             </a:extLst>
           </p:cNvPr>
@@ -24126,7 +24126,7 @@
           <p:cNvPr id="4" name="Text Placeholder 3">
             <a:extLst>
               <a:ext uri="{FF2B5EF4-FFF2-40B4-BE49-F238E27FC236}">
-                <a16:creationId xmlns:a16="http://schemas.microsoft.com/office/drawing/2014/main" id="{AF1DAAB0-B6F0-4E57-8329-6449925B7B3F}"/>
+                <a16:creationId xmlns:a16="http://schemas.microsoft.com/office/drawing/2014/main" xmlns="" id="{AF1DAAB0-B6F0-4E57-8329-6449925B7B3F}"/>
               </a:ext>
             </a:extLst>
           </p:cNvPr>
@@ -24197,7 +24197,7 @@
           <p:cNvPr id="5" name="Date Placeholder 4">
             <a:extLst>
               <a:ext uri="{FF2B5EF4-FFF2-40B4-BE49-F238E27FC236}">
-                <a16:creationId xmlns:a16="http://schemas.microsoft.com/office/drawing/2014/main" id="{0277A312-8FBF-4084-A09A-BB8A7F1D585E}"/>
+                <a16:creationId xmlns:a16="http://schemas.microsoft.com/office/drawing/2014/main" xmlns="" id="{0277A312-8FBF-4084-A09A-BB8A7F1D585E}"/>
               </a:ext>
             </a:extLst>
           </p:cNvPr>
@@ -24215,7 +24215,7 @@
           <a:p>
             <a:fld id="{D6FAFE44-99F0-4D33-92A9-7294E3F03B83}" type="datetime1">
               <a:rPr lang="en-US" smtClean="0"/>
-              <a:t>10/10/2023</a:t>
+              <a:t>10/30/2023</a:t>
             </a:fld>
             <a:endParaRPr lang="en-US"/>
           </a:p>
@@ -24226,7 +24226,7 @@
           <p:cNvPr id="6" name="Footer Placeholder 5">
             <a:extLst>
               <a:ext uri="{FF2B5EF4-FFF2-40B4-BE49-F238E27FC236}">
-                <a16:creationId xmlns:a16="http://schemas.microsoft.com/office/drawing/2014/main" id="{639144A0-FB88-40C0-852B-3675D287C115}"/>
+                <a16:creationId xmlns:a16="http://schemas.microsoft.com/office/drawing/2014/main" xmlns="" id="{639144A0-FB88-40C0-852B-3675D287C115}"/>
               </a:ext>
             </a:extLst>
           </p:cNvPr>
@@ -24254,7 +24254,7 @@
           <p:cNvPr id="7" name="Slide Number Placeholder 6">
             <a:extLst>
               <a:ext uri="{FF2B5EF4-FFF2-40B4-BE49-F238E27FC236}">
-                <a16:creationId xmlns:a16="http://schemas.microsoft.com/office/drawing/2014/main" id="{15A93145-D3B8-438E-BDCE-17137005D563}"/>
+                <a16:creationId xmlns:a16="http://schemas.microsoft.com/office/drawing/2014/main" xmlns="" id="{15A93145-D3B8-438E-BDCE-17137005D563}"/>
               </a:ext>
             </a:extLst>
           </p:cNvPr>
@@ -24318,7 +24318,7 @@
           <p:cNvPr id="2" name="Title Placeholder 1">
             <a:extLst>
               <a:ext uri="{FF2B5EF4-FFF2-40B4-BE49-F238E27FC236}">
-                <a16:creationId xmlns:a16="http://schemas.microsoft.com/office/drawing/2014/main" id="{6A89C1B6-BC97-4A96-87BC-8972DAB8B674}"/>
+                <a16:creationId xmlns:a16="http://schemas.microsoft.com/office/drawing/2014/main" xmlns="" id="{6A89C1B6-BC97-4A96-87BC-8972DAB8B674}"/>
               </a:ext>
             </a:extLst>
           </p:cNvPr>
@@ -24356,7 +24356,7 @@
           <p:cNvPr id="3" name="Text Placeholder 2">
             <a:extLst>
               <a:ext uri="{FF2B5EF4-FFF2-40B4-BE49-F238E27FC236}">
-                <a16:creationId xmlns:a16="http://schemas.microsoft.com/office/drawing/2014/main" id="{EB510E79-FDED-4AC8-9947-5C3101598D91}"/>
+                <a16:creationId xmlns:a16="http://schemas.microsoft.com/office/drawing/2014/main" xmlns="" id="{EB510E79-FDED-4AC8-9947-5C3101598D91}"/>
               </a:ext>
             </a:extLst>
           </p:cNvPr>
@@ -24423,7 +24423,7 @@
           <p:cNvPr id="4" name="Date Placeholder 3">
             <a:extLst>
               <a:ext uri="{FF2B5EF4-FFF2-40B4-BE49-F238E27FC236}">
-                <a16:creationId xmlns:a16="http://schemas.microsoft.com/office/drawing/2014/main" id="{5572A8FE-F05B-45DF-9E30-87A7C1345F69}"/>
+                <a16:creationId xmlns:a16="http://schemas.microsoft.com/office/drawing/2014/main" xmlns="" id="{5572A8FE-F05B-45DF-9E30-87A7C1345F69}"/>
               </a:ext>
             </a:extLst>
           </p:cNvPr>
@@ -24459,7 +24459,7 @@
           <a:p>
             <a:fld id="{9770FEE8-0DA1-4773-A91E-7D768F6D391C}" type="datetime1">
               <a:rPr lang="en-US" smtClean="0"/>
-              <a:t>10/10/2023</a:t>
+              <a:t>10/30/2023</a:t>
             </a:fld>
             <a:endParaRPr lang="en-US"/>
           </a:p>
@@ -24470,7 +24470,7 @@
           <p:cNvPr id="5" name="Footer Placeholder 4">
             <a:extLst>
               <a:ext uri="{FF2B5EF4-FFF2-40B4-BE49-F238E27FC236}">
-                <a16:creationId xmlns:a16="http://schemas.microsoft.com/office/drawing/2014/main" id="{B7F50E86-25B7-4466-B187-DE1F59475083}"/>
+                <a16:creationId xmlns:a16="http://schemas.microsoft.com/office/drawing/2014/main" xmlns="" id="{B7F50E86-25B7-4466-B187-DE1F59475083}"/>
               </a:ext>
             </a:extLst>
           </p:cNvPr>
@@ -24516,7 +24516,7 @@
           <p:cNvPr id="6" name="Slide Number Placeholder 5">
             <a:extLst>
               <a:ext uri="{FF2B5EF4-FFF2-40B4-BE49-F238E27FC236}">
-                <a16:creationId xmlns:a16="http://schemas.microsoft.com/office/drawing/2014/main" id="{7A2BB13A-729F-4466-AFCB-3E5598F9B5EB}"/>
+                <a16:creationId xmlns:a16="http://schemas.microsoft.com/office/drawing/2014/main" xmlns="" id="{7A2BB13A-729F-4466-AFCB-3E5598F9B5EB}"/>
               </a:ext>
             </a:extLst>
           </p:cNvPr>
@@ -24890,7 +24890,7 @@
           <p:cNvPr id="2" name="Title Placeholder 1">
             <a:extLst>
               <a:ext uri="{FF2B5EF4-FFF2-40B4-BE49-F238E27FC236}">
-                <a16:creationId xmlns:a16="http://schemas.microsoft.com/office/drawing/2014/main" id="{E473A701-713F-4682-B4CA-769E8B74C0A5}"/>
+                <a16:creationId xmlns:a16="http://schemas.microsoft.com/office/drawing/2014/main" xmlns="" id="{E473A701-713F-4682-B4CA-769E8B74C0A5}"/>
               </a:ext>
             </a:extLst>
           </p:cNvPr>
@@ -24928,7 +24928,7 @@
           <p:cNvPr id="3" name="Text Placeholder 2">
             <a:extLst>
               <a:ext uri="{FF2B5EF4-FFF2-40B4-BE49-F238E27FC236}">
-                <a16:creationId xmlns:a16="http://schemas.microsoft.com/office/drawing/2014/main" id="{2D4359CC-771D-4D18-A521-C350185B4C7B}"/>
+                <a16:creationId xmlns:a16="http://schemas.microsoft.com/office/drawing/2014/main" xmlns="" id="{2D4359CC-771D-4D18-A521-C350185B4C7B}"/>
               </a:ext>
             </a:extLst>
           </p:cNvPr>
@@ -24995,7 +24995,7 @@
           <p:cNvPr id="4" name="Date Placeholder 3">
             <a:extLst>
               <a:ext uri="{FF2B5EF4-FFF2-40B4-BE49-F238E27FC236}">
-                <a16:creationId xmlns:a16="http://schemas.microsoft.com/office/drawing/2014/main" id="{80D4D445-CA12-4BA8-8FDF-7DACFAD67D94}"/>
+                <a16:creationId xmlns:a16="http://schemas.microsoft.com/office/drawing/2014/main" xmlns="" id="{80D4D445-CA12-4BA8-8FDF-7DACFAD67D94}"/>
               </a:ext>
             </a:extLst>
           </p:cNvPr>
@@ -25031,7 +25031,7 @@
           <a:p>
             <a:fld id="{7698DAFF-86D5-4EE1-AA06-D2DF137C6345}" type="datetime1">
               <a:rPr lang="en-US" smtClean="0"/>
-              <a:t>10/10/2023</a:t>
+              <a:t>10/30/2023</a:t>
             </a:fld>
             <a:endParaRPr lang="en-US"/>
           </a:p>
@@ -25042,7 +25042,7 @@
           <p:cNvPr id="5" name="Footer Placeholder 4">
             <a:extLst>
               <a:ext uri="{FF2B5EF4-FFF2-40B4-BE49-F238E27FC236}">
-                <a16:creationId xmlns:a16="http://schemas.microsoft.com/office/drawing/2014/main" id="{CFDA3220-CA7D-4673-8388-AF53D07CBA68}"/>
+                <a16:creationId xmlns:a16="http://schemas.microsoft.com/office/drawing/2014/main" xmlns="" id="{CFDA3220-CA7D-4673-8388-AF53D07CBA68}"/>
               </a:ext>
             </a:extLst>
           </p:cNvPr>
@@ -25088,7 +25088,7 @@
           <p:cNvPr id="6" name="Slide Number Placeholder 5">
             <a:extLst>
               <a:ext uri="{FF2B5EF4-FFF2-40B4-BE49-F238E27FC236}">
-                <a16:creationId xmlns:a16="http://schemas.microsoft.com/office/drawing/2014/main" id="{D878B9B2-9637-47FF-9D2C-9C67321704FD}"/>
+                <a16:creationId xmlns:a16="http://schemas.microsoft.com/office/drawing/2014/main" xmlns="" id="{D878B9B2-9637-47FF-9D2C-9C67321704FD}"/>
               </a:ext>
             </a:extLst>
           </p:cNvPr>
@@ -25500,7 +25500,7 @@
           <p:cNvPr id="2" name="Title 1">
             <a:extLst>
               <a:ext uri="{FF2B5EF4-FFF2-40B4-BE49-F238E27FC236}">
-                <a16:creationId xmlns:a16="http://schemas.microsoft.com/office/drawing/2014/main" id="{DF8E50FE-3D10-4FD2-90F7-CC9ACEE7BF3D}"/>
+                <a16:creationId xmlns:a16="http://schemas.microsoft.com/office/drawing/2014/main" xmlns="" id="{DF8E50FE-3D10-4FD2-90F7-CC9ACEE7BF3D}"/>
               </a:ext>
             </a:extLst>
           </p:cNvPr>
@@ -25528,7 +25528,7 @@
           <p:cNvPr id="3" name="Subtitle 2">
             <a:extLst>
               <a:ext uri="{FF2B5EF4-FFF2-40B4-BE49-F238E27FC236}">
-                <a16:creationId xmlns:a16="http://schemas.microsoft.com/office/drawing/2014/main" id="{6F7EF840-F15F-4F8F-981B-1F80D0521C66}"/>
+                <a16:creationId xmlns:a16="http://schemas.microsoft.com/office/drawing/2014/main" xmlns="" id="{6F7EF840-F15F-4F8F-981B-1F80D0521C66}"/>
               </a:ext>
             </a:extLst>
           </p:cNvPr>
@@ -25553,7 +25553,7 @@
           <p:cNvPr id="4" name="Footer Placeholder 3">
             <a:extLst>
               <a:ext uri="{FF2B5EF4-FFF2-40B4-BE49-F238E27FC236}">
-                <a16:creationId xmlns:a16="http://schemas.microsoft.com/office/drawing/2014/main" id="{8177813B-DD0A-491E-90A3-FBF7C02C00EC}"/>
+                <a16:creationId xmlns:a16="http://schemas.microsoft.com/office/drawing/2014/main" xmlns="" id="{8177813B-DD0A-491E-90A3-FBF7C02C00EC}"/>
               </a:ext>
             </a:extLst>
           </p:cNvPr>
@@ -25581,7 +25581,7 @@
           <p:cNvPr id="5" name="Slide Number Placeholder 4">
             <a:extLst>
               <a:ext uri="{FF2B5EF4-FFF2-40B4-BE49-F238E27FC236}">
-                <a16:creationId xmlns:a16="http://schemas.microsoft.com/office/drawing/2014/main" id="{E0B73A4E-B560-4063-8A27-B5E42E121EAA}"/>
+                <a16:creationId xmlns:a16="http://schemas.microsoft.com/office/drawing/2014/main" xmlns="" id="{E0B73A4E-B560-4063-8A27-B5E42E121EAA}"/>
               </a:ext>
             </a:extLst>
           </p:cNvPr>
@@ -25640,7 +25640,7 @@
           <p:cNvPr id="2" name="Title 1">
             <a:extLst>
               <a:ext uri="{FF2B5EF4-FFF2-40B4-BE49-F238E27FC236}">
-                <a16:creationId xmlns:a16="http://schemas.microsoft.com/office/drawing/2014/main" id="{9A788399-31D4-45F3-907E-5B2D508DE04D}"/>
+                <a16:creationId xmlns:a16="http://schemas.microsoft.com/office/drawing/2014/main" xmlns="" id="{9A788399-31D4-45F3-907E-5B2D508DE04D}"/>
               </a:ext>
             </a:extLst>
           </p:cNvPr>
@@ -25668,7 +25668,7 @@
           <p:cNvPr id="4" name="Slide Number Placeholder 3">
             <a:extLst>
               <a:ext uri="{FF2B5EF4-FFF2-40B4-BE49-F238E27FC236}">
-                <a16:creationId xmlns:a16="http://schemas.microsoft.com/office/drawing/2014/main" id="{C8984A3E-92EA-4876-8FE2-463EBBC28A9A}"/>
+                <a16:creationId xmlns:a16="http://schemas.microsoft.com/office/drawing/2014/main" xmlns="" id="{C8984A3E-92EA-4876-8FE2-463EBBC28A9A}"/>
               </a:ext>
             </a:extLst>
           </p:cNvPr>
@@ -25702,7 +25702,7 @@
           <p:cNvPr id="8" name="Content Placeholder 7">
             <a:extLst>
               <a:ext uri="{FF2B5EF4-FFF2-40B4-BE49-F238E27FC236}">
-                <a16:creationId xmlns:a16="http://schemas.microsoft.com/office/drawing/2014/main" id="{90D3BD25-9997-42D1-B30B-533A31369638}"/>
+                <a16:creationId xmlns:a16="http://schemas.microsoft.com/office/drawing/2014/main" xmlns="" id="{90D3BD25-9997-42D1-B30B-533A31369638}"/>
               </a:ext>
             </a:extLst>
           </p:cNvPr>
@@ -25734,7 +25734,7 @@
           <p:cNvPr id="3" name="Rectangle 2">
             <a:extLst>
               <a:ext uri="{FF2B5EF4-FFF2-40B4-BE49-F238E27FC236}">
-                <a16:creationId xmlns:a16="http://schemas.microsoft.com/office/drawing/2014/main" id="{033BEFFB-FDE7-43DA-85E0-AAF2BD54B275}"/>
+                <a16:creationId xmlns:a16="http://schemas.microsoft.com/office/drawing/2014/main" xmlns="" id="{033BEFFB-FDE7-43DA-85E0-AAF2BD54B275}"/>
               </a:ext>
             </a:extLst>
           </p:cNvPr>
@@ -25798,7 +25798,7 @@
           <p:cNvPr id="5" name="Footer Placeholder 4">
             <a:extLst>
               <a:ext uri="{FF2B5EF4-FFF2-40B4-BE49-F238E27FC236}">
-                <a16:creationId xmlns:a16="http://schemas.microsoft.com/office/drawing/2014/main" id="{EA0E8894-DC26-425C-81DE-19D5D5E11A08}"/>
+                <a16:creationId xmlns:a16="http://schemas.microsoft.com/office/drawing/2014/main" xmlns="" id="{EA0E8894-DC26-425C-81DE-19D5D5E11A08}"/>
               </a:ext>
             </a:extLst>
           </p:cNvPr>
@@ -25827,7 +25827,7 @@
           <p:cNvPr id="7" name="Rectangle 6">
             <a:extLst>
               <a:ext uri="{FF2B5EF4-FFF2-40B4-BE49-F238E27FC236}">
-                <a16:creationId xmlns:a16="http://schemas.microsoft.com/office/drawing/2014/main" id="{6F7636FD-BF8E-45D1-A59E-6AE901FF19D0}"/>
+                <a16:creationId xmlns:a16="http://schemas.microsoft.com/office/drawing/2014/main" xmlns="" id="{6F7636FD-BF8E-45D1-A59E-6AE901FF19D0}"/>
               </a:ext>
             </a:extLst>
           </p:cNvPr>
@@ -25879,7 +25879,7 @@
           <p:cNvPr id="6" name="Picture 5">
             <a:extLst>
               <a:ext uri="{FF2B5EF4-FFF2-40B4-BE49-F238E27FC236}">
-                <a16:creationId xmlns:a16="http://schemas.microsoft.com/office/drawing/2014/main" id="{1089C702-89D8-484E-A570-BE07B73BD523}"/>
+                <a16:creationId xmlns:a16="http://schemas.microsoft.com/office/drawing/2014/main" xmlns="" id="{1089C702-89D8-484E-A570-BE07B73BD523}"/>
               </a:ext>
             </a:extLst>
           </p:cNvPr>
@@ -25911,7 +25911,7 @@
               <p:cNvPr id="10" name="TextBox 9">
                 <a:extLst>
                   <a:ext uri="{FF2B5EF4-FFF2-40B4-BE49-F238E27FC236}">
-                    <a16:creationId xmlns:a16="http://schemas.microsoft.com/office/drawing/2014/main" id="{43D55BA8-1423-4311-BB3A-3D6E0492EF4F}"/>
+                    <a16:creationId xmlns:a16="http://schemas.microsoft.com/office/drawing/2014/main" xmlns="" id="{43D55BA8-1423-4311-BB3A-3D6E0492EF4F}"/>
                   </a:ext>
                 </a:extLst>
               </p:cNvPr>
@@ -26021,7 +26021,7 @@
           <p:cNvPr id="11" name="TextBox 10">
             <a:extLst>
               <a:ext uri="{FF2B5EF4-FFF2-40B4-BE49-F238E27FC236}">
-                <a16:creationId xmlns:a16="http://schemas.microsoft.com/office/drawing/2014/main" id="{C6B0FCA6-DC0E-4818-8608-22F6A0C59014}"/>
+                <a16:creationId xmlns:a16="http://schemas.microsoft.com/office/drawing/2014/main" xmlns="" id="{C6B0FCA6-DC0E-4818-8608-22F6A0C59014}"/>
               </a:ext>
             </a:extLst>
           </p:cNvPr>
@@ -26185,7 +26185,7 @@
           <p:cNvPr id="2" name="Title 1">
             <a:extLst>
               <a:ext uri="{FF2B5EF4-FFF2-40B4-BE49-F238E27FC236}">
-                <a16:creationId xmlns:a16="http://schemas.microsoft.com/office/drawing/2014/main" id="{E68720F3-9E70-403B-81BE-1A217772A428}"/>
+                <a16:creationId xmlns:a16="http://schemas.microsoft.com/office/drawing/2014/main" xmlns="" id="{E68720F3-9E70-403B-81BE-1A217772A428}"/>
               </a:ext>
             </a:extLst>
           </p:cNvPr>
@@ -26213,7 +26213,7 @@
           <p:cNvPr id="3" name="Content Placeholder 2">
             <a:extLst>
               <a:ext uri="{FF2B5EF4-FFF2-40B4-BE49-F238E27FC236}">
-                <a16:creationId xmlns:a16="http://schemas.microsoft.com/office/drawing/2014/main" id="{739AE2FE-3185-45B5-BDC2-506DE96E3CFA}"/>
+                <a16:creationId xmlns:a16="http://schemas.microsoft.com/office/drawing/2014/main" xmlns="" id="{739AE2FE-3185-45B5-BDC2-506DE96E3CFA}"/>
               </a:ext>
             </a:extLst>
           </p:cNvPr>
@@ -26293,7 +26293,7 @@
           <p:cNvPr id="4" name="Footer Placeholder 3">
             <a:extLst>
               <a:ext uri="{FF2B5EF4-FFF2-40B4-BE49-F238E27FC236}">
-                <a16:creationId xmlns:a16="http://schemas.microsoft.com/office/drawing/2014/main" id="{16D85526-5C28-4451-B320-8A2D7F155621}"/>
+                <a16:creationId xmlns:a16="http://schemas.microsoft.com/office/drawing/2014/main" xmlns="" id="{16D85526-5C28-4451-B320-8A2D7F155621}"/>
               </a:ext>
             </a:extLst>
           </p:cNvPr>
@@ -26322,7 +26322,7 @@
           <p:cNvPr id="5" name="Slide Number Placeholder 4">
             <a:extLst>
               <a:ext uri="{FF2B5EF4-FFF2-40B4-BE49-F238E27FC236}">
-                <a16:creationId xmlns:a16="http://schemas.microsoft.com/office/drawing/2014/main" id="{9B1D2EBC-F5D6-4730-950D-FD5120F6AFB4}"/>
+                <a16:creationId xmlns:a16="http://schemas.microsoft.com/office/drawing/2014/main" xmlns="" id="{9B1D2EBC-F5D6-4730-950D-FD5120F6AFB4}"/>
               </a:ext>
             </a:extLst>
           </p:cNvPr>
@@ -26351,7 +26351,7 @@
           <p:cNvPr id="6" name="TextBox 5">
             <a:extLst>
               <a:ext uri="{FF2B5EF4-FFF2-40B4-BE49-F238E27FC236}">
-                <a16:creationId xmlns:a16="http://schemas.microsoft.com/office/drawing/2014/main" id="{7F5664BE-4792-4924-B1CF-2A29EAF7F8F7}"/>
+                <a16:creationId xmlns:a16="http://schemas.microsoft.com/office/drawing/2014/main" xmlns="" id="{7F5664BE-4792-4924-B1CF-2A29EAF7F8F7}"/>
               </a:ext>
             </a:extLst>
           </p:cNvPr>
@@ -26511,7 +26511,7 @@
           <p:cNvPr id="2" name="Title 1">
             <a:extLst>
               <a:ext uri="{FF2B5EF4-FFF2-40B4-BE49-F238E27FC236}">
-                <a16:creationId xmlns:a16="http://schemas.microsoft.com/office/drawing/2014/main" id="{18115751-5F9E-4B1A-953F-26F3EBD365F5}"/>
+                <a16:creationId xmlns:a16="http://schemas.microsoft.com/office/drawing/2014/main" xmlns="" id="{18115751-5F9E-4B1A-953F-26F3EBD365F5}"/>
               </a:ext>
             </a:extLst>
           </p:cNvPr>
@@ -26543,7 +26543,7 @@
           <p:cNvPr id="3" name="Text Placeholder 2">
             <a:extLst>
               <a:ext uri="{FF2B5EF4-FFF2-40B4-BE49-F238E27FC236}">
-                <a16:creationId xmlns:a16="http://schemas.microsoft.com/office/drawing/2014/main" id="{41A571B0-9AF4-44E7-8698-8F9A3F7DCDD6}"/>
+                <a16:creationId xmlns:a16="http://schemas.microsoft.com/office/drawing/2014/main" xmlns="" id="{41A571B0-9AF4-44E7-8698-8F9A3F7DCDD6}"/>
               </a:ext>
             </a:extLst>
           </p:cNvPr>
@@ -26568,7 +26568,7 @@
           <p:cNvPr id="4" name="Footer Placeholder 3">
             <a:extLst>
               <a:ext uri="{FF2B5EF4-FFF2-40B4-BE49-F238E27FC236}">
-                <a16:creationId xmlns:a16="http://schemas.microsoft.com/office/drawing/2014/main" id="{3988A96C-6D0A-4A49-9EBD-3917B4983157}"/>
+                <a16:creationId xmlns:a16="http://schemas.microsoft.com/office/drawing/2014/main" xmlns="" id="{3988A96C-6D0A-4A49-9EBD-3917B4983157}"/>
               </a:ext>
             </a:extLst>
           </p:cNvPr>
@@ -26596,7 +26596,7 @@
           <p:cNvPr id="5" name="Slide Number Placeholder 4">
             <a:extLst>
               <a:ext uri="{FF2B5EF4-FFF2-40B4-BE49-F238E27FC236}">
-                <a16:creationId xmlns:a16="http://schemas.microsoft.com/office/drawing/2014/main" id="{4CC96262-6BB7-4FBB-8A1E-F16AA5552AD7}"/>
+                <a16:creationId xmlns:a16="http://schemas.microsoft.com/office/drawing/2014/main" xmlns="" id="{4CC96262-6BB7-4FBB-8A1E-F16AA5552AD7}"/>
               </a:ext>
             </a:extLst>
           </p:cNvPr>
@@ -28349,7 +28349,7 @@
           <p:cNvPr id="6" name="TextBox 5">
             <a:extLst>
               <a:ext uri="{FF2B5EF4-FFF2-40B4-BE49-F238E27FC236}">
-                <a16:creationId xmlns:a16="http://schemas.microsoft.com/office/drawing/2014/main" id="{832190DA-A3FB-4AB7-B7E6-048FE5D57E81}"/>
+                <a16:creationId xmlns:a16="http://schemas.microsoft.com/office/drawing/2014/main" xmlns="" id="{832190DA-A3FB-4AB7-B7E6-048FE5D57E81}"/>
               </a:ext>
             </a:extLst>
           </p:cNvPr>
@@ -30602,7 +30602,7 @@
           <p:cNvPr id="6" name="TextBox 5">
             <a:extLst>
               <a:ext uri="{FF2B5EF4-FFF2-40B4-BE49-F238E27FC236}">
-                <a16:creationId xmlns:a16="http://schemas.microsoft.com/office/drawing/2014/main" id="{832190DA-A3FB-4AB7-B7E6-048FE5D57E81}"/>
+                <a16:creationId xmlns:a16="http://schemas.microsoft.com/office/drawing/2014/main" xmlns="" id="{832190DA-A3FB-4AB7-B7E6-048FE5D57E81}"/>
               </a:ext>
             </a:extLst>
           </p:cNvPr>
@@ -31353,7 +31353,7 @@
           <p:cNvPr id="2" name="Title 1">
             <a:extLst>
               <a:ext uri="{FF2B5EF4-FFF2-40B4-BE49-F238E27FC236}">
-                <a16:creationId xmlns:a16="http://schemas.microsoft.com/office/drawing/2014/main" id="{CFB69868-B732-4E06-861B-C07E0005E798}"/>
+                <a16:creationId xmlns:a16="http://schemas.microsoft.com/office/drawing/2014/main" xmlns="" id="{CFB69868-B732-4E06-861B-C07E0005E798}"/>
               </a:ext>
             </a:extLst>
           </p:cNvPr>
@@ -31381,7 +31381,7 @@
           <p:cNvPr id="3" name="Content Placeholder 2">
             <a:extLst>
               <a:ext uri="{FF2B5EF4-FFF2-40B4-BE49-F238E27FC236}">
-                <a16:creationId xmlns:a16="http://schemas.microsoft.com/office/drawing/2014/main" id="{8CEF4BA7-8D42-41B1-A33C-4F48F4942B59}"/>
+                <a16:creationId xmlns:a16="http://schemas.microsoft.com/office/drawing/2014/main" xmlns="" id="{8CEF4BA7-8D42-41B1-A33C-4F48F4942B59}"/>
               </a:ext>
             </a:extLst>
           </p:cNvPr>
@@ -31456,7 +31456,7 @@
           <p:cNvPr id="4" name="Slide Number Placeholder 3">
             <a:extLst>
               <a:ext uri="{FF2B5EF4-FFF2-40B4-BE49-F238E27FC236}">
-                <a16:creationId xmlns:a16="http://schemas.microsoft.com/office/drawing/2014/main" id="{198D9A66-E98A-484A-A98E-2EE8F05108DB}"/>
+                <a16:creationId xmlns:a16="http://schemas.microsoft.com/office/drawing/2014/main" xmlns="" id="{198D9A66-E98A-484A-A98E-2EE8F05108DB}"/>
               </a:ext>
             </a:extLst>
           </p:cNvPr>
@@ -31520,7 +31520,7 @@
           <p:cNvPr id="2" name="Title 1">
             <a:extLst>
               <a:ext uri="{FF2B5EF4-FFF2-40B4-BE49-F238E27FC236}">
-                <a16:creationId xmlns:a16="http://schemas.microsoft.com/office/drawing/2014/main" id="{CFB69868-B732-4E06-861B-C07E0005E798}"/>
+                <a16:creationId xmlns:a16="http://schemas.microsoft.com/office/drawing/2014/main" xmlns="" id="{CFB69868-B732-4E06-861B-C07E0005E798}"/>
               </a:ext>
             </a:extLst>
           </p:cNvPr>
@@ -31543,14 +31543,14 @@
           </a:p>
         </p:txBody>
       </p:sp>
-      <mc:AlternateContent xmlns:mc="http://schemas.openxmlformats.org/markup-compatibility/2006">
-        <mc:Choice xmlns:a14="http://schemas.microsoft.com/office/drawing/2010/main" Requires="a14">
+      <mc:AlternateContent xmlns:mc="http://schemas.openxmlformats.org/markup-compatibility/2006" xmlns:a14="http://schemas.microsoft.com/office/drawing/2010/main">
+        <mc:Choice Requires="a14">
           <p:sp>
             <p:nvSpPr>
               <p:cNvPr id="3" name="Content Placeholder 2">
                 <a:extLst>
                   <a:ext uri="{FF2B5EF4-FFF2-40B4-BE49-F238E27FC236}">
-                    <a16:creationId xmlns:a16="http://schemas.microsoft.com/office/drawing/2014/main" id="{8CEF4BA7-8D42-41B1-A33C-4F48F4942B59}"/>
+                    <a16:creationId xmlns:a16="http://schemas.microsoft.com/office/drawing/2014/main" xmlns="" id="{8CEF4BA7-8D42-41B1-A33C-4F48F4942B59}"/>
                   </a:ext>
                 </a:extLst>
               </p:cNvPr>
@@ -31990,7 +31990,7 @@
             </p:txBody>
           </p:sp>
         </mc:Choice>
-        <mc:Fallback>
+        <mc:Fallback xmlns="">
           <p:sp>
             <p:nvSpPr>
               <p:cNvPr id="3" name="Content Placeholder 2">
@@ -32035,7 +32035,7 @@
           <p:cNvPr id="4" name="Slide Number Placeholder 3">
             <a:extLst>
               <a:ext uri="{FF2B5EF4-FFF2-40B4-BE49-F238E27FC236}">
-                <a16:creationId xmlns:a16="http://schemas.microsoft.com/office/drawing/2014/main" id="{198D9A66-E98A-484A-A98E-2EE8F05108DB}"/>
+                <a16:creationId xmlns:a16="http://schemas.microsoft.com/office/drawing/2014/main" xmlns="" id="{198D9A66-E98A-484A-A98E-2EE8F05108DB}"/>
               </a:ext>
             </a:extLst>
           </p:cNvPr>
@@ -32069,7 +32069,7 @@
           <p:cNvPr id="5" name="Arrow: Right 4">
             <a:extLst>
               <a:ext uri="{FF2B5EF4-FFF2-40B4-BE49-F238E27FC236}">
-                <a16:creationId xmlns:a16="http://schemas.microsoft.com/office/drawing/2014/main" id="{E40A7770-FA91-46EB-A736-F1EB02F10514}"/>
+                <a16:creationId xmlns:a16="http://schemas.microsoft.com/office/drawing/2014/main" xmlns="" id="{E40A7770-FA91-46EB-A736-F1EB02F10514}"/>
               </a:ext>
             </a:extLst>
           </p:cNvPr>
@@ -32115,7 +32115,7 @@
           <p:cNvPr id="6" name="TextBox 5">
             <a:extLst>
               <a:ext uri="{FF2B5EF4-FFF2-40B4-BE49-F238E27FC236}">
-                <a16:creationId xmlns:a16="http://schemas.microsoft.com/office/drawing/2014/main" id="{DF27BDBD-1528-4424-8D17-EA6E32E55A38}"/>
+                <a16:creationId xmlns:a16="http://schemas.microsoft.com/office/drawing/2014/main" xmlns="" id="{DF27BDBD-1528-4424-8D17-EA6E32E55A38}"/>
               </a:ext>
             </a:extLst>
           </p:cNvPr>
@@ -32164,7 +32164,7 @@
           <p:cNvPr id="7" name="Arrow: Right 6">
             <a:extLst>
               <a:ext uri="{FF2B5EF4-FFF2-40B4-BE49-F238E27FC236}">
-                <a16:creationId xmlns:a16="http://schemas.microsoft.com/office/drawing/2014/main" id="{E22F8093-D698-48EA-BDE8-57FC6AA3CB78}"/>
+                <a16:creationId xmlns:a16="http://schemas.microsoft.com/office/drawing/2014/main" xmlns="" id="{E22F8093-D698-48EA-BDE8-57FC6AA3CB78}"/>
               </a:ext>
             </a:extLst>
           </p:cNvPr>
@@ -32210,7 +32210,7 @@
           <p:cNvPr id="8" name="TextBox 7">
             <a:extLst>
               <a:ext uri="{FF2B5EF4-FFF2-40B4-BE49-F238E27FC236}">
-                <a16:creationId xmlns:a16="http://schemas.microsoft.com/office/drawing/2014/main" id="{82BA1E76-5751-4F9B-86B7-A8827F54D79A}"/>
+                <a16:creationId xmlns:a16="http://schemas.microsoft.com/office/drawing/2014/main" xmlns="" id="{82BA1E76-5751-4F9B-86B7-A8827F54D79A}"/>
               </a:ext>
             </a:extLst>
           </p:cNvPr>
@@ -34889,7 +34889,7 @@
           <p:cNvPr id="4" name="TextBox 3">
             <a:extLst>
               <a:ext uri="{FF2B5EF4-FFF2-40B4-BE49-F238E27FC236}">
-                <a16:creationId xmlns:a16="http://schemas.microsoft.com/office/drawing/2014/main" id="{8B199D27-8459-4F7E-858A-8DCE8C25B077}"/>
+                <a16:creationId xmlns:a16="http://schemas.microsoft.com/office/drawing/2014/main" xmlns="" id="{8B199D27-8459-4F7E-858A-8DCE8C25B077}"/>
               </a:ext>
             </a:extLst>
           </p:cNvPr>
@@ -36018,7 +36018,7 @@
           <p:cNvPr id="2" name="Title 1">
             <a:extLst>
               <a:ext uri="{FF2B5EF4-FFF2-40B4-BE49-F238E27FC236}">
-                <a16:creationId xmlns:a16="http://schemas.microsoft.com/office/drawing/2014/main" id="{CFB69868-B732-4E06-861B-C07E0005E798}"/>
+                <a16:creationId xmlns:a16="http://schemas.microsoft.com/office/drawing/2014/main" xmlns="" id="{CFB69868-B732-4E06-861B-C07E0005E798}"/>
               </a:ext>
             </a:extLst>
           </p:cNvPr>
@@ -36048,7 +36048,7 @@
               <p:cNvPr id="3" name="Content Placeholder 2">
                 <a:extLst>
                   <a:ext uri="{FF2B5EF4-FFF2-40B4-BE49-F238E27FC236}">
-                    <a16:creationId xmlns:a16="http://schemas.microsoft.com/office/drawing/2014/main" id="{8CEF4BA7-8D42-41B1-A33C-4F48F4942B59}"/>
+                    <a16:creationId xmlns:a16="http://schemas.microsoft.com/office/drawing/2014/main" xmlns="" id="{8CEF4BA7-8D42-41B1-A33C-4F48F4942B59}"/>
                   </a:ext>
                 </a:extLst>
               </p:cNvPr>
@@ -36951,7 +36951,7 @@
           <p:cNvPr id="4" name="Slide Number Placeholder 3">
             <a:extLst>
               <a:ext uri="{FF2B5EF4-FFF2-40B4-BE49-F238E27FC236}">
-                <a16:creationId xmlns:a16="http://schemas.microsoft.com/office/drawing/2014/main" id="{198D9A66-E98A-484A-A98E-2EE8F05108DB}"/>
+                <a16:creationId xmlns:a16="http://schemas.microsoft.com/office/drawing/2014/main" xmlns="" id="{198D9A66-E98A-484A-A98E-2EE8F05108DB}"/>
               </a:ext>
             </a:extLst>
           </p:cNvPr>
@@ -37285,7 +37285,7 @@
           <p:cNvPr id="6" name="Title 5">
             <a:extLst>
               <a:ext uri="{FF2B5EF4-FFF2-40B4-BE49-F238E27FC236}">
-                <a16:creationId xmlns:a16="http://schemas.microsoft.com/office/drawing/2014/main" id="{BFC0ECE4-BB67-4369-BE9A-248B710C36CF}"/>
+                <a16:creationId xmlns:a16="http://schemas.microsoft.com/office/drawing/2014/main" xmlns="" id="{BFC0ECE4-BB67-4369-BE9A-248B710C36CF}"/>
               </a:ext>
             </a:extLst>
           </p:cNvPr>
@@ -37313,7 +37313,7 @@
           <p:cNvPr id="4" name="Footer Placeholder 3">
             <a:extLst>
               <a:ext uri="{FF2B5EF4-FFF2-40B4-BE49-F238E27FC236}">
-                <a16:creationId xmlns:a16="http://schemas.microsoft.com/office/drawing/2014/main" id="{0063CD06-C413-4899-A461-EDFF94C845F1}"/>
+                <a16:creationId xmlns:a16="http://schemas.microsoft.com/office/drawing/2014/main" xmlns="" id="{0063CD06-C413-4899-A461-EDFF94C845F1}"/>
               </a:ext>
             </a:extLst>
           </p:cNvPr>
@@ -37342,7 +37342,7 @@
           <p:cNvPr id="5" name="Slide Number Placeholder 4">
             <a:extLst>
               <a:ext uri="{FF2B5EF4-FFF2-40B4-BE49-F238E27FC236}">
-                <a16:creationId xmlns:a16="http://schemas.microsoft.com/office/drawing/2014/main" id="{695E6C8B-C854-4095-B6AF-4ED9E40BB95E}"/>
+                <a16:creationId xmlns:a16="http://schemas.microsoft.com/office/drawing/2014/main" xmlns="" id="{695E6C8B-C854-4095-B6AF-4ED9E40BB95E}"/>
               </a:ext>
             </a:extLst>
           </p:cNvPr>
@@ -37371,7 +37371,7 @@
           <p:cNvPr id="8" name="Content Placeholder 7">
             <a:extLst>
               <a:ext uri="{FF2B5EF4-FFF2-40B4-BE49-F238E27FC236}">
-                <a16:creationId xmlns:a16="http://schemas.microsoft.com/office/drawing/2014/main" id="{AF5D9A33-84E8-4AB9-A626-A133B18A94B0}"/>
+                <a16:creationId xmlns:a16="http://schemas.microsoft.com/office/drawing/2014/main" xmlns="" id="{AF5D9A33-84E8-4AB9-A626-A133B18A94B0}"/>
               </a:ext>
             </a:extLst>
           </p:cNvPr>
@@ -37403,7 +37403,7 @@
           <p:cNvPr id="9" name="Oval 8">
             <a:extLst>
               <a:ext uri="{FF2B5EF4-FFF2-40B4-BE49-F238E27FC236}">
-                <a16:creationId xmlns:a16="http://schemas.microsoft.com/office/drawing/2014/main" id="{B74F0B6F-3E77-4D71-9D7D-640756CD82DD}"/>
+                <a16:creationId xmlns:a16="http://schemas.microsoft.com/office/drawing/2014/main" xmlns="" id="{B74F0B6F-3E77-4D71-9D7D-640756CD82DD}"/>
               </a:ext>
             </a:extLst>
           </p:cNvPr>
@@ -37450,7 +37450,7 @@
           <p:cNvPr id="10" name="TextBox 9">
             <a:extLst>
               <a:ext uri="{FF2B5EF4-FFF2-40B4-BE49-F238E27FC236}">
-                <a16:creationId xmlns:a16="http://schemas.microsoft.com/office/drawing/2014/main" id="{83F22B2D-692C-4666-AB37-DB953418230B}"/>
+                <a16:creationId xmlns:a16="http://schemas.microsoft.com/office/drawing/2014/main" xmlns="" id="{83F22B2D-692C-4666-AB37-DB953418230B}"/>
               </a:ext>
             </a:extLst>
           </p:cNvPr>
@@ -37489,7 +37489,7 @@
           <p:cNvPr id="11" name="Oval 10">
             <a:extLst>
               <a:ext uri="{FF2B5EF4-FFF2-40B4-BE49-F238E27FC236}">
-                <a16:creationId xmlns:a16="http://schemas.microsoft.com/office/drawing/2014/main" id="{0D2D12DC-C9BC-4B0C-A4D9-3A91E910A07D}"/>
+                <a16:creationId xmlns:a16="http://schemas.microsoft.com/office/drawing/2014/main" xmlns="" id="{0D2D12DC-C9BC-4B0C-A4D9-3A91E910A07D}"/>
               </a:ext>
             </a:extLst>
           </p:cNvPr>
@@ -37541,7 +37541,7 @@
           <p:cNvPr id="12" name="TextBox 11">
             <a:extLst>
               <a:ext uri="{FF2B5EF4-FFF2-40B4-BE49-F238E27FC236}">
-                <a16:creationId xmlns:a16="http://schemas.microsoft.com/office/drawing/2014/main" id="{2233F54A-71C5-4F97-85BD-75BBA1ED07E3}"/>
+                <a16:creationId xmlns:a16="http://schemas.microsoft.com/office/drawing/2014/main" xmlns="" id="{2233F54A-71C5-4F97-85BD-75BBA1ED07E3}"/>
               </a:ext>
             </a:extLst>
           </p:cNvPr>
@@ -37790,7 +37790,7 @@
           <p:cNvPr id="2" name="Title 1">
             <a:extLst>
               <a:ext uri="{FF2B5EF4-FFF2-40B4-BE49-F238E27FC236}">
-                <a16:creationId xmlns:a16="http://schemas.microsoft.com/office/drawing/2014/main" id="{86DA440A-9594-4E7C-9E85-07EACF00861B}"/>
+                <a16:creationId xmlns:a16="http://schemas.microsoft.com/office/drawing/2014/main" xmlns="" id="{86DA440A-9594-4E7C-9E85-07EACF00861B}"/>
               </a:ext>
             </a:extLst>
           </p:cNvPr>
@@ -37818,7 +37818,7 @@
           <p:cNvPr id="3" name="Content Placeholder 2">
             <a:extLst>
               <a:ext uri="{FF2B5EF4-FFF2-40B4-BE49-F238E27FC236}">
-                <a16:creationId xmlns:a16="http://schemas.microsoft.com/office/drawing/2014/main" id="{DA61C2A7-8C55-4417-B755-F0C531713E45}"/>
+                <a16:creationId xmlns:a16="http://schemas.microsoft.com/office/drawing/2014/main" xmlns="" id="{DA61C2A7-8C55-4417-B755-F0C531713E45}"/>
               </a:ext>
             </a:extLst>
           </p:cNvPr>
@@ -37873,7 +37873,7 @@
           <p:cNvPr id="4" name="Footer Placeholder 3">
             <a:extLst>
               <a:ext uri="{FF2B5EF4-FFF2-40B4-BE49-F238E27FC236}">
-                <a16:creationId xmlns:a16="http://schemas.microsoft.com/office/drawing/2014/main" id="{6F32EF81-96C0-4DB6-A20A-35C1ECB9DE9C}"/>
+                <a16:creationId xmlns:a16="http://schemas.microsoft.com/office/drawing/2014/main" xmlns="" id="{6F32EF81-96C0-4DB6-A20A-35C1ECB9DE9C}"/>
               </a:ext>
             </a:extLst>
           </p:cNvPr>
@@ -37902,7 +37902,7 @@
           <p:cNvPr id="5" name="Slide Number Placeholder 4">
             <a:extLst>
               <a:ext uri="{FF2B5EF4-FFF2-40B4-BE49-F238E27FC236}">
-                <a16:creationId xmlns:a16="http://schemas.microsoft.com/office/drawing/2014/main" id="{C20C710B-2106-4732-BEF7-A10E422BD068}"/>
+                <a16:creationId xmlns:a16="http://schemas.microsoft.com/office/drawing/2014/main" xmlns="" id="{C20C710B-2106-4732-BEF7-A10E422BD068}"/>
               </a:ext>
             </a:extLst>
           </p:cNvPr>
@@ -37961,7 +37961,7 @@
           <p:cNvPr id="2" name="Title 1">
             <a:extLst>
               <a:ext uri="{FF2B5EF4-FFF2-40B4-BE49-F238E27FC236}">
-                <a16:creationId xmlns:a16="http://schemas.microsoft.com/office/drawing/2014/main" id="{18115751-5F9E-4B1A-953F-26F3EBD365F5}"/>
+                <a16:creationId xmlns:a16="http://schemas.microsoft.com/office/drawing/2014/main" xmlns="" id="{18115751-5F9E-4B1A-953F-26F3EBD365F5}"/>
               </a:ext>
             </a:extLst>
           </p:cNvPr>
@@ -37993,7 +37993,7 @@
           <p:cNvPr id="3" name="Text Placeholder 2">
             <a:extLst>
               <a:ext uri="{FF2B5EF4-FFF2-40B4-BE49-F238E27FC236}">
-                <a16:creationId xmlns:a16="http://schemas.microsoft.com/office/drawing/2014/main" id="{41A571B0-9AF4-44E7-8698-8F9A3F7DCDD6}"/>
+                <a16:creationId xmlns:a16="http://schemas.microsoft.com/office/drawing/2014/main" xmlns="" id="{41A571B0-9AF4-44E7-8698-8F9A3F7DCDD6}"/>
               </a:ext>
             </a:extLst>
           </p:cNvPr>
@@ -38018,7 +38018,7 @@
           <p:cNvPr id="4" name="Footer Placeholder 3">
             <a:extLst>
               <a:ext uri="{FF2B5EF4-FFF2-40B4-BE49-F238E27FC236}">
-                <a16:creationId xmlns:a16="http://schemas.microsoft.com/office/drawing/2014/main" id="{3988A96C-6D0A-4A49-9EBD-3917B4983157}"/>
+                <a16:creationId xmlns:a16="http://schemas.microsoft.com/office/drawing/2014/main" xmlns="" id="{3988A96C-6D0A-4A49-9EBD-3917B4983157}"/>
               </a:ext>
             </a:extLst>
           </p:cNvPr>
@@ -38046,7 +38046,7 @@
           <p:cNvPr id="5" name="Slide Number Placeholder 4">
             <a:extLst>
               <a:ext uri="{FF2B5EF4-FFF2-40B4-BE49-F238E27FC236}">
-                <a16:creationId xmlns:a16="http://schemas.microsoft.com/office/drawing/2014/main" id="{4CC96262-6BB7-4FBB-8A1E-F16AA5552AD7}"/>
+                <a16:creationId xmlns:a16="http://schemas.microsoft.com/office/drawing/2014/main" xmlns="" id="{4CC96262-6BB7-4FBB-8A1E-F16AA5552AD7}"/>
               </a:ext>
             </a:extLst>
           </p:cNvPr>
@@ -38110,7 +38110,7 @@
           <p:cNvPr id="2" name="Title 1">
             <a:extLst>
               <a:ext uri="{FF2B5EF4-FFF2-40B4-BE49-F238E27FC236}">
-                <a16:creationId xmlns:a16="http://schemas.microsoft.com/office/drawing/2014/main" id="{F551DDA3-AE38-4A34-B635-0E41633D6137}"/>
+                <a16:creationId xmlns:a16="http://schemas.microsoft.com/office/drawing/2014/main" xmlns="" id="{F551DDA3-AE38-4A34-B635-0E41633D6137}"/>
               </a:ext>
             </a:extLst>
           </p:cNvPr>
@@ -38160,7 +38160,7 @@
           <p:cNvPr id="3" name="Text Placeholder 2">
             <a:extLst>
               <a:ext uri="{FF2B5EF4-FFF2-40B4-BE49-F238E27FC236}">
-                <a16:creationId xmlns:a16="http://schemas.microsoft.com/office/drawing/2014/main" id="{E2CFC30B-951F-47F8-87DD-B6476A2B5C20}"/>
+                <a16:creationId xmlns:a16="http://schemas.microsoft.com/office/drawing/2014/main" xmlns="" id="{E2CFC30B-951F-47F8-87DD-B6476A2B5C20}"/>
               </a:ext>
             </a:extLst>
           </p:cNvPr>
@@ -38193,7 +38193,7 @@
           <p:cNvPr id="4" name="Content Placeholder 3">
             <a:extLst>
               <a:ext uri="{FF2B5EF4-FFF2-40B4-BE49-F238E27FC236}">
-                <a16:creationId xmlns:a16="http://schemas.microsoft.com/office/drawing/2014/main" id="{AAB3DC8D-6177-4F99-9F4C-B4970C2F6250}"/>
+                <a16:creationId xmlns:a16="http://schemas.microsoft.com/office/drawing/2014/main" xmlns="" id="{AAB3DC8D-6177-4F99-9F4C-B4970C2F6250}"/>
               </a:ext>
             </a:extLst>
           </p:cNvPr>
@@ -38229,7 +38229,7 @@
           <p:cNvPr id="5" name="Slide Number Placeholder 4">
             <a:extLst>
               <a:ext uri="{FF2B5EF4-FFF2-40B4-BE49-F238E27FC236}">
-                <a16:creationId xmlns:a16="http://schemas.microsoft.com/office/drawing/2014/main" id="{0BA6837E-11AC-4EA0-A1E5-030F74A651EA}"/>
+                <a16:creationId xmlns:a16="http://schemas.microsoft.com/office/drawing/2014/main" xmlns="" id="{0BA6837E-11AC-4EA0-A1E5-030F74A651EA}"/>
               </a:ext>
             </a:extLst>
           </p:cNvPr>
@@ -38268,7 +38268,7 @@
           <p:cNvPr id="6" name="Picture 5">
             <a:extLst>
               <a:ext uri="{FF2B5EF4-FFF2-40B4-BE49-F238E27FC236}">
-                <a16:creationId xmlns:a16="http://schemas.microsoft.com/office/drawing/2014/main" id="{5F2D8517-C647-47C2-8C00-51F7940C20D5}"/>
+                <a16:creationId xmlns:a16="http://schemas.microsoft.com/office/drawing/2014/main" xmlns="" id="{5F2D8517-C647-47C2-8C00-51F7940C20D5}"/>
               </a:ext>
             </a:extLst>
           </p:cNvPr>
@@ -38304,7 +38304,7 @@
           <p:cNvPr id="7" name="Straight Arrow Connector 6">
             <a:extLst>
               <a:ext uri="{FF2B5EF4-FFF2-40B4-BE49-F238E27FC236}">
-                <a16:creationId xmlns:a16="http://schemas.microsoft.com/office/drawing/2014/main" id="{B38C2965-1FF2-4924-889F-30257C612E2D}"/>
+                <a16:creationId xmlns:a16="http://schemas.microsoft.com/office/drawing/2014/main" xmlns="" id="{B38C2965-1FF2-4924-889F-30257C612E2D}"/>
               </a:ext>
             </a:extLst>
           </p:cNvPr>
@@ -38347,7 +38347,7 @@
           <p:cNvPr id="8" name="TextBox 7">
             <a:extLst>
               <a:ext uri="{FF2B5EF4-FFF2-40B4-BE49-F238E27FC236}">
-                <a16:creationId xmlns:a16="http://schemas.microsoft.com/office/drawing/2014/main" id="{31BFC488-8CCD-4E47-BB7F-6AC87D3C7FC9}"/>
+                <a16:creationId xmlns:a16="http://schemas.microsoft.com/office/drawing/2014/main" xmlns="" id="{31BFC488-8CCD-4E47-BB7F-6AC87D3C7FC9}"/>
               </a:ext>
             </a:extLst>
           </p:cNvPr>
@@ -38423,7 +38423,7 @@
           <p:cNvPr id="2" name="Title 1">
             <a:extLst>
               <a:ext uri="{FF2B5EF4-FFF2-40B4-BE49-F238E27FC236}">
-                <a16:creationId xmlns:a16="http://schemas.microsoft.com/office/drawing/2014/main" id="{50830D70-DC69-4843-A4DC-DF848ABBD7D0}"/>
+                <a16:creationId xmlns:a16="http://schemas.microsoft.com/office/drawing/2014/main" xmlns="" id="{50830D70-DC69-4843-A4DC-DF848ABBD7D0}"/>
               </a:ext>
             </a:extLst>
           </p:cNvPr>
@@ -38460,7 +38460,7 @@
           <p:cNvPr id="3" name="Text Placeholder 2">
             <a:extLst>
               <a:ext uri="{FF2B5EF4-FFF2-40B4-BE49-F238E27FC236}">
-                <a16:creationId xmlns:a16="http://schemas.microsoft.com/office/drawing/2014/main" id="{5409504D-72CE-4FDA-845A-D0A79FA82413}"/>
+                <a16:creationId xmlns:a16="http://schemas.microsoft.com/office/drawing/2014/main" xmlns="" id="{5409504D-72CE-4FDA-845A-D0A79FA82413}"/>
               </a:ext>
             </a:extLst>
           </p:cNvPr>
@@ -38498,7 +38498,7 @@
           <p:cNvPr id="4" name="Slide Number Placeholder 3">
             <a:extLst>
               <a:ext uri="{FF2B5EF4-FFF2-40B4-BE49-F238E27FC236}">
-                <a16:creationId xmlns:a16="http://schemas.microsoft.com/office/drawing/2014/main" id="{B19EF332-F429-4E8C-A5D6-EAF3E2D46D33}"/>
+                <a16:creationId xmlns:a16="http://schemas.microsoft.com/office/drawing/2014/main" xmlns="" id="{B19EF332-F429-4E8C-A5D6-EAF3E2D46D33}"/>
               </a:ext>
             </a:extLst>
           </p:cNvPr>
@@ -38537,7 +38537,7 @@
           <p:cNvPr id="151" name="Group 150">
             <a:extLst>
               <a:ext uri="{FF2B5EF4-FFF2-40B4-BE49-F238E27FC236}">
-                <a16:creationId xmlns:a16="http://schemas.microsoft.com/office/drawing/2014/main" id="{0D746C0A-0F4D-4503-97AA-69E00FA9328C}"/>
+                <a16:creationId xmlns:a16="http://schemas.microsoft.com/office/drawing/2014/main" xmlns="" id="{0D746C0A-0F4D-4503-97AA-69E00FA9328C}"/>
               </a:ext>
             </a:extLst>
           </p:cNvPr>
@@ -38557,7 +38557,7 @@
             <p:cNvPr id="152" name="Straight Connector 151">
               <a:extLst>
                 <a:ext uri="{FF2B5EF4-FFF2-40B4-BE49-F238E27FC236}">
-                  <a16:creationId xmlns:a16="http://schemas.microsoft.com/office/drawing/2014/main" id="{C22D05EE-C983-487C-A832-A797C033AE53}"/>
+                  <a16:creationId xmlns:a16="http://schemas.microsoft.com/office/drawing/2014/main" xmlns="" id="{C22D05EE-C983-487C-A832-A797C033AE53}"/>
                 </a:ext>
               </a:extLst>
             </p:cNvPr>
@@ -38590,7 +38590,7 @@
             <p:cNvPr id="153" name="Straight Connector 152">
               <a:extLst>
                 <a:ext uri="{FF2B5EF4-FFF2-40B4-BE49-F238E27FC236}">
-                  <a16:creationId xmlns:a16="http://schemas.microsoft.com/office/drawing/2014/main" id="{603F3009-5407-4E84-B7B8-F611DC9CBA3E}"/>
+                  <a16:creationId xmlns:a16="http://schemas.microsoft.com/office/drawing/2014/main" xmlns="" id="{603F3009-5407-4E84-B7B8-F611DC9CBA3E}"/>
                 </a:ext>
               </a:extLst>
             </p:cNvPr>
@@ -38623,7 +38623,7 @@
             <p:cNvPr id="154" name="Straight Connector 153">
               <a:extLst>
                 <a:ext uri="{FF2B5EF4-FFF2-40B4-BE49-F238E27FC236}">
-                  <a16:creationId xmlns:a16="http://schemas.microsoft.com/office/drawing/2014/main" id="{42B86E2A-CDC3-4543-972F-BDEE3F81F596}"/>
+                  <a16:creationId xmlns:a16="http://schemas.microsoft.com/office/drawing/2014/main" xmlns="" id="{42B86E2A-CDC3-4543-972F-BDEE3F81F596}"/>
                 </a:ext>
               </a:extLst>
             </p:cNvPr>
@@ -38656,7 +38656,7 @@
             <p:cNvPr id="155" name="Straight Connector 154">
               <a:extLst>
                 <a:ext uri="{FF2B5EF4-FFF2-40B4-BE49-F238E27FC236}">
-                  <a16:creationId xmlns:a16="http://schemas.microsoft.com/office/drawing/2014/main" id="{B45EC5DD-180D-4F06-9419-0E2D4E73B889}"/>
+                  <a16:creationId xmlns:a16="http://schemas.microsoft.com/office/drawing/2014/main" xmlns="" id="{B45EC5DD-180D-4F06-9419-0E2D4E73B889}"/>
                 </a:ext>
               </a:extLst>
             </p:cNvPr>
@@ -38689,7 +38689,7 @@
             <p:cNvPr id="156" name="Straight Connector 155">
               <a:extLst>
                 <a:ext uri="{FF2B5EF4-FFF2-40B4-BE49-F238E27FC236}">
-                  <a16:creationId xmlns:a16="http://schemas.microsoft.com/office/drawing/2014/main" id="{0DF3A769-3497-4BEF-B92F-2FB7A152E6A6}"/>
+                  <a16:creationId xmlns:a16="http://schemas.microsoft.com/office/drawing/2014/main" xmlns="" id="{0DF3A769-3497-4BEF-B92F-2FB7A152E6A6}"/>
                 </a:ext>
               </a:extLst>
             </p:cNvPr>
@@ -38722,7 +38722,7 @@
             <p:cNvPr id="157" name="Straight Connector 156">
               <a:extLst>
                 <a:ext uri="{FF2B5EF4-FFF2-40B4-BE49-F238E27FC236}">
-                  <a16:creationId xmlns:a16="http://schemas.microsoft.com/office/drawing/2014/main" id="{8FE6FCFC-0446-47EC-807A-7B0F1DB7753D}"/>
+                  <a16:creationId xmlns:a16="http://schemas.microsoft.com/office/drawing/2014/main" xmlns="" id="{8FE6FCFC-0446-47EC-807A-7B0F1DB7753D}"/>
                 </a:ext>
               </a:extLst>
             </p:cNvPr>
@@ -38755,7 +38755,7 @@
             <p:cNvPr id="158" name="Straight Connector 157">
               <a:extLst>
                 <a:ext uri="{FF2B5EF4-FFF2-40B4-BE49-F238E27FC236}">
-                  <a16:creationId xmlns:a16="http://schemas.microsoft.com/office/drawing/2014/main" id="{886FB532-2EC1-4503-85D6-A16258ADE5E4}"/>
+                  <a16:creationId xmlns:a16="http://schemas.microsoft.com/office/drawing/2014/main" xmlns="" id="{886FB532-2EC1-4503-85D6-A16258ADE5E4}"/>
                 </a:ext>
               </a:extLst>
             </p:cNvPr>
@@ -38788,7 +38788,7 @@
             <p:cNvPr id="159" name="Straight Connector 158">
               <a:extLst>
                 <a:ext uri="{FF2B5EF4-FFF2-40B4-BE49-F238E27FC236}">
-                  <a16:creationId xmlns:a16="http://schemas.microsoft.com/office/drawing/2014/main" id="{94E7D188-0AD1-4B28-932E-3A4BA8C0F1AE}"/>
+                  <a16:creationId xmlns:a16="http://schemas.microsoft.com/office/drawing/2014/main" xmlns="" id="{94E7D188-0AD1-4B28-932E-3A4BA8C0F1AE}"/>
                 </a:ext>
               </a:extLst>
             </p:cNvPr>
@@ -38821,7 +38821,7 @@
             <p:cNvPr id="160" name="Straight Connector 159">
               <a:extLst>
                 <a:ext uri="{FF2B5EF4-FFF2-40B4-BE49-F238E27FC236}">
-                  <a16:creationId xmlns:a16="http://schemas.microsoft.com/office/drawing/2014/main" id="{CECEBA99-7BCD-4BF1-92F0-1AF5C11AE10F}"/>
+                  <a16:creationId xmlns:a16="http://schemas.microsoft.com/office/drawing/2014/main" xmlns="" id="{CECEBA99-7BCD-4BF1-92F0-1AF5C11AE10F}"/>
                 </a:ext>
               </a:extLst>
             </p:cNvPr>
@@ -38854,7 +38854,7 @@
             <p:cNvPr id="161" name="Straight Connector 160">
               <a:extLst>
                 <a:ext uri="{FF2B5EF4-FFF2-40B4-BE49-F238E27FC236}">
-                  <a16:creationId xmlns:a16="http://schemas.microsoft.com/office/drawing/2014/main" id="{B98AAD5B-2FBF-4413-87E7-4A172BD26379}"/>
+                  <a16:creationId xmlns:a16="http://schemas.microsoft.com/office/drawing/2014/main" xmlns="" id="{B98AAD5B-2FBF-4413-87E7-4A172BD26379}"/>
                 </a:ext>
               </a:extLst>
             </p:cNvPr>
@@ -38887,7 +38887,7 @@
             <p:cNvPr id="162" name="Straight Connector 161">
               <a:extLst>
                 <a:ext uri="{FF2B5EF4-FFF2-40B4-BE49-F238E27FC236}">
-                  <a16:creationId xmlns:a16="http://schemas.microsoft.com/office/drawing/2014/main" id="{3C2345AF-F512-492C-B318-320D20C397A9}"/>
+                  <a16:creationId xmlns:a16="http://schemas.microsoft.com/office/drawing/2014/main" xmlns="" id="{3C2345AF-F512-492C-B318-320D20C397A9}"/>
                 </a:ext>
               </a:extLst>
             </p:cNvPr>
@@ -38920,7 +38920,7 @@
             <p:cNvPr id="163" name="Straight Connector 162">
               <a:extLst>
                 <a:ext uri="{FF2B5EF4-FFF2-40B4-BE49-F238E27FC236}">
-                  <a16:creationId xmlns:a16="http://schemas.microsoft.com/office/drawing/2014/main" id="{99819AED-6ACD-4C49-875B-39F7BE71F445}"/>
+                  <a16:creationId xmlns:a16="http://schemas.microsoft.com/office/drawing/2014/main" xmlns="" id="{99819AED-6ACD-4C49-875B-39F7BE71F445}"/>
                 </a:ext>
               </a:extLst>
             </p:cNvPr>
@@ -38953,7 +38953,7 @@
             <p:cNvPr id="164" name="Straight Connector 163">
               <a:extLst>
                 <a:ext uri="{FF2B5EF4-FFF2-40B4-BE49-F238E27FC236}">
-                  <a16:creationId xmlns:a16="http://schemas.microsoft.com/office/drawing/2014/main" id="{5434AA5C-BCAF-43CA-8384-01EE45F95493}"/>
+                  <a16:creationId xmlns:a16="http://schemas.microsoft.com/office/drawing/2014/main" xmlns="" id="{5434AA5C-BCAF-43CA-8384-01EE45F95493}"/>
                 </a:ext>
               </a:extLst>
             </p:cNvPr>
@@ -38986,7 +38986,7 @@
             <p:cNvPr id="165" name="Straight Connector 164">
               <a:extLst>
                 <a:ext uri="{FF2B5EF4-FFF2-40B4-BE49-F238E27FC236}">
-                  <a16:creationId xmlns:a16="http://schemas.microsoft.com/office/drawing/2014/main" id="{8D1EEBF5-FB78-4917-BB66-B9E5B151E89B}"/>
+                  <a16:creationId xmlns:a16="http://schemas.microsoft.com/office/drawing/2014/main" xmlns="" id="{8D1EEBF5-FB78-4917-BB66-B9E5B151E89B}"/>
                 </a:ext>
               </a:extLst>
             </p:cNvPr>
@@ -39019,7 +39019,7 @@
             <p:cNvPr id="166" name="Straight Connector 165">
               <a:extLst>
                 <a:ext uri="{FF2B5EF4-FFF2-40B4-BE49-F238E27FC236}">
-                  <a16:creationId xmlns:a16="http://schemas.microsoft.com/office/drawing/2014/main" id="{05F78EDC-FD12-44F0-95A4-BED759F6B65B}"/>
+                  <a16:creationId xmlns:a16="http://schemas.microsoft.com/office/drawing/2014/main" xmlns="" id="{05F78EDC-FD12-44F0-95A4-BED759F6B65B}"/>
                 </a:ext>
               </a:extLst>
             </p:cNvPr>
@@ -39052,7 +39052,7 @@
             <p:cNvPr id="167" name="Straight Connector 166">
               <a:extLst>
                 <a:ext uri="{FF2B5EF4-FFF2-40B4-BE49-F238E27FC236}">
-                  <a16:creationId xmlns:a16="http://schemas.microsoft.com/office/drawing/2014/main" id="{186BAC5C-A78A-4808-851F-B3E91B4720B5}"/>
+                  <a16:creationId xmlns:a16="http://schemas.microsoft.com/office/drawing/2014/main" xmlns="" id="{186BAC5C-A78A-4808-851F-B3E91B4720B5}"/>
                 </a:ext>
               </a:extLst>
             </p:cNvPr>
@@ -39085,7 +39085,7 @@
             <p:cNvPr id="168" name="Straight Connector 167">
               <a:extLst>
                 <a:ext uri="{FF2B5EF4-FFF2-40B4-BE49-F238E27FC236}">
-                  <a16:creationId xmlns:a16="http://schemas.microsoft.com/office/drawing/2014/main" id="{BE74193F-9186-43AA-B5F8-AC0804839613}"/>
+                  <a16:creationId xmlns:a16="http://schemas.microsoft.com/office/drawing/2014/main" xmlns="" id="{BE74193F-9186-43AA-B5F8-AC0804839613}"/>
                 </a:ext>
               </a:extLst>
             </p:cNvPr>
@@ -39118,7 +39118,7 @@
             <p:cNvPr id="169" name="Straight Connector 168">
               <a:extLst>
                 <a:ext uri="{FF2B5EF4-FFF2-40B4-BE49-F238E27FC236}">
-                  <a16:creationId xmlns:a16="http://schemas.microsoft.com/office/drawing/2014/main" id="{69F79345-B85C-4F7D-A0F8-4691D4A0F65E}"/>
+                  <a16:creationId xmlns:a16="http://schemas.microsoft.com/office/drawing/2014/main" xmlns="" id="{69F79345-B85C-4F7D-A0F8-4691D4A0F65E}"/>
                 </a:ext>
               </a:extLst>
             </p:cNvPr>
@@ -39151,7 +39151,7 @@
             <p:cNvPr id="170" name="Straight Connector 169">
               <a:extLst>
                 <a:ext uri="{FF2B5EF4-FFF2-40B4-BE49-F238E27FC236}">
-                  <a16:creationId xmlns:a16="http://schemas.microsoft.com/office/drawing/2014/main" id="{5011FF3F-E251-40DB-9B18-7B64AE08E5F8}"/>
+                  <a16:creationId xmlns:a16="http://schemas.microsoft.com/office/drawing/2014/main" xmlns="" id="{5011FF3F-E251-40DB-9B18-7B64AE08E5F8}"/>
                 </a:ext>
               </a:extLst>
             </p:cNvPr>
@@ -39185,7 +39185,7 @@
           <p:cNvPr id="171" name="Oval 170">
             <a:extLst>
               <a:ext uri="{FF2B5EF4-FFF2-40B4-BE49-F238E27FC236}">
-                <a16:creationId xmlns:a16="http://schemas.microsoft.com/office/drawing/2014/main" id="{51FE0D30-BA43-414B-82DF-29C43121FF90}"/>
+                <a16:creationId xmlns:a16="http://schemas.microsoft.com/office/drawing/2014/main" xmlns="" id="{51FE0D30-BA43-414B-82DF-29C43121FF90}"/>
               </a:ext>
             </a:extLst>
           </p:cNvPr>
@@ -39236,7 +39236,7 @@
           <p:cNvPr id="172" name="Oval 171">
             <a:extLst>
               <a:ext uri="{FF2B5EF4-FFF2-40B4-BE49-F238E27FC236}">
-                <a16:creationId xmlns:a16="http://schemas.microsoft.com/office/drawing/2014/main" id="{C040BA6F-9BA7-4DA9-93D4-3E37D02A15B2}"/>
+                <a16:creationId xmlns:a16="http://schemas.microsoft.com/office/drawing/2014/main" xmlns="" id="{C040BA6F-9BA7-4DA9-93D4-3E37D02A15B2}"/>
               </a:ext>
             </a:extLst>
           </p:cNvPr>
@@ -39287,7 +39287,7 @@
           <p:cNvPr id="173" name="Oval 172">
             <a:extLst>
               <a:ext uri="{FF2B5EF4-FFF2-40B4-BE49-F238E27FC236}">
-                <a16:creationId xmlns:a16="http://schemas.microsoft.com/office/drawing/2014/main" id="{72815090-83B8-4133-B8D3-106F9E8A62D9}"/>
+                <a16:creationId xmlns:a16="http://schemas.microsoft.com/office/drawing/2014/main" xmlns="" id="{72815090-83B8-4133-B8D3-106F9E8A62D9}"/>
               </a:ext>
             </a:extLst>
           </p:cNvPr>
@@ -39344,7 +39344,7 @@
           <p:cNvPr id="174" name="Oval 173">
             <a:extLst>
               <a:ext uri="{FF2B5EF4-FFF2-40B4-BE49-F238E27FC236}">
-                <a16:creationId xmlns:a16="http://schemas.microsoft.com/office/drawing/2014/main" id="{3EE5B1B7-7171-43EB-AEDA-8FD45C8B7143}"/>
+                <a16:creationId xmlns:a16="http://schemas.microsoft.com/office/drawing/2014/main" xmlns="" id="{3EE5B1B7-7171-43EB-AEDA-8FD45C8B7143}"/>
               </a:ext>
             </a:extLst>
           </p:cNvPr>
@@ -39401,7 +39401,7 @@
           <p:cNvPr id="175" name="Oval 174">
             <a:extLst>
               <a:ext uri="{FF2B5EF4-FFF2-40B4-BE49-F238E27FC236}">
-                <a16:creationId xmlns:a16="http://schemas.microsoft.com/office/drawing/2014/main" id="{D35E0E15-F011-4EC0-AEDA-E83EDC01BE57}"/>
+                <a16:creationId xmlns:a16="http://schemas.microsoft.com/office/drawing/2014/main" xmlns="" id="{D35E0E15-F011-4EC0-AEDA-E83EDC01BE57}"/>
               </a:ext>
             </a:extLst>
           </p:cNvPr>
@@ -39458,7 +39458,7 @@
           <p:cNvPr id="176" name="Oval 175">
             <a:extLst>
               <a:ext uri="{FF2B5EF4-FFF2-40B4-BE49-F238E27FC236}">
-                <a16:creationId xmlns:a16="http://schemas.microsoft.com/office/drawing/2014/main" id="{1BE37DCA-481E-4870-A7B8-47B813B29678}"/>
+                <a16:creationId xmlns:a16="http://schemas.microsoft.com/office/drawing/2014/main" xmlns="" id="{1BE37DCA-481E-4870-A7B8-47B813B29678}"/>
               </a:ext>
             </a:extLst>
           </p:cNvPr>
@@ -39509,7 +39509,7 @@
           <p:cNvPr id="177" name="Oval 176">
             <a:extLst>
               <a:ext uri="{FF2B5EF4-FFF2-40B4-BE49-F238E27FC236}">
-                <a16:creationId xmlns:a16="http://schemas.microsoft.com/office/drawing/2014/main" id="{E408B6D5-414B-4852-9575-6A92E931B8EB}"/>
+                <a16:creationId xmlns:a16="http://schemas.microsoft.com/office/drawing/2014/main" xmlns="" id="{E408B6D5-414B-4852-9575-6A92E931B8EB}"/>
               </a:ext>
             </a:extLst>
           </p:cNvPr>
@@ -39560,7 +39560,7 @@
           <p:cNvPr id="178" name="Oval 177">
             <a:extLst>
               <a:ext uri="{FF2B5EF4-FFF2-40B4-BE49-F238E27FC236}">
-                <a16:creationId xmlns:a16="http://schemas.microsoft.com/office/drawing/2014/main" id="{1A82BA08-FD9F-418F-BCD1-122017E06368}"/>
+                <a16:creationId xmlns:a16="http://schemas.microsoft.com/office/drawing/2014/main" xmlns="" id="{1A82BA08-FD9F-418F-BCD1-122017E06368}"/>
               </a:ext>
             </a:extLst>
           </p:cNvPr>
@@ -39617,7 +39617,7 @@
           <p:cNvPr id="179" name="Oval 178">
             <a:extLst>
               <a:ext uri="{FF2B5EF4-FFF2-40B4-BE49-F238E27FC236}">
-                <a16:creationId xmlns:a16="http://schemas.microsoft.com/office/drawing/2014/main" id="{7BF0BDA0-A940-4140-B0CC-89BA8622A3F3}"/>
+                <a16:creationId xmlns:a16="http://schemas.microsoft.com/office/drawing/2014/main" xmlns="" id="{7BF0BDA0-A940-4140-B0CC-89BA8622A3F3}"/>
               </a:ext>
             </a:extLst>
           </p:cNvPr>
@@ -39668,7 +39668,7 @@
           <p:cNvPr id="180" name="Oval 179">
             <a:extLst>
               <a:ext uri="{FF2B5EF4-FFF2-40B4-BE49-F238E27FC236}">
-                <a16:creationId xmlns:a16="http://schemas.microsoft.com/office/drawing/2014/main" id="{955F8683-1DFD-4CD6-A412-27023323AE6C}"/>
+                <a16:creationId xmlns:a16="http://schemas.microsoft.com/office/drawing/2014/main" xmlns="" id="{955F8683-1DFD-4CD6-A412-27023323AE6C}"/>
               </a:ext>
             </a:extLst>
           </p:cNvPr>
@@ -39719,7 +39719,7 @@
           <p:cNvPr id="181" name="Oval 180">
             <a:extLst>
               <a:ext uri="{FF2B5EF4-FFF2-40B4-BE49-F238E27FC236}">
-                <a16:creationId xmlns:a16="http://schemas.microsoft.com/office/drawing/2014/main" id="{8EC1E274-7402-410B-AE8B-1885AC48F4B0}"/>
+                <a16:creationId xmlns:a16="http://schemas.microsoft.com/office/drawing/2014/main" xmlns="" id="{8EC1E274-7402-410B-AE8B-1885AC48F4B0}"/>
               </a:ext>
             </a:extLst>
           </p:cNvPr>
@@ -39776,7 +39776,7 @@
           <p:cNvPr id="182" name="Oval 181">
             <a:extLst>
               <a:ext uri="{FF2B5EF4-FFF2-40B4-BE49-F238E27FC236}">
-                <a16:creationId xmlns:a16="http://schemas.microsoft.com/office/drawing/2014/main" id="{582E9908-1830-4D67-B423-AF485BCA7A3E}"/>
+                <a16:creationId xmlns:a16="http://schemas.microsoft.com/office/drawing/2014/main" xmlns="" id="{582E9908-1830-4D67-B423-AF485BCA7A3E}"/>
               </a:ext>
             </a:extLst>
           </p:cNvPr>
@@ -39833,7 +39833,7 @@
           <p:cNvPr id="183" name="Oval 182">
             <a:extLst>
               <a:ext uri="{FF2B5EF4-FFF2-40B4-BE49-F238E27FC236}">
-                <a16:creationId xmlns:a16="http://schemas.microsoft.com/office/drawing/2014/main" id="{4295D76B-E635-47CE-A8CE-94A3D7243C45}"/>
+                <a16:creationId xmlns:a16="http://schemas.microsoft.com/office/drawing/2014/main" xmlns="" id="{4295D76B-E635-47CE-A8CE-94A3D7243C45}"/>
               </a:ext>
             </a:extLst>
           </p:cNvPr>
@@ -39890,7 +39890,7 @@
           <p:cNvPr id="184" name="Oval 183">
             <a:extLst>
               <a:ext uri="{FF2B5EF4-FFF2-40B4-BE49-F238E27FC236}">
-                <a16:creationId xmlns:a16="http://schemas.microsoft.com/office/drawing/2014/main" id="{39B20CA0-EBBC-430E-9220-9AE4B715F1AC}"/>
+                <a16:creationId xmlns:a16="http://schemas.microsoft.com/office/drawing/2014/main" xmlns="" id="{39B20CA0-EBBC-430E-9220-9AE4B715F1AC}"/>
               </a:ext>
             </a:extLst>
           </p:cNvPr>
@@ -39941,7 +39941,7 @@
           <p:cNvPr id="185" name="Oval 184">
             <a:extLst>
               <a:ext uri="{FF2B5EF4-FFF2-40B4-BE49-F238E27FC236}">
-                <a16:creationId xmlns:a16="http://schemas.microsoft.com/office/drawing/2014/main" id="{907E3724-F153-4EBB-82AB-109C1D94FD3C}"/>
+                <a16:creationId xmlns:a16="http://schemas.microsoft.com/office/drawing/2014/main" xmlns="" id="{907E3724-F153-4EBB-82AB-109C1D94FD3C}"/>
               </a:ext>
             </a:extLst>
           </p:cNvPr>
@@ -39992,7 +39992,7 @@
           <p:cNvPr id="186" name="Oval 185">
             <a:extLst>
               <a:ext uri="{FF2B5EF4-FFF2-40B4-BE49-F238E27FC236}">
-                <a16:creationId xmlns:a16="http://schemas.microsoft.com/office/drawing/2014/main" id="{1043C16E-DFC9-4721-8CD5-FFDB786CA99A}"/>
+                <a16:creationId xmlns:a16="http://schemas.microsoft.com/office/drawing/2014/main" xmlns="" id="{1043C16E-DFC9-4721-8CD5-FFDB786CA99A}"/>
               </a:ext>
             </a:extLst>
           </p:cNvPr>
@@ -40043,7 +40043,7 @@
           <p:cNvPr id="187" name="Straight Connector 186">
             <a:extLst>
               <a:ext uri="{FF2B5EF4-FFF2-40B4-BE49-F238E27FC236}">
-                <a16:creationId xmlns:a16="http://schemas.microsoft.com/office/drawing/2014/main" id="{4CC15DEA-6FA4-4466-B365-397951AF0973}"/>
+                <a16:creationId xmlns:a16="http://schemas.microsoft.com/office/drawing/2014/main" xmlns="" id="{4CC15DEA-6FA4-4466-B365-397951AF0973}"/>
               </a:ext>
             </a:extLst>
           </p:cNvPr>
@@ -40078,7 +40078,7 @@
           <p:cNvPr id="188" name="Straight Connector 187">
             <a:extLst>
               <a:ext uri="{FF2B5EF4-FFF2-40B4-BE49-F238E27FC236}">
-                <a16:creationId xmlns:a16="http://schemas.microsoft.com/office/drawing/2014/main" id="{F973A228-5476-4D9E-B506-11368601063A}"/>
+                <a16:creationId xmlns:a16="http://schemas.microsoft.com/office/drawing/2014/main" xmlns="" id="{F973A228-5476-4D9E-B506-11368601063A}"/>
               </a:ext>
             </a:extLst>
           </p:cNvPr>
@@ -40113,7 +40113,7 @@
           <p:cNvPr id="189" name="Straight Connector 188">
             <a:extLst>
               <a:ext uri="{FF2B5EF4-FFF2-40B4-BE49-F238E27FC236}">
-                <a16:creationId xmlns:a16="http://schemas.microsoft.com/office/drawing/2014/main" id="{3C3030F4-9AD3-48F8-9BFD-933421714A9A}"/>
+                <a16:creationId xmlns:a16="http://schemas.microsoft.com/office/drawing/2014/main" xmlns="" id="{3C3030F4-9AD3-48F8-9BFD-933421714A9A}"/>
               </a:ext>
             </a:extLst>
           </p:cNvPr>
@@ -40148,7 +40148,7 @@
           <p:cNvPr id="190" name="Straight Connector 189">
             <a:extLst>
               <a:ext uri="{FF2B5EF4-FFF2-40B4-BE49-F238E27FC236}">
-                <a16:creationId xmlns:a16="http://schemas.microsoft.com/office/drawing/2014/main" id="{A8DC319A-FA2B-4A95-952C-A7DFC12332D3}"/>
+                <a16:creationId xmlns:a16="http://schemas.microsoft.com/office/drawing/2014/main" xmlns="" id="{A8DC319A-FA2B-4A95-952C-A7DFC12332D3}"/>
               </a:ext>
             </a:extLst>
           </p:cNvPr>
@@ -40183,7 +40183,7 @@
           <p:cNvPr id="191" name="Straight Connector 190">
             <a:extLst>
               <a:ext uri="{FF2B5EF4-FFF2-40B4-BE49-F238E27FC236}">
-                <a16:creationId xmlns:a16="http://schemas.microsoft.com/office/drawing/2014/main" id="{D1A8F7BD-4405-4514-B395-35A60DCF4023}"/>
+                <a16:creationId xmlns:a16="http://schemas.microsoft.com/office/drawing/2014/main" xmlns="" id="{D1A8F7BD-4405-4514-B395-35A60DCF4023}"/>
               </a:ext>
             </a:extLst>
           </p:cNvPr>
@@ -40218,7 +40218,7 @@
           <p:cNvPr id="192" name="Straight Connector 191">
             <a:extLst>
               <a:ext uri="{FF2B5EF4-FFF2-40B4-BE49-F238E27FC236}">
-                <a16:creationId xmlns:a16="http://schemas.microsoft.com/office/drawing/2014/main" id="{4B7AF040-C354-4A43-8E6D-975EC1E3EBD7}"/>
+                <a16:creationId xmlns:a16="http://schemas.microsoft.com/office/drawing/2014/main" xmlns="" id="{4B7AF040-C354-4A43-8E6D-975EC1E3EBD7}"/>
               </a:ext>
             </a:extLst>
           </p:cNvPr>
@@ -40253,7 +40253,7 @@
           <p:cNvPr id="193" name="Straight Connector 192">
             <a:extLst>
               <a:ext uri="{FF2B5EF4-FFF2-40B4-BE49-F238E27FC236}">
-                <a16:creationId xmlns:a16="http://schemas.microsoft.com/office/drawing/2014/main" id="{0C0A0DCF-C6A2-4C60-ACB7-87648D459476}"/>
+                <a16:creationId xmlns:a16="http://schemas.microsoft.com/office/drawing/2014/main" xmlns="" id="{0C0A0DCF-C6A2-4C60-ACB7-87648D459476}"/>
               </a:ext>
             </a:extLst>
           </p:cNvPr>
@@ -40288,7 +40288,7 @@
           <p:cNvPr id="194" name="Straight Connector 193">
             <a:extLst>
               <a:ext uri="{FF2B5EF4-FFF2-40B4-BE49-F238E27FC236}">
-                <a16:creationId xmlns:a16="http://schemas.microsoft.com/office/drawing/2014/main" id="{C46753C6-2BE9-42FD-B8E7-504E7F819107}"/>
+                <a16:creationId xmlns:a16="http://schemas.microsoft.com/office/drawing/2014/main" xmlns="" id="{C46753C6-2BE9-42FD-B8E7-504E7F819107}"/>
               </a:ext>
             </a:extLst>
           </p:cNvPr>
@@ -40323,7 +40323,7 @@
           <p:cNvPr id="195" name="Straight Connector 194">
             <a:extLst>
               <a:ext uri="{FF2B5EF4-FFF2-40B4-BE49-F238E27FC236}">
-                <a16:creationId xmlns:a16="http://schemas.microsoft.com/office/drawing/2014/main" id="{BDF59095-CD1E-4E75-80AF-4D26E811A467}"/>
+                <a16:creationId xmlns:a16="http://schemas.microsoft.com/office/drawing/2014/main" xmlns="" id="{BDF59095-CD1E-4E75-80AF-4D26E811A467}"/>
               </a:ext>
             </a:extLst>
           </p:cNvPr>
@@ -40358,7 +40358,7 @@
           <p:cNvPr id="196" name="Straight Connector 195">
             <a:extLst>
               <a:ext uri="{FF2B5EF4-FFF2-40B4-BE49-F238E27FC236}">
-                <a16:creationId xmlns:a16="http://schemas.microsoft.com/office/drawing/2014/main" id="{4BC28385-5A1A-4809-89AF-4447FE78FCED}"/>
+                <a16:creationId xmlns:a16="http://schemas.microsoft.com/office/drawing/2014/main" xmlns="" id="{4BC28385-5A1A-4809-89AF-4447FE78FCED}"/>
               </a:ext>
             </a:extLst>
           </p:cNvPr>
@@ -40393,7 +40393,7 @@
           <p:cNvPr id="197" name="TextBox 196">
             <a:extLst>
               <a:ext uri="{FF2B5EF4-FFF2-40B4-BE49-F238E27FC236}">
-                <a16:creationId xmlns:a16="http://schemas.microsoft.com/office/drawing/2014/main" id="{2891ABD3-BAB5-45DA-BF28-CAD823FF1293}"/>
+                <a16:creationId xmlns:a16="http://schemas.microsoft.com/office/drawing/2014/main" xmlns="" id="{2891ABD3-BAB5-45DA-BF28-CAD823FF1293}"/>
               </a:ext>
             </a:extLst>
           </p:cNvPr>
@@ -40434,7 +40434,7 @@
           <p:cNvPr id="198" name="TextBox 197">
             <a:extLst>
               <a:ext uri="{FF2B5EF4-FFF2-40B4-BE49-F238E27FC236}">
-                <a16:creationId xmlns:a16="http://schemas.microsoft.com/office/drawing/2014/main" id="{8B96AF63-D008-4762-817C-E12CB61186C7}"/>
+                <a16:creationId xmlns:a16="http://schemas.microsoft.com/office/drawing/2014/main" xmlns="" id="{8B96AF63-D008-4762-817C-E12CB61186C7}"/>
               </a:ext>
             </a:extLst>
           </p:cNvPr>
@@ -40732,7 +40732,7 @@
           <p:cNvPr id="2" name="Title 1">
             <a:extLst>
               <a:ext uri="{FF2B5EF4-FFF2-40B4-BE49-F238E27FC236}">
-                <a16:creationId xmlns:a16="http://schemas.microsoft.com/office/drawing/2014/main" id="{F551DDA3-AE38-4A34-B635-0E41633D6137}"/>
+                <a16:creationId xmlns:a16="http://schemas.microsoft.com/office/drawing/2014/main" xmlns="" id="{F551DDA3-AE38-4A34-B635-0E41633D6137}"/>
               </a:ext>
             </a:extLst>
           </p:cNvPr>
@@ -40769,7 +40769,7 @@
           <p:cNvPr id="3" name="Text Placeholder 2">
             <a:extLst>
               <a:ext uri="{FF2B5EF4-FFF2-40B4-BE49-F238E27FC236}">
-                <a16:creationId xmlns:a16="http://schemas.microsoft.com/office/drawing/2014/main" id="{E2CFC30B-951F-47F8-87DD-B6476A2B5C20}"/>
+                <a16:creationId xmlns:a16="http://schemas.microsoft.com/office/drawing/2014/main" xmlns="" id="{E2CFC30B-951F-47F8-87DD-B6476A2B5C20}"/>
               </a:ext>
             </a:extLst>
           </p:cNvPr>
@@ -40802,7 +40802,7 @@
           <p:cNvPr id="4" name="Content Placeholder 3">
             <a:extLst>
               <a:ext uri="{FF2B5EF4-FFF2-40B4-BE49-F238E27FC236}">
-                <a16:creationId xmlns:a16="http://schemas.microsoft.com/office/drawing/2014/main" id="{AAB3DC8D-6177-4F99-9F4C-B4970C2F6250}"/>
+                <a16:creationId xmlns:a16="http://schemas.microsoft.com/office/drawing/2014/main" xmlns="" id="{AAB3DC8D-6177-4F99-9F4C-B4970C2F6250}"/>
               </a:ext>
             </a:extLst>
           </p:cNvPr>
@@ -40838,7 +40838,7 @@
           <p:cNvPr id="5" name="Slide Number Placeholder 4">
             <a:extLst>
               <a:ext uri="{FF2B5EF4-FFF2-40B4-BE49-F238E27FC236}">
-                <a16:creationId xmlns:a16="http://schemas.microsoft.com/office/drawing/2014/main" id="{0BA6837E-11AC-4EA0-A1E5-030F74A651EA}"/>
+                <a16:creationId xmlns:a16="http://schemas.microsoft.com/office/drawing/2014/main" xmlns="" id="{0BA6837E-11AC-4EA0-A1E5-030F74A651EA}"/>
               </a:ext>
             </a:extLst>
           </p:cNvPr>
@@ -40877,7 +40877,7 @@
           <p:cNvPr id="13" name="Picture 12">
             <a:extLst>
               <a:ext uri="{FF2B5EF4-FFF2-40B4-BE49-F238E27FC236}">
-                <a16:creationId xmlns:a16="http://schemas.microsoft.com/office/drawing/2014/main" id="{7BFCAD8A-1A52-464C-A1AF-2C8B3BCC21B0}"/>
+                <a16:creationId xmlns:a16="http://schemas.microsoft.com/office/drawing/2014/main" xmlns="" id="{7BFCAD8A-1A52-464C-A1AF-2C8B3BCC21B0}"/>
               </a:ext>
             </a:extLst>
           </p:cNvPr>
@@ -40913,7 +40913,7 @@
           <p:cNvPr id="14" name="Straight Arrow Connector 13">
             <a:extLst>
               <a:ext uri="{FF2B5EF4-FFF2-40B4-BE49-F238E27FC236}">
-                <a16:creationId xmlns:a16="http://schemas.microsoft.com/office/drawing/2014/main" id="{F3FFFA43-2C3D-404C-810F-36E2A15D4024}"/>
+                <a16:creationId xmlns:a16="http://schemas.microsoft.com/office/drawing/2014/main" xmlns="" id="{F3FFFA43-2C3D-404C-810F-36E2A15D4024}"/>
               </a:ext>
             </a:extLst>
           </p:cNvPr>
@@ -40956,7 +40956,7 @@
           <p:cNvPr id="15" name="Picture 14">
             <a:extLst>
               <a:ext uri="{FF2B5EF4-FFF2-40B4-BE49-F238E27FC236}">
-                <a16:creationId xmlns:a16="http://schemas.microsoft.com/office/drawing/2014/main" id="{3A9AEADA-D923-4046-AC63-A725125F2E84}"/>
+                <a16:creationId xmlns:a16="http://schemas.microsoft.com/office/drawing/2014/main" xmlns="" id="{3A9AEADA-D923-4046-AC63-A725125F2E84}"/>
               </a:ext>
             </a:extLst>
           </p:cNvPr>
@@ -40992,7 +40992,7 @@
           <p:cNvPr id="16" name="TextBox 15">
             <a:extLst>
               <a:ext uri="{FF2B5EF4-FFF2-40B4-BE49-F238E27FC236}">
-                <a16:creationId xmlns:a16="http://schemas.microsoft.com/office/drawing/2014/main" id="{B10B69CD-87AA-47D6-AA98-852A46152168}"/>
+                <a16:creationId xmlns:a16="http://schemas.microsoft.com/office/drawing/2014/main" xmlns="" id="{B10B69CD-87AA-47D6-AA98-852A46152168}"/>
               </a:ext>
             </a:extLst>
           </p:cNvPr>
@@ -41068,7 +41068,7 @@
           <p:cNvPr id="2" name="Title 1">
             <a:extLst>
               <a:ext uri="{FF2B5EF4-FFF2-40B4-BE49-F238E27FC236}">
-                <a16:creationId xmlns:a16="http://schemas.microsoft.com/office/drawing/2014/main" id="{50830D70-DC69-4843-A4DC-DF848ABBD7D0}"/>
+                <a16:creationId xmlns:a16="http://schemas.microsoft.com/office/drawing/2014/main" xmlns="" id="{50830D70-DC69-4843-A4DC-DF848ABBD7D0}"/>
               </a:ext>
             </a:extLst>
           </p:cNvPr>
@@ -41105,7 +41105,7 @@
           <p:cNvPr id="201" name="Text Placeholder 2">
             <a:extLst>
               <a:ext uri="{FF2B5EF4-FFF2-40B4-BE49-F238E27FC236}">
-                <a16:creationId xmlns:a16="http://schemas.microsoft.com/office/drawing/2014/main" id="{70FB0A02-7C16-466A-947D-C5B00E4D0844}"/>
+                <a16:creationId xmlns:a16="http://schemas.microsoft.com/office/drawing/2014/main" xmlns="" id="{70FB0A02-7C16-466A-947D-C5B00E4D0844}"/>
               </a:ext>
             </a:extLst>
           </p:cNvPr>
@@ -41143,7 +41143,7 @@
           <p:cNvPr id="4" name="Slide Number Placeholder 3">
             <a:extLst>
               <a:ext uri="{FF2B5EF4-FFF2-40B4-BE49-F238E27FC236}">
-                <a16:creationId xmlns:a16="http://schemas.microsoft.com/office/drawing/2014/main" id="{B19EF332-F429-4E8C-A5D6-EAF3E2D46D33}"/>
+                <a16:creationId xmlns:a16="http://schemas.microsoft.com/office/drawing/2014/main" xmlns="" id="{B19EF332-F429-4E8C-A5D6-EAF3E2D46D33}"/>
               </a:ext>
             </a:extLst>
           </p:cNvPr>
@@ -41182,7 +41182,7 @@
           <p:cNvPr id="104" name="Group 103">
             <a:extLst>
               <a:ext uri="{FF2B5EF4-FFF2-40B4-BE49-F238E27FC236}">
-                <a16:creationId xmlns:a16="http://schemas.microsoft.com/office/drawing/2014/main" id="{BD3ADDA0-C04E-4ADE-9413-398107128776}"/>
+                <a16:creationId xmlns:a16="http://schemas.microsoft.com/office/drawing/2014/main" xmlns="" id="{BD3ADDA0-C04E-4ADE-9413-398107128776}"/>
               </a:ext>
             </a:extLst>
           </p:cNvPr>
@@ -41202,7 +41202,7 @@
             <p:cNvPr id="105" name="Straight Connector 104">
               <a:extLst>
                 <a:ext uri="{FF2B5EF4-FFF2-40B4-BE49-F238E27FC236}">
-                  <a16:creationId xmlns:a16="http://schemas.microsoft.com/office/drawing/2014/main" id="{D8D29F9F-EC9F-420F-AA85-9CC698791370}"/>
+                  <a16:creationId xmlns:a16="http://schemas.microsoft.com/office/drawing/2014/main" xmlns="" id="{D8D29F9F-EC9F-420F-AA85-9CC698791370}"/>
                 </a:ext>
               </a:extLst>
             </p:cNvPr>
@@ -41235,7 +41235,7 @@
             <p:cNvPr id="106" name="Straight Connector 105">
               <a:extLst>
                 <a:ext uri="{FF2B5EF4-FFF2-40B4-BE49-F238E27FC236}">
-                  <a16:creationId xmlns:a16="http://schemas.microsoft.com/office/drawing/2014/main" id="{47C5279B-C8C3-4BCA-A66D-9C4FF40281A0}"/>
+                  <a16:creationId xmlns:a16="http://schemas.microsoft.com/office/drawing/2014/main" xmlns="" id="{47C5279B-C8C3-4BCA-A66D-9C4FF40281A0}"/>
                 </a:ext>
               </a:extLst>
             </p:cNvPr>
@@ -41268,7 +41268,7 @@
             <p:cNvPr id="107" name="Straight Connector 106">
               <a:extLst>
                 <a:ext uri="{FF2B5EF4-FFF2-40B4-BE49-F238E27FC236}">
-                  <a16:creationId xmlns:a16="http://schemas.microsoft.com/office/drawing/2014/main" id="{6F92A45B-667E-4A05-9A7E-B122B170797F}"/>
+                  <a16:creationId xmlns:a16="http://schemas.microsoft.com/office/drawing/2014/main" xmlns="" id="{6F92A45B-667E-4A05-9A7E-B122B170797F}"/>
                 </a:ext>
               </a:extLst>
             </p:cNvPr>
@@ -41301,7 +41301,7 @@
             <p:cNvPr id="108" name="Straight Connector 107">
               <a:extLst>
                 <a:ext uri="{FF2B5EF4-FFF2-40B4-BE49-F238E27FC236}">
-                  <a16:creationId xmlns:a16="http://schemas.microsoft.com/office/drawing/2014/main" id="{6D8272FC-E5AA-4C8F-97C7-AEF527ED0BC8}"/>
+                  <a16:creationId xmlns:a16="http://schemas.microsoft.com/office/drawing/2014/main" xmlns="" id="{6D8272FC-E5AA-4C8F-97C7-AEF527ED0BC8}"/>
                 </a:ext>
               </a:extLst>
             </p:cNvPr>
@@ -41334,7 +41334,7 @@
             <p:cNvPr id="109" name="Straight Connector 108">
               <a:extLst>
                 <a:ext uri="{FF2B5EF4-FFF2-40B4-BE49-F238E27FC236}">
-                  <a16:creationId xmlns:a16="http://schemas.microsoft.com/office/drawing/2014/main" id="{69B425F8-9B4B-4023-B0D6-703AFC305DBA}"/>
+                  <a16:creationId xmlns:a16="http://schemas.microsoft.com/office/drawing/2014/main" xmlns="" id="{69B425F8-9B4B-4023-B0D6-703AFC305DBA}"/>
                 </a:ext>
               </a:extLst>
             </p:cNvPr>
@@ -41367,7 +41367,7 @@
             <p:cNvPr id="110" name="Straight Connector 109">
               <a:extLst>
                 <a:ext uri="{FF2B5EF4-FFF2-40B4-BE49-F238E27FC236}">
-                  <a16:creationId xmlns:a16="http://schemas.microsoft.com/office/drawing/2014/main" id="{7D1D9DA5-B735-406A-BFCF-6A9902C6AA0E}"/>
+                  <a16:creationId xmlns:a16="http://schemas.microsoft.com/office/drawing/2014/main" xmlns="" id="{7D1D9DA5-B735-406A-BFCF-6A9902C6AA0E}"/>
                 </a:ext>
               </a:extLst>
             </p:cNvPr>
@@ -41400,7 +41400,7 @@
             <p:cNvPr id="111" name="Straight Connector 110">
               <a:extLst>
                 <a:ext uri="{FF2B5EF4-FFF2-40B4-BE49-F238E27FC236}">
-                  <a16:creationId xmlns:a16="http://schemas.microsoft.com/office/drawing/2014/main" id="{30A0722B-BD73-4BBF-A245-FA874A33AF82}"/>
+                  <a16:creationId xmlns:a16="http://schemas.microsoft.com/office/drawing/2014/main" xmlns="" id="{30A0722B-BD73-4BBF-A245-FA874A33AF82}"/>
                 </a:ext>
               </a:extLst>
             </p:cNvPr>
@@ -41433,7 +41433,7 @@
             <p:cNvPr id="112" name="Straight Connector 111">
               <a:extLst>
                 <a:ext uri="{FF2B5EF4-FFF2-40B4-BE49-F238E27FC236}">
-                  <a16:creationId xmlns:a16="http://schemas.microsoft.com/office/drawing/2014/main" id="{973905A2-6970-43E4-9528-7C3E843DCB0A}"/>
+                  <a16:creationId xmlns:a16="http://schemas.microsoft.com/office/drawing/2014/main" xmlns="" id="{973905A2-6970-43E4-9528-7C3E843DCB0A}"/>
                 </a:ext>
               </a:extLst>
             </p:cNvPr>
@@ -41466,7 +41466,7 @@
             <p:cNvPr id="113" name="Straight Connector 112">
               <a:extLst>
                 <a:ext uri="{FF2B5EF4-FFF2-40B4-BE49-F238E27FC236}">
-                  <a16:creationId xmlns:a16="http://schemas.microsoft.com/office/drawing/2014/main" id="{9A25E7A9-1626-41A6-982C-E1BD652E28B4}"/>
+                  <a16:creationId xmlns:a16="http://schemas.microsoft.com/office/drawing/2014/main" xmlns="" id="{9A25E7A9-1626-41A6-982C-E1BD652E28B4}"/>
                 </a:ext>
               </a:extLst>
             </p:cNvPr>
@@ -41499,7 +41499,7 @@
             <p:cNvPr id="114" name="Straight Connector 113">
               <a:extLst>
                 <a:ext uri="{FF2B5EF4-FFF2-40B4-BE49-F238E27FC236}">
-                  <a16:creationId xmlns:a16="http://schemas.microsoft.com/office/drawing/2014/main" id="{4D46C2F9-01F0-4DC8-95EB-22B5DB094C92}"/>
+                  <a16:creationId xmlns:a16="http://schemas.microsoft.com/office/drawing/2014/main" xmlns="" id="{4D46C2F9-01F0-4DC8-95EB-22B5DB094C92}"/>
                 </a:ext>
               </a:extLst>
             </p:cNvPr>
@@ -41532,7 +41532,7 @@
             <p:cNvPr id="115" name="Straight Connector 114">
               <a:extLst>
                 <a:ext uri="{FF2B5EF4-FFF2-40B4-BE49-F238E27FC236}">
-                  <a16:creationId xmlns:a16="http://schemas.microsoft.com/office/drawing/2014/main" id="{9AE26F0B-DCEB-4041-BECB-2C9C4180CD4C}"/>
+                  <a16:creationId xmlns:a16="http://schemas.microsoft.com/office/drawing/2014/main" xmlns="" id="{9AE26F0B-DCEB-4041-BECB-2C9C4180CD4C}"/>
                 </a:ext>
               </a:extLst>
             </p:cNvPr>
@@ -41565,7 +41565,7 @@
             <p:cNvPr id="116" name="Straight Connector 115">
               <a:extLst>
                 <a:ext uri="{FF2B5EF4-FFF2-40B4-BE49-F238E27FC236}">
-                  <a16:creationId xmlns:a16="http://schemas.microsoft.com/office/drawing/2014/main" id="{0EB7A557-0574-4A68-8BC7-B0F059A78FEC}"/>
+                  <a16:creationId xmlns:a16="http://schemas.microsoft.com/office/drawing/2014/main" xmlns="" id="{0EB7A557-0574-4A68-8BC7-B0F059A78FEC}"/>
                 </a:ext>
               </a:extLst>
             </p:cNvPr>
@@ -41598,7 +41598,7 @@
             <p:cNvPr id="117" name="Straight Connector 116">
               <a:extLst>
                 <a:ext uri="{FF2B5EF4-FFF2-40B4-BE49-F238E27FC236}">
-                  <a16:creationId xmlns:a16="http://schemas.microsoft.com/office/drawing/2014/main" id="{86FCF603-7222-4FDC-8097-EE5CD8B7991F}"/>
+                  <a16:creationId xmlns:a16="http://schemas.microsoft.com/office/drawing/2014/main" xmlns="" id="{86FCF603-7222-4FDC-8097-EE5CD8B7991F}"/>
                 </a:ext>
               </a:extLst>
             </p:cNvPr>
@@ -41631,7 +41631,7 @@
             <p:cNvPr id="118" name="Straight Connector 117">
               <a:extLst>
                 <a:ext uri="{FF2B5EF4-FFF2-40B4-BE49-F238E27FC236}">
-                  <a16:creationId xmlns:a16="http://schemas.microsoft.com/office/drawing/2014/main" id="{F9422653-12D3-4B2C-A27C-09D29E131A51}"/>
+                  <a16:creationId xmlns:a16="http://schemas.microsoft.com/office/drawing/2014/main" xmlns="" id="{F9422653-12D3-4B2C-A27C-09D29E131A51}"/>
                 </a:ext>
               </a:extLst>
             </p:cNvPr>
@@ -41664,7 +41664,7 @@
             <p:cNvPr id="119" name="Straight Connector 118">
               <a:extLst>
                 <a:ext uri="{FF2B5EF4-FFF2-40B4-BE49-F238E27FC236}">
-                  <a16:creationId xmlns:a16="http://schemas.microsoft.com/office/drawing/2014/main" id="{1DA0CB72-D7A0-4BF6-A631-68BA025DF7A3}"/>
+                  <a16:creationId xmlns:a16="http://schemas.microsoft.com/office/drawing/2014/main" xmlns="" id="{1DA0CB72-D7A0-4BF6-A631-68BA025DF7A3}"/>
                 </a:ext>
               </a:extLst>
             </p:cNvPr>
@@ -41697,7 +41697,7 @@
             <p:cNvPr id="120" name="Straight Connector 119">
               <a:extLst>
                 <a:ext uri="{FF2B5EF4-FFF2-40B4-BE49-F238E27FC236}">
-                  <a16:creationId xmlns:a16="http://schemas.microsoft.com/office/drawing/2014/main" id="{9EC66341-653F-41B5-8535-362DDD52582E}"/>
+                  <a16:creationId xmlns:a16="http://schemas.microsoft.com/office/drawing/2014/main" xmlns="" id="{9EC66341-653F-41B5-8535-362DDD52582E}"/>
                 </a:ext>
               </a:extLst>
             </p:cNvPr>
@@ -41730,7 +41730,7 @@
             <p:cNvPr id="121" name="Straight Connector 120">
               <a:extLst>
                 <a:ext uri="{FF2B5EF4-FFF2-40B4-BE49-F238E27FC236}">
-                  <a16:creationId xmlns:a16="http://schemas.microsoft.com/office/drawing/2014/main" id="{D06E04BB-313A-4D7C-B8B8-D82F383F1D2A}"/>
+                  <a16:creationId xmlns:a16="http://schemas.microsoft.com/office/drawing/2014/main" xmlns="" id="{D06E04BB-313A-4D7C-B8B8-D82F383F1D2A}"/>
                 </a:ext>
               </a:extLst>
             </p:cNvPr>
@@ -41763,7 +41763,7 @@
             <p:cNvPr id="122" name="Straight Connector 121">
               <a:extLst>
                 <a:ext uri="{FF2B5EF4-FFF2-40B4-BE49-F238E27FC236}">
-                  <a16:creationId xmlns:a16="http://schemas.microsoft.com/office/drawing/2014/main" id="{3BA0B9D5-07C1-40D0-ADD0-B987DE9394C8}"/>
+                  <a16:creationId xmlns:a16="http://schemas.microsoft.com/office/drawing/2014/main" xmlns="" id="{3BA0B9D5-07C1-40D0-ADD0-B987DE9394C8}"/>
                 </a:ext>
               </a:extLst>
             </p:cNvPr>
@@ -41796,7 +41796,7 @@
             <p:cNvPr id="123" name="Straight Connector 122">
               <a:extLst>
                 <a:ext uri="{FF2B5EF4-FFF2-40B4-BE49-F238E27FC236}">
-                  <a16:creationId xmlns:a16="http://schemas.microsoft.com/office/drawing/2014/main" id="{04A7A3E2-69DD-4C80-AD80-61348DE9E221}"/>
+                  <a16:creationId xmlns:a16="http://schemas.microsoft.com/office/drawing/2014/main" xmlns="" id="{04A7A3E2-69DD-4C80-AD80-61348DE9E221}"/>
                 </a:ext>
               </a:extLst>
             </p:cNvPr>
@@ -41830,7 +41830,7 @@
           <p:cNvPr id="124" name="Oval 123">
             <a:extLst>
               <a:ext uri="{FF2B5EF4-FFF2-40B4-BE49-F238E27FC236}">
-                <a16:creationId xmlns:a16="http://schemas.microsoft.com/office/drawing/2014/main" id="{F8535ABB-291B-4880-9C18-E6270243D840}"/>
+                <a16:creationId xmlns:a16="http://schemas.microsoft.com/office/drawing/2014/main" xmlns="" id="{F8535ABB-291B-4880-9C18-E6270243D840}"/>
               </a:ext>
             </a:extLst>
           </p:cNvPr>
@@ -41881,7 +41881,7 @@
           <p:cNvPr id="125" name="Oval 124">
             <a:extLst>
               <a:ext uri="{FF2B5EF4-FFF2-40B4-BE49-F238E27FC236}">
-                <a16:creationId xmlns:a16="http://schemas.microsoft.com/office/drawing/2014/main" id="{CDEFB483-9E67-426C-9783-B13C47B84E21}"/>
+                <a16:creationId xmlns:a16="http://schemas.microsoft.com/office/drawing/2014/main" xmlns="" id="{CDEFB483-9E67-426C-9783-B13C47B84E21}"/>
               </a:ext>
             </a:extLst>
           </p:cNvPr>
@@ -41932,7 +41932,7 @@
           <p:cNvPr id="126" name="Oval 125">
             <a:extLst>
               <a:ext uri="{FF2B5EF4-FFF2-40B4-BE49-F238E27FC236}">
-                <a16:creationId xmlns:a16="http://schemas.microsoft.com/office/drawing/2014/main" id="{63465C79-5277-4C9F-9544-104B134518D0}"/>
+                <a16:creationId xmlns:a16="http://schemas.microsoft.com/office/drawing/2014/main" xmlns="" id="{63465C79-5277-4C9F-9544-104B134518D0}"/>
               </a:ext>
             </a:extLst>
           </p:cNvPr>
@@ -41989,7 +41989,7 @@
           <p:cNvPr id="127" name="Oval 126">
             <a:extLst>
               <a:ext uri="{FF2B5EF4-FFF2-40B4-BE49-F238E27FC236}">
-                <a16:creationId xmlns:a16="http://schemas.microsoft.com/office/drawing/2014/main" id="{26AB30F3-A0BA-4F9E-BFC3-E555BF6F62F4}"/>
+                <a16:creationId xmlns:a16="http://schemas.microsoft.com/office/drawing/2014/main" xmlns="" id="{26AB30F3-A0BA-4F9E-BFC3-E555BF6F62F4}"/>
               </a:ext>
             </a:extLst>
           </p:cNvPr>
@@ -42046,7 +42046,7 @@
           <p:cNvPr id="128" name="Oval 127">
             <a:extLst>
               <a:ext uri="{FF2B5EF4-FFF2-40B4-BE49-F238E27FC236}">
-                <a16:creationId xmlns:a16="http://schemas.microsoft.com/office/drawing/2014/main" id="{112F1D25-4046-4792-B0C0-A546CAFC19B8}"/>
+                <a16:creationId xmlns:a16="http://schemas.microsoft.com/office/drawing/2014/main" xmlns="" id="{112F1D25-4046-4792-B0C0-A546CAFC19B8}"/>
               </a:ext>
             </a:extLst>
           </p:cNvPr>
@@ -42103,7 +42103,7 @@
           <p:cNvPr id="129" name="Oval 128">
             <a:extLst>
               <a:ext uri="{FF2B5EF4-FFF2-40B4-BE49-F238E27FC236}">
-                <a16:creationId xmlns:a16="http://schemas.microsoft.com/office/drawing/2014/main" id="{E51E63DD-2B60-4EDC-A972-7D6E9838BB60}"/>
+                <a16:creationId xmlns:a16="http://schemas.microsoft.com/office/drawing/2014/main" xmlns="" id="{E51E63DD-2B60-4EDC-A972-7D6E9838BB60}"/>
               </a:ext>
             </a:extLst>
           </p:cNvPr>
@@ -42154,7 +42154,7 @@
           <p:cNvPr id="130" name="Oval 129">
             <a:extLst>
               <a:ext uri="{FF2B5EF4-FFF2-40B4-BE49-F238E27FC236}">
-                <a16:creationId xmlns:a16="http://schemas.microsoft.com/office/drawing/2014/main" id="{2406CEB8-FFF1-4C95-BBF7-C7863F39F742}"/>
+                <a16:creationId xmlns:a16="http://schemas.microsoft.com/office/drawing/2014/main" xmlns="" id="{2406CEB8-FFF1-4C95-BBF7-C7863F39F742}"/>
               </a:ext>
             </a:extLst>
           </p:cNvPr>
@@ -42205,7 +42205,7 @@
           <p:cNvPr id="131" name="Oval 130">
             <a:extLst>
               <a:ext uri="{FF2B5EF4-FFF2-40B4-BE49-F238E27FC236}">
-                <a16:creationId xmlns:a16="http://schemas.microsoft.com/office/drawing/2014/main" id="{EC500BBF-B3A1-4F1B-9036-6491E507EAA9}"/>
+                <a16:creationId xmlns:a16="http://schemas.microsoft.com/office/drawing/2014/main" xmlns="" id="{EC500BBF-B3A1-4F1B-9036-6491E507EAA9}"/>
               </a:ext>
             </a:extLst>
           </p:cNvPr>
@@ -42262,7 +42262,7 @@
           <p:cNvPr id="132" name="Oval 131">
             <a:extLst>
               <a:ext uri="{FF2B5EF4-FFF2-40B4-BE49-F238E27FC236}">
-                <a16:creationId xmlns:a16="http://schemas.microsoft.com/office/drawing/2014/main" id="{EB90751D-EDD9-410F-963A-E764DAA38EC0}"/>
+                <a16:creationId xmlns:a16="http://schemas.microsoft.com/office/drawing/2014/main" xmlns="" id="{EB90751D-EDD9-410F-963A-E764DAA38EC0}"/>
               </a:ext>
             </a:extLst>
           </p:cNvPr>
@@ -42313,7 +42313,7 @@
           <p:cNvPr id="133" name="Oval 132">
             <a:extLst>
               <a:ext uri="{FF2B5EF4-FFF2-40B4-BE49-F238E27FC236}">
-                <a16:creationId xmlns:a16="http://schemas.microsoft.com/office/drawing/2014/main" id="{EB609050-9373-4C8C-8DFC-F898FCF93EAE}"/>
+                <a16:creationId xmlns:a16="http://schemas.microsoft.com/office/drawing/2014/main" xmlns="" id="{EB609050-9373-4C8C-8DFC-F898FCF93EAE}"/>
               </a:ext>
             </a:extLst>
           </p:cNvPr>
@@ -42364,7 +42364,7 @@
           <p:cNvPr id="134" name="Oval 133">
             <a:extLst>
               <a:ext uri="{FF2B5EF4-FFF2-40B4-BE49-F238E27FC236}">
-                <a16:creationId xmlns:a16="http://schemas.microsoft.com/office/drawing/2014/main" id="{016EA360-CC13-4C5B-B499-374F9E3D571F}"/>
+                <a16:creationId xmlns:a16="http://schemas.microsoft.com/office/drawing/2014/main" xmlns="" id="{016EA360-CC13-4C5B-B499-374F9E3D571F}"/>
               </a:ext>
             </a:extLst>
           </p:cNvPr>
@@ -42421,7 +42421,7 @@
           <p:cNvPr id="135" name="Oval 134">
             <a:extLst>
               <a:ext uri="{FF2B5EF4-FFF2-40B4-BE49-F238E27FC236}">
-                <a16:creationId xmlns:a16="http://schemas.microsoft.com/office/drawing/2014/main" id="{D9758EFB-CE7D-457F-BCBB-DA5CE1B8558D}"/>
+                <a16:creationId xmlns:a16="http://schemas.microsoft.com/office/drawing/2014/main" xmlns="" id="{D9758EFB-CE7D-457F-BCBB-DA5CE1B8558D}"/>
               </a:ext>
             </a:extLst>
           </p:cNvPr>
@@ -42478,7 +42478,7 @@
           <p:cNvPr id="136" name="Oval 135">
             <a:extLst>
               <a:ext uri="{FF2B5EF4-FFF2-40B4-BE49-F238E27FC236}">
-                <a16:creationId xmlns:a16="http://schemas.microsoft.com/office/drawing/2014/main" id="{99FFDD9E-04B9-4EA3-8361-EBF6D66969A6}"/>
+                <a16:creationId xmlns:a16="http://schemas.microsoft.com/office/drawing/2014/main" xmlns="" id="{99FFDD9E-04B9-4EA3-8361-EBF6D66969A6}"/>
               </a:ext>
             </a:extLst>
           </p:cNvPr>
@@ -42535,7 +42535,7 @@
           <p:cNvPr id="137" name="Oval 136">
             <a:extLst>
               <a:ext uri="{FF2B5EF4-FFF2-40B4-BE49-F238E27FC236}">
-                <a16:creationId xmlns:a16="http://schemas.microsoft.com/office/drawing/2014/main" id="{D42C0F65-C22D-4060-9374-399D346A0891}"/>
+                <a16:creationId xmlns:a16="http://schemas.microsoft.com/office/drawing/2014/main" xmlns="" id="{D42C0F65-C22D-4060-9374-399D346A0891}"/>
               </a:ext>
             </a:extLst>
           </p:cNvPr>
@@ -42586,7 +42586,7 @@
           <p:cNvPr id="138" name="Oval 137">
             <a:extLst>
               <a:ext uri="{FF2B5EF4-FFF2-40B4-BE49-F238E27FC236}">
-                <a16:creationId xmlns:a16="http://schemas.microsoft.com/office/drawing/2014/main" id="{11791C6A-EA59-4826-86B7-C878035E44DE}"/>
+                <a16:creationId xmlns:a16="http://schemas.microsoft.com/office/drawing/2014/main" xmlns="" id="{11791C6A-EA59-4826-86B7-C878035E44DE}"/>
               </a:ext>
             </a:extLst>
           </p:cNvPr>
@@ -42637,7 +42637,7 @@
           <p:cNvPr id="139" name="Oval 138">
             <a:extLst>
               <a:ext uri="{FF2B5EF4-FFF2-40B4-BE49-F238E27FC236}">
-                <a16:creationId xmlns:a16="http://schemas.microsoft.com/office/drawing/2014/main" id="{85B09982-B08A-4954-B22E-B152E47D44C3}"/>
+                <a16:creationId xmlns:a16="http://schemas.microsoft.com/office/drawing/2014/main" xmlns="" id="{85B09982-B08A-4954-B22E-B152E47D44C3}"/>
               </a:ext>
             </a:extLst>
           </p:cNvPr>
@@ -42688,7 +42688,7 @@
           <p:cNvPr id="140" name="Straight Connector 139">
             <a:extLst>
               <a:ext uri="{FF2B5EF4-FFF2-40B4-BE49-F238E27FC236}">
-                <a16:creationId xmlns:a16="http://schemas.microsoft.com/office/drawing/2014/main" id="{7D0B4F33-57A0-4C03-9E17-465269A9A930}"/>
+                <a16:creationId xmlns:a16="http://schemas.microsoft.com/office/drawing/2014/main" xmlns="" id="{7D0B4F33-57A0-4C03-9E17-465269A9A930}"/>
               </a:ext>
             </a:extLst>
           </p:cNvPr>
@@ -42723,7 +42723,7 @@
           <p:cNvPr id="141" name="Straight Connector 140">
             <a:extLst>
               <a:ext uri="{FF2B5EF4-FFF2-40B4-BE49-F238E27FC236}">
-                <a16:creationId xmlns:a16="http://schemas.microsoft.com/office/drawing/2014/main" id="{50807502-E3D3-48BA-AA83-CC13CEEE3A02}"/>
+                <a16:creationId xmlns:a16="http://schemas.microsoft.com/office/drawing/2014/main" xmlns="" id="{50807502-E3D3-48BA-AA83-CC13CEEE3A02}"/>
               </a:ext>
             </a:extLst>
           </p:cNvPr>
@@ -42758,7 +42758,7 @@
           <p:cNvPr id="142" name="Straight Connector 141">
             <a:extLst>
               <a:ext uri="{FF2B5EF4-FFF2-40B4-BE49-F238E27FC236}">
-                <a16:creationId xmlns:a16="http://schemas.microsoft.com/office/drawing/2014/main" id="{78828E60-1E60-4C47-97C9-505957A97ECE}"/>
+                <a16:creationId xmlns:a16="http://schemas.microsoft.com/office/drawing/2014/main" xmlns="" id="{78828E60-1E60-4C47-97C9-505957A97ECE}"/>
               </a:ext>
             </a:extLst>
           </p:cNvPr>
@@ -42793,7 +42793,7 @@
           <p:cNvPr id="143" name="Straight Connector 142">
             <a:extLst>
               <a:ext uri="{FF2B5EF4-FFF2-40B4-BE49-F238E27FC236}">
-                <a16:creationId xmlns:a16="http://schemas.microsoft.com/office/drawing/2014/main" id="{AD360445-9107-4AE1-9640-E0C2F7AEAD3A}"/>
+                <a16:creationId xmlns:a16="http://schemas.microsoft.com/office/drawing/2014/main" xmlns="" id="{AD360445-9107-4AE1-9640-E0C2F7AEAD3A}"/>
               </a:ext>
             </a:extLst>
           </p:cNvPr>
@@ -42828,7 +42828,7 @@
           <p:cNvPr id="144" name="Straight Connector 143">
             <a:extLst>
               <a:ext uri="{FF2B5EF4-FFF2-40B4-BE49-F238E27FC236}">
-                <a16:creationId xmlns:a16="http://schemas.microsoft.com/office/drawing/2014/main" id="{0628FF51-6CBB-445E-B275-CDCA97D0A9B8}"/>
+                <a16:creationId xmlns:a16="http://schemas.microsoft.com/office/drawing/2014/main" xmlns="" id="{0628FF51-6CBB-445E-B275-CDCA97D0A9B8}"/>
               </a:ext>
             </a:extLst>
           </p:cNvPr>
@@ -42863,7 +42863,7 @@
           <p:cNvPr id="145" name="Straight Connector 144">
             <a:extLst>
               <a:ext uri="{FF2B5EF4-FFF2-40B4-BE49-F238E27FC236}">
-                <a16:creationId xmlns:a16="http://schemas.microsoft.com/office/drawing/2014/main" id="{FF828186-3626-4D1C-8E5E-6BF597B9A2B2}"/>
+                <a16:creationId xmlns:a16="http://schemas.microsoft.com/office/drawing/2014/main" xmlns="" id="{FF828186-3626-4D1C-8E5E-6BF597B9A2B2}"/>
               </a:ext>
             </a:extLst>
           </p:cNvPr>
@@ -42898,7 +42898,7 @@
           <p:cNvPr id="146" name="Straight Connector 145">
             <a:extLst>
               <a:ext uri="{FF2B5EF4-FFF2-40B4-BE49-F238E27FC236}">
-                <a16:creationId xmlns:a16="http://schemas.microsoft.com/office/drawing/2014/main" id="{2DD60FE6-F13B-464E-B63D-7AEBDD62AA22}"/>
+                <a16:creationId xmlns:a16="http://schemas.microsoft.com/office/drawing/2014/main" xmlns="" id="{2DD60FE6-F13B-464E-B63D-7AEBDD62AA22}"/>
               </a:ext>
             </a:extLst>
           </p:cNvPr>
@@ -42933,7 +42933,7 @@
           <p:cNvPr id="147" name="Straight Connector 146">
             <a:extLst>
               <a:ext uri="{FF2B5EF4-FFF2-40B4-BE49-F238E27FC236}">
-                <a16:creationId xmlns:a16="http://schemas.microsoft.com/office/drawing/2014/main" id="{3E81D554-08A1-4A3A-B837-DAF2BECC1432}"/>
+                <a16:creationId xmlns:a16="http://schemas.microsoft.com/office/drawing/2014/main" xmlns="" id="{3E81D554-08A1-4A3A-B837-DAF2BECC1432}"/>
               </a:ext>
             </a:extLst>
           </p:cNvPr>
@@ -42968,7 +42968,7 @@
           <p:cNvPr id="148" name="Straight Connector 147">
             <a:extLst>
               <a:ext uri="{FF2B5EF4-FFF2-40B4-BE49-F238E27FC236}">
-                <a16:creationId xmlns:a16="http://schemas.microsoft.com/office/drawing/2014/main" id="{83219F2A-DC37-49CF-8218-C65F64DE77EE}"/>
+                <a16:creationId xmlns:a16="http://schemas.microsoft.com/office/drawing/2014/main" xmlns="" id="{83219F2A-DC37-49CF-8218-C65F64DE77EE}"/>
               </a:ext>
             </a:extLst>
           </p:cNvPr>
@@ -43003,7 +43003,7 @@
           <p:cNvPr id="149" name="Straight Connector 148">
             <a:extLst>
               <a:ext uri="{FF2B5EF4-FFF2-40B4-BE49-F238E27FC236}">
-                <a16:creationId xmlns:a16="http://schemas.microsoft.com/office/drawing/2014/main" id="{0D1BC2AE-C3D6-4387-89B7-4C8E25D1C174}"/>
+                <a16:creationId xmlns:a16="http://schemas.microsoft.com/office/drawing/2014/main" xmlns="" id="{0D1BC2AE-C3D6-4387-89B7-4C8E25D1C174}"/>
               </a:ext>
             </a:extLst>
           </p:cNvPr>
@@ -43038,7 +43038,7 @@
           <p:cNvPr id="150" name="Straight Connector 149">
             <a:extLst>
               <a:ext uri="{FF2B5EF4-FFF2-40B4-BE49-F238E27FC236}">
-                <a16:creationId xmlns:a16="http://schemas.microsoft.com/office/drawing/2014/main" id="{AB246F62-CF83-4B6B-9BE1-9509E1A599EC}"/>
+                <a16:creationId xmlns:a16="http://schemas.microsoft.com/office/drawing/2014/main" xmlns="" id="{AB246F62-CF83-4B6B-9BE1-9509E1A599EC}"/>
               </a:ext>
             </a:extLst>
           </p:cNvPr>
@@ -43073,7 +43073,7 @@
           <p:cNvPr id="199" name="TextBox 198">
             <a:extLst>
               <a:ext uri="{FF2B5EF4-FFF2-40B4-BE49-F238E27FC236}">
-                <a16:creationId xmlns:a16="http://schemas.microsoft.com/office/drawing/2014/main" id="{142BDB9B-A23F-4C33-9D83-839E73434555}"/>
+                <a16:creationId xmlns:a16="http://schemas.microsoft.com/office/drawing/2014/main" xmlns="" id="{142BDB9B-A23F-4C33-9D83-839E73434555}"/>
               </a:ext>
             </a:extLst>
           </p:cNvPr>
@@ -43114,7 +43114,7 @@
           <p:cNvPr id="200" name="TextBox 199">
             <a:extLst>
               <a:ext uri="{FF2B5EF4-FFF2-40B4-BE49-F238E27FC236}">
-                <a16:creationId xmlns:a16="http://schemas.microsoft.com/office/drawing/2014/main" id="{FEB7C950-9BA6-4060-AE9E-113D2FFFD321}"/>
+                <a16:creationId xmlns:a16="http://schemas.microsoft.com/office/drawing/2014/main" xmlns="" id="{FEB7C950-9BA6-4060-AE9E-113D2FFFD321}"/>
               </a:ext>
             </a:extLst>
           </p:cNvPr>
@@ -43461,7 +43461,7 @@
           <p:cNvPr id="2" name="Title 1">
             <a:extLst>
               <a:ext uri="{FF2B5EF4-FFF2-40B4-BE49-F238E27FC236}">
-                <a16:creationId xmlns:a16="http://schemas.microsoft.com/office/drawing/2014/main" id="{8CE9C7BB-6696-40D8-A3F0-3BDA55FD5B19}"/>
+                <a16:creationId xmlns:a16="http://schemas.microsoft.com/office/drawing/2014/main" xmlns="" id="{8CE9C7BB-6696-40D8-A3F0-3BDA55FD5B19}"/>
               </a:ext>
             </a:extLst>
           </p:cNvPr>
@@ -43483,6 +43483,10 @@
               <a:rPr lang="en-US" sz="4000" dirty="0"/>
               <a:t>Local Search</a:t>
             </a:r>
+            <a:r>
+              <a:rPr lang="en-US" dirty="0"/>
+              <a:t/>
+            </a:r>
             <a:br>
               <a:rPr lang="en-US" dirty="0"/>
             </a:br>
@@ -43499,7 +43503,7 @@
           <p:cNvPr id="3" name="Content Placeholder 2">
             <a:extLst>
               <a:ext uri="{FF2B5EF4-FFF2-40B4-BE49-F238E27FC236}">
-                <a16:creationId xmlns:a16="http://schemas.microsoft.com/office/drawing/2014/main" id="{B28E53EC-FD04-4FBF-8B35-5A0EA83341A9}"/>
+                <a16:creationId xmlns:a16="http://schemas.microsoft.com/office/drawing/2014/main" xmlns="" id="{B28E53EC-FD04-4FBF-8B35-5A0EA83341A9}"/>
               </a:ext>
             </a:extLst>
           </p:cNvPr>
@@ -43548,7 +43552,7 @@
           <p:cNvPr id="4" name="Slide Number Placeholder 3">
             <a:extLst>
               <a:ext uri="{FF2B5EF4-FFF2-40B4-BE49-F238E27FC236}">
-                <a16:creationId xmlns:a16="http://schemas.microsoft.com/office/drawing/2014/main" id="{A421D0C3-3343-44BE-A682-EEB9A6F58714}"/>
+                <a16:creationId xmlns:a16="http://schemas.microsoft.com/office/drawing/2014/main" xmlns="" id="{A421D0C3-3343-44BE-A682-EEB9A6F58714}"/>
               </a:ext>
             </a:extLst>
           </p:cNvPr>
@@ -43582,7 +43586,7 @@
           <p:cNvPr id="5" name="Object 3">
             <a:extLst>
               <a:ext uri="{FF2B5EF4-FFF2-40B4-BE49-F238E27FC236}">
-                <a16:creationId xmlns:a16="http://schemas.microsoft.com/office/drawing/2014/main" id="{2CC4B0DC-86ED-471A-AD0A-8BC3102FB5AC}"/>
+                <a16:creationId xmlns:a16="http://schemas.microsoft.com/office/drawing/2014/main" xmlns="" id="{2CC4B0DC-86ED-471A-AD0A-8BC3102FB5AC}"/>
               </a:ext>
             </a:extLst>
           </p:cNvPr>
@@ -43605,19 +43609,19 @@
           <a:graphicData uri="http://schemas.openxmlformats.org/presentationml/2006/ole">
             <mc:AlternateContent xmlns:mc="http://schemas.openxmlformats.org/markup-compatibility/2006">
               <mc:Choice xmlns:v="urn:schemas-microsoft-com:vml" Requires="v">
-                <p:oleObj name="Photo Editor Photo" r:id="rId2" imgW="7942857" imgH="4544059" progId="MSPhotoEd.3">
+                <p:oleObj spid="_x0000_s1027" name="Photo Editor Photo" r:id="rId3" imgW="7942857" imgH="4544059" progId="MSPhotoEd.3">
                   <p:embed/>
                 </p:oleObj>
               </mc:Choice>
               <mc:Fallback>
-                <p:oleObj name="Photo Editor Photo" r:id="rId2" imgW="7942857" imgH="4544059" progId="MSPhotoEd.3">
+                <p:oleObj name="Photo Editor Photo" r:id="rId3" imgW="7942857" imgH="4544059" progId="MSPhotoEd.3">
                   <p:embed/>
                   <p:pic>
                     <p:nvPicPr>
                       <p:cNvPr id="8" name="Object 3">
                         <a:extLst>
                           <a:ext uri="{FF2B5EF4-FFF2-40B4-BE49-F238E27FC236}">
-                            <a16:creationId xmlns:a16="http://schemas.microsoft.com/office/drawing/2014/main" id="{6F456885-CA0B-472C-853C-44CC0B37226F}"/>
+                            <a16:creationId xmlns:a16="http://schemas.microsoft.com/office/drawing/2014/main" xmlns="" id="{6F456885-CA0B-472C-853C-44CC0B37226F}"/>
                           </a:ext>
                         </a:extLst>
                       </p:cNvPr>
@@ -43627,7 +43631,7 @@
                       <p:nvPr/>
                     </p:nvPicPr>
                     <p:blipFill>
-                      <a:blip r:embed="rId3">
+                      <a:blip r:embed="rId4">
                         <a:extLst>
                           <a:ext uri="{28A0092B-C50C-407E-A947-70E740481C1C}">
                             <a14:useLocalDpi xmlns:a14="http://schemas.microsoft.com/office/drawing/2010/main" val="0"/>
@@ -43660,7 +43664,7 @@
           <p:cNvPr id="6" name="Footer Placeholder 5">
             <a:extLst>
               <a:ext uri="{FF2B5EF4-FFF2-40B4-BE49-F238E27FC236}">
-                <a16:creationId xmlns:a16="http://schemas.microsoft.com/office/drawing/2014/main" id="{0A9D0735-22EA-49FB-A072-0117E20ED171}"/>
+                <a16:creationId xmlns:a16="http://schemas.microsoft.com/office/drawing/2014/main" xmlns="" id="{0A9D0735-22EA-49FB-A072-0117E20ED171}"/>
               </a:ext>
             </a:extLst>
           </p:cNvPr>
@@ -43719,7 +43723,7 @@
           <p:cNvPr id="2" name="Title 1">
             <a:extLst>
               <a:ext uri="{FF2B5EF4-FFF2-40B4-BE49-F238E27FC236}">
-                <a16:creationId xmlns:a16="http://schemas.microsoft.com/office/drawing/2014/main" id="{3949D631-221B-486A-9C4D-3E34C2561566}"/>
+                <a16:creationId xmlns:a16="http://schemas.microsoft.com/office/drawing/2014/main" xmlns="" id="{3949D631-221B-486A-9C4D-3E34C2561566}"/>
               </a:ext>
             </a:extLst>
           </p:cNvPr>
@@ -43741,6 +43745,10 @@
               <a:rPr lang="en-US" sz="4000" dirty="0"/>
               <a:t>Metaheuristics</a:t>
             </a:r>
+            <a:r>
+              <a:rPr lang="en-US" dirty="0"/>
+              <a:t/>
+            </a:r>
             <a:br>
               <a:rPr lang="en-US" dirty="0"/>
             </a:br>
@@ -43757,7 +43765,7 @@
           <p:cNvPr id="3" name="Content Placeholder 2">
             <a:extLst>
               <a:ext uri="{FF2B5EF4-FFF2-40B4-BE49-F238E27FC236}">
-                <a16:creationId xmlns:a16="http://schemas.microsoft.com/office/drawing/2014/main" id="{ACE135B7-7A6D-4150-8A8C-A7AE14365C9F}"/>
+                <a16:creationId xmlns:a16="http://schemas.microsoft.com/office/drawing/2014/main" xmlns="" id="{ACE135B7-7A6D-4150-8A8C-A7AE14365C9F}"/>
               </a:ext>
             </a:extLst>
           </p:cNvPr>
@@ -43806,7 +43814,7 @@
           <p:cNvPr id="4" name="Slide Number Placeholder 3">
             <a:extLst>
               <a:ext uri="{FF2B5EF4-FFF2-40B4-BE49-F238E27FC236}">
-                <a16:creationId xmlns:a16="http://schemas.microsoft.com/office/drawing/2014/main" id="{2AC7ACCF-B5C4-4094-A6C7-505A2C20D61C}"/>
+                <a16:creationId xmlns:a16="http://schemas.microsoft.com/office/drawing/2014/main" xmlns="" id="{2AC7ACCF-B5C4-4094-A6C7-505A2C20D61C}"/>
               </a:ext>
             </a:extLst>
           </p:cNvPr>
@@ -43840,7 +43848,7 @@
           <p:cNvPr id="5" name="Rectangle: Rounded Corners 6">
             <a:extLst>
               <a:ext uri="{FF2B5EF4-FFF2-40B4-BE49-F238E27FC236}">
-                <a16:creationId xmlns:a16="http://schemas.microsoft.com/office/drawing/2014/main" id="{4AB1675E-733D-4C4E-BB6B-4DEC3B8E8109}"/>
+                <a16:creationId xmlns:a16="http://schemas.microsoft.com/office/drawing/2014/main" xmlns="" id="{4AB1675E-733D-4C4E-BB6B-4DEC3B8E8109}"/>
               </a:ext>
             </a:extLst>
           </p:cNvPr>
@@ -43903,7 +43911,7 @@
           <p:cNvPr id="6" name="Rectangle: Rounded Corners 5">
             <a:extLst>
               <a:ext uri="{FF2B5EF4-FFF2-40B4-BE49-F238E27FC236}">
-                <a16:creationId xmlns:a16="http://schemas.microsoft.com/office/drawing/2014/main" id="{92A5C2CE-D7E9-45DC-8E04-D0A14CF24FC6}"/>
+                <a16:creationId xmlns:a16="http://schemas.microsoft.com/office/drawing/2014/main" xmlns="" id="{92A5C2CE-D7E9-45DC-8E04-D0A14CF24FC6}"/>
               </a:ext>
             </a:extLst>
           </p:cNvPr>
@@ -43959,7 +43967,7 @@
           <p:cNvPr id="7" name="Rectangle: Rounded Corners 6">
             <a:extLst>
               <a:ext uri="{FF2B5EF4-FFF2-40B4-BE49-F238E27FC236}">
-                <a16:creationId xmlns:a16="http://schemas.microsoft.com/office/drawing/2014/main" id="{C4137326-8656-4F4C-B593-DC98FBAB3A6E}"/>
+                <a16:creationId xmlns:a16="http://schemas.microsoft.com/office/drawing/2014/main" xmlns="" id="{C4137326-8656-4F4C-B593-DC98FBAB3A6E}"/>
               </a:ext>
             </a:extLst>
           </p:cNvPr>
@@ -44022,7 +44030,7 @@
           <p:cNvPr id="8" name="Rectangle: Rounded Corners 6">
             <a:extLst>
               <a:ext uri="{FF2B5EF4-FFF2-40B4-BE49-F238E27FC236}">
-                <a16:creationId xmlns:a16="http://schemas.microsoft.com/office/drawing/2014/main" id="{C1B5C7F1-34BC-45D9-AD92-56A65B7950F3}"/>
+                <a16:creationId xmlns:a16="http://schemas.microsoft.com/office/drawing/2014/main" xmlns="" id="{C1B5C7F1-34BC-45D9-AD92-56A65B7950F3}"/>
               </a:ext>
             </a:extLst>
           </p:cNvPr>
@@ -44076,7 +44084,7 @@
           <p:cNvPr id="9" name="TextBox 8">
             <a:extLst>
               <a:ext uri="{FF2B5EF4-FFF2-40B4-BE49-F238E27FC236}">
-                <a16:creationId xmlns:a16="http://schemas.microsoft.com/office/drawing/2014/main" id="{84C6DE89-5005-40E5-91F6-73F39C3B6FB5}"/>
+                <a16:creationId xmlns:a16="http://schemas.microsoft.com/office/drawing/2014/main" xmlns="" id="{84C6DE89-5005-40E5-91F6-73F39C3B6FB5}"/>
               </a:ext>
             </a:extLst>
           </p:cNvPr>
@@ -44119,7 +44127,7 @@
           <p:cNvPr id="10" name="TextBox 9">
             <a:extLst>
               <a:ext uri="{FF2B5EF4-FFF2-40B4-BE49-F238E27FC236}">
-                <a16:creationId xmlns:a16="http://schemas.microsoft.com/office/drawing/2014/main" id="{E0002BEC-457C-4305-BE71-452F26EC9C9C}"/>
+                <a16:creationId xmlns:a16="http://schemas.microsoft.com/office/drawing/2014/main" xmlns="" id="{E0002BEC-457C-4305-BE71-452F26EC9C9C}"/>
               </a:ext>
             </a:extLst>
           </p:cNvPr>
@@ -44226,7 +44234,7 @@
           <p:cNvPr id="11" name="TextBox 10">
             <a:extLst>
               <a:ext uri="{FF2B5EF4-FFF2-40B4-BE49-F238E27FC236}">
-                <a16:creationId xmlns:a16="http://schemas.microsoft.com/office/drawing/2014/main" id="{146C2F40-E0AE-41DB-8868-F582560CAAC8}"/>
+                <a16:creationId xmlns:a16="http://schemas.microsoft.com/office/drawing/2014/main" xmlns="" id="{146C2F40-E0AE-41DB-8868-F582560CAAC8}"/>
               </a:ext>
             </a:extLst>
           </p:cNvPr>
@@ -44273,7 +44281,7 @@
           <p:cNvPr id="12" name="TextBox 11">
             <a:extLst>
               <a:ext uri="{FF2B5EF4-FFF2-40B4-BE49-F238E27FC236}">
-                <a16:creationId xmlns:a16="http://schemas.microsoft.com/office/drawing/2014/main" id="{5F6EB22F-22BC-4019-ABF2-C39444462715}"/>
+                <a16:creationId xmlns:a16="http://schemas.microsoft.com/office/drawing/2014/main" xmlns="" id="{5F6EB22F-22BC-4019-ABF2-C39444462715}"/>
               </a:ext>
             </a:extLst>
           </p:cNvPr>
@@ -44370,7 +44378,7 @@
           <p:cNvPr id="13" name="Rectangle 12">
             <a:extLst>
               <a:ext uri="{FF2B5EF4-FFF2-40B4-BE49-F238E27FC236}">
-                <a16:creationId xmlns:a16="http://schemas.microsoft.com/office/drawing/2014/main" id="{CC800030-9A53-49ED-B7BE-831F1ABC5C87}"/>
+                <a16:creationId xmlns:a16="http://schemas.microsoft.com/office/drawing/2014/main" xmlns="" id="{CC800030-9A53-49ED-B7BE-831F1ABC5C87}"/>
               </a:ext>
             </a:extLst>
           </p:cNvPr>
@@ -44409,7 +44417,7 @@
           <p:cNvPr id="14" name="Footer Placeholder 13">
             <a:extLst>
               <a:ext uri="{FF2B5EF4-FFF2-40B4-BE49-F238E27FC236}">
-                <a16:creationId xmlns:a16="http://schemas.microsoft.com/office/drawing/2014/main" id="{B5204A3A-00F7-4562-B513-1E458E471115}"/>
+                <a16:creationId xmlns:a16="http://schemas.microsoft.com/office/drawing/2014/main" xmlns="" id="{B5204A3A-00F7-4562-B513-1E458E471115}"/>
               </a:ext>
             </a:extLst>
           </p:cNvPr>
@@ -44468,7 +44476,7 @@
           <p:cNvPr id="2" name="Title 1">
             <a:extLst>
               <a:ext uri="{FF2B5EF4-FFF2-40B4-BE49-F238E27FC236}">
-                <a16:creationId xmlns:a16="http://schemas.microsoft.com/office/drawing/2014/main" id="{149997B7-FEEF-47A8-9494-19F8AD8BC5E5}"/>
+                <a16:creationId xmlns:a16="http://schemas.microsoft.com/office/drawing/2014/main" xmlns="" id="{149997B7-FEEF-47A8-9494-19F8AD8BC5E5}"/>
               </a:ext>
             </a:extLst>
           </p:cNvPr>
@@ -44496,7 +44504,7 @@
           <p:cNvPr id="9" name="Content Placeholder 8">
             <a:extLst>
               <a:ext uri="{FF2B5EF4-FFF2-40B4-BE49-F238E27FC236}">
-                <a16:creationId xmlns:a16="http://schemas.microsoft.com/office/drawing/2014/main" id="{0C2F9CA2-260D-4611-B1F2-AAB1AF2DCAD9}"/>
+                <a16:creationId xmlns:a16="http://schemas.microsoft.com/office/drawing/2014/main" xmlns="" id="{0C2F9CA2-260D-4611-B1F2-AAB1AF2DCAD9}"/>
               </a:ext>
             </a:extLst>
           </p:cNvPr>
@@ -44528,7 +44536,7 @@
           <p:cNvPr id="4" name="Footer Placeholder 3">
             <a:extLst>
               <a:ext uri="{FF2B5EF4-FFF2-40B4-BE49-F238E27FC236}">
-                <a16:creationId xmlns:a16="http://schemas.microsoft.com/office/drawing/2014/main" id="{4A404D6A-7228-42B0-A536-2507A0316EE0}"/>
+                <a16:creationId xmlns:a16="http://schemas.microsoft.com/office/drawing/2014/main" xmlns="" id="{4A404D6A-7228-42B0-A536-2507A0316EE0}"/>
               </a:ext>
             </a:extLst>
           </p:cNvPr>
@@ -44557,7 +44565,7 @@
           <p:cNvPr id="5" name="Slide Number Placeholder 4">
             <a:extLst>
               <a:ext uri="{FF2B5EF4-FFF2-40B4-BE49-F238E27FC236}">
-                <a16:creationId xmlns:a16="http://schemas.microsoft.com/office/drawing/2014/main" id="{C05D33ED-50B6-4F6B-BC38-94974264A395}"/>
+                <a16:creationId xmlns:a16="http://schemas.microsoft.com/office/drawing/2014/main" xmlns="" id="{C05D33ED-50B6-4F6B-BC38-94974264A395}"/>
               </a:ext>
             </a:extLst>
           </p:cNvPr>
@@ -44586,7 +44594,7 @@
           <p:cNvPr id="10" name="Rectangle 9">
             <a:extLst>
               <a:ext uri="{FF2B5EF4-FFF2-40B4-BE49-F238E27FC236}">
-                <a16:creationId xmlns:a16="http://schemas.microsoft.com/office/drawing/2014/main" id="{7130D7B5-1B8A-4DF8-9E1B-D9C5B055001B}"/>
+                <a16:creationId xmlns:a16="http://schemas.microsoft.com/office/drawing/2014/main" xmlns="" id="{7130D7B5-1B8A-4DF8-9E1B-D9C5B055001B}"/>
               </a:ext>
             </a:extLst>
           </p:cNvPr>
@@ -44805,7 +44813,7 @@
           <p:cNvPr id="2" name="Title 1">
             <a:extLst>
               <a:ext uri="{FF2B5EF4-FFF2-40B4-BE49-F238E27FC236}">
-                <a16:creationId xmlns:a16="http://schemas.microsoft.com/office/drawing/2014/main" id="{18115751-5F9E-4B1A-953F-26F3EBD365F5}"/>
+                <a16:creationId xmlns:a16="http://schemas.microsoft.com/office/drawing/2014/main" xmlns="" id="{18115751-5F9E-4B1A-953F-26F3EBD365F5}"/>
               </a:ext>
             </a:extLst>
           </p:cNvPr>
@@ -44837,7 +44845,7 @@
           <p:cNvPr id="3" name="Text Placeholder 2">
             <a:extLst>
               <a:ext uri="{FF2B5EF4-FFF2-40B4-BE49-F238E27FC236}">
-                <a16:creationId xmlns:a16="http://schemas.microsoft.com/office/drawing/2014/main" id="{41A571B0-9AF4-44E7-8698-8F9A3F7DCDD6}"/>
+                <a16:creationId xmlns:a16="http://schemas.microsoft.com/office/drawing/2014/main" xmlns="" id="{41A571B0-9AF4-44E7-8698-8F9A3F7DCDD6}"/>
               </a:ext>
             </a:extLst>
           </p:cNvPr>
@@ -44862,7 +44870,7 @@
           <p:cNvPr id="4" name="Footer Placeholder 3">
             <a:extLst>
               <a:ext uri="{FF2B5EF4-FFF2-40B4-BE49-F238E27FC236}">
-                <a16:creationId xmlns:a16="http://schemas.microsoft.com/office/drawing/2014/main" id="{3988A96C-6D0A-4A49-9EBD-3917B4983157}"/>
+                <a16:creationId xmlns:a16="http://schemas.microsoft.com/office/drawing/2014/main" xmlns="" id="{3988A96C-6D0A-4A49-9EBD-3917B4983157}"/>
               </a:ext>
             </a:extLst>
           </p:cNvPr>
@@ -44890,7 +44898,7 @@
           <p:cNvPr id="5" name="Slide Number Placeholder 4">
             <a:extLst>
               <a:ext uri="{FF2B5EF4-FFF2-40B4-BE49-F238E27FC236}">
-                <a16:creationId xmlns:a16="http://schemas.microsoft.com/office/drawing/2014/main" id="{4CC96262-6BB7-4FBB-8A1E-F16AA5552AD7}"/>
+                <a16:creationId xmlns:a16="http://schemas.microsoft.com/office/drawing/2014/main" xmlns="" id="{4CC96262-6BB7-4FBB-8A1E-F16AA5552AD7}"/>
               </a:ext>
             </a:extLst>
           </p:cNvPr>
@@ -44949,7 +44957,7 @@
           <p:cNvPr id="2" name="Title 1">
             <a:extLst>
               <a:ext uri="{FF2B5EF4-FFF2-40B4-BE49-F238E27FC236}">
-                <a16:creationId xmlns:a16="http://schemas.microsoft.com/office/drawing/2014/main" id="{9DE2AD19-CE96-4821-A592-CC8C5D68E640}"/>
+                <a16:creationId xmlns:a16="http://schemas.microsoft.com/office/drawing/2014/main" xmlns="" id="{9DE2AD19-CE96-4821-A592-CC8C5D68E640}"/>
               </a:ext>
             </a:extLst>
           </p:cNvPr>
@@ -44977,7 +44985,7 @@
           <p:cNvPr id="3" name="Content Placeholder 2">
             <a:extLst>
               <a:ext uri="{FF2B5EF4-FFF2-40B4-BE49-F238E27FC236}">
-                <a16:creationId xmlns:a16="http://schemas.microsoft.com/office/drawing/2014/main" id="{2FF60DAF-6BFA-44CB-9218-EF55E05E1DAB}"/>
+                <a16:creationId xmlns:a16="http://schemas.microsoft.com/office/drawing/2014/main" xmlns="" id="{2FF60DAF-6BFA-44CB-9218-EF55E05E1DAB}"/>
               </a:ext>
             </a:extLst>
           </p:cNvPr>
@@ -45038,7 +45046,7 @@
           <p:cNvPr id="4" name="Footer Placeholder 3">
             <a:extLst>
               <a:ext uri="{FF2B5EF4-FFF2-40B4-BE49-F238E27FC236}">
-                <a16:creationId xmlns:a16="http://schemas.microsoft.com/office/drawing/2014/main" id="{0F98B368-B7AF-4B1A-9FCD-C7D82BA5509E}"/>
+                <a16:creationId xmlns:a16="http://schemas.microsoft.com/office/drawing/2014/main" xmlns="" id="{0F98B368-B7AF-4B1A-9FCD-C7D82BA5509E}"/>
               </a:ext>
             </a:extLst>
           </p:cNvPr>
@@ -45067,7 +45075,7 @@
           <p:cNvPr id="5" name="Slide Number Placeholder 4">
             <a:extLst>
               <a:ext uri="{FF2B5EF4-FFF2-40B4-BE49-F238E27FC236}">
-                <a16:creationId xmlns:a16="http://schemas.microsoft.com/office/drawing/2014/main" id="{4B4185D3-9BF4-4AEA-9D7F-E0C0585F676F}"/>
+                <a16:creationId xmlns:a16="http://schemas.microsoft.com/office/drawing/2014/main" xmlns="" id="{4B4185D3-9BF4-4AEA-9D7F-E0C0585F676F}"/>
               </a:ext>
             </a:extLst>
           </p:cNvPr>
@@ -45126,7 +45134,7 @@
           <p:cNvPr id="2" name="Title 1">
             <a:extLst>
               <a:ext uri="{FF2B5EF4-FFF2-40B4-BE49-F238E27FC236}">
-                <a16:creationId xmlns:a16="http://schemas.microsoft.com/office/drawing/2014/main" id="{7F3027CD-5EC3-44F6-B0D4-08DB90094978}"/>
+                <a16:creationId xmlns:a16="http://schemas.microsoft.com/office/drawing/2014/main" xmlns="" id="{7F3027CD-5EC3-44F6-B0D4-08DB90094978}"/>
               </a:ext>
             </a:extLst>
           </p:cNvPr>
@@ -45158,7 +45166,7 @@
               <p:cNvPr id="3" name="Content Placeholder 2">
                 <a:extLst>
                   <a:ext uri="{FF2B5EF4-FFF2-40B4-BE49-F238E27FC236}">
-                    <a16:creationId xmlns:a16="http://schemas.microsoft.com/office/drawing/2014/main" id="{178AA104-8A0F-4C41-B078-D0FD7F72B2E4}"/>
+                    <a16:creationId xmlns:a16="http://schemas.microsoft.com/office/drawing/2014/main" xmlns="" id="{178AA104-8A0F-4C41-B078-D0FD7F72B2E4}"/>
                   </a:ext>
                 </a:extLst>
               </p:cNvPr>
@@ -45421,7 +45429,7 @@
           <p:cNvPr id="4" name="Footer Placeholder 3">
             <a:extLst>
               <a:ext uri="{FF2B5EF4-FFF2-40B4-BE49-F238E27FC236}">
-                <a16:creationId xmlns:a16="http://schemas.microsoft.com/office/drawing/2014/main" id="{B0E78E2A-D12B-479E-84C4-A9D000961AC8}"/>
+                <a16:creationId xmlns:a16="http://schemas.microsoft.com/office/drawing/2014/main" xmlns="" id="{B0E78E2A-D12B-479E-84C4-A9D000961AC8}"/>
               </a:ext>
             </a:extLst>
           </p:cNvPr>
@@ -45450,7 +45458,7 @@
           <p:cNvPr id="5" name="Slide Number Placeholder 4">
             <a:extLst>
               <a:ext uri="{FF2B5EF4-FFF2-40B4-BE49-F238E27FC236}">
-                <a16:creationId xmlns:a16="http://schemas.microsoft.com/office/drawing/2014/main" id="{D3CD53D8-C452-46F9-BD22-AB34609036ED}"/>
+                <a16:creationId xmlns:a16="http://schemas.microsoft.com/office/drawing/2014/main" xmlns="" id="{D3CD53D8-C452-46F9-BD22-AB34609036ED}"/>
               </a:ext>
             </a:extLst>
           </p:cNvPr>
@@ -45509,7 +45517,7 @@
           <p:cNvPr id="2" name="Title 1">
             <a:extLst>
               <a:ext uri="{FF2B5EF4-FFF2-40B4-BE49-F238E27FC236}">
-                <a16:creationId xmlns:a16="http://schemas.microsoft.com/office/drawing/2014/main" id="{2C4D8B93-1657-4268-8128-60E024E3EA92}"/>
+                <a16:creationId xmlns:a16="http://schemas.microsoft.com/office/drawing/2014/main" xmlns="" id="{2C4D8B93-1657-4268-8128-60E024E3EA92}"/>
               </a:ext>
             </a:extLst>
           </p:cNvPr>
@@ -45537,7 +45545,7 @@
           <p:cNvPr id="3" name="Content Placeholder 2">
             <a:extLst>
               <a:ext uri="{FF2B5EF4-FFF2-40B4-BE49-F238E27FC236}">
-                <a16:creationId xmlns:a16="http://schemas.microsoft.com/office/drawing/2014/main" id="{C6CC7F96-48F0-4A6D-8584-056688F293BE}"/>
+                <a16:creationId xmlns:a16="http://schemas.microsoft.com/office/drawing/2014/main" xmlns="" id="{C6CC7F96-48F0-4A6D-8584-056688F293BE}"/>
               </a:ext>
             </a:extLst>
           </p:cNvPr>
@@ -45594,7 +45602,7 @@
           <p:cNvPr id="4" name="Footer Placeholder 3">
             <a:extLst>
               <a:ext uri="{FF2B5EF4-FFF2-40B4-BE49-F238E27FC236}">
-                <a16:creationId xmlns:a16="http://schemas.microsoft.com/office/drawing/2014/main" id="{7BA057B4-92CA-4702-9595-61FFF7AD49A9}"/>
+                <a16:creationId xmlns:a16="http://schemas.microsoft.com/office/drawing/2014/main" xmlns="" id="{7BA057B4-92CA-4702-9595-61FFF7AD49A9}"/>
               </a:ext>
             </a:extLst>
           </p:cNvPr>
@@ -45622,7 +45630,7 @@
           <p:cNvPr id="5" name="Slide Number Placeholder 4">
             <a:extLst>
               <a:ext uri="{FF2B5EF4-FFF2-40B4-BE49-F238E27FC236}">
-                <a16:creationId xmlns:a16="http://schemas.microsoft.com/office/drawing/2014/main" id="{E85B4308-2FA5-457D-BBAE-4D26B56D15BF}"/>
+                <a16:creationId xmlns:a16="http://schemas.microsoft.com/office/drawing/2014/main" xmlns="" id="{E85B4308-2FA5-457D-BBAE-4D26B56D15BF}"/>
               </a:ext>
             </a:extLst>
           </p:cNvPr>
@@ -45681,7 +45689,7 @@
           <p:cNvPr id="2" name="Title 1">
             <a:extLst>
               <a:ext uri="{FF2B5EF4-FFF2-40B4-BE49-F238E27FC236}">
-                <a16:creationId xmlns:a16="http://schemas.microsoft.com/office/drawing/2014/main" id="{903C5806-96B1-4E49-A02B-26BDFA4EC1D8}"/>
+                <a16:creationId xmlns:a16="http://schemas.microsoft.com/office/drawing/2014/main" xmlns="" id="{903C5806-96B1-4E49-A02B-26BDFA4EC1D8}"/>
               </a:ext>
             </a:extLst>
           </p:cNvPr>
@@ -45711,7 +45719,7 @@
               <p:cNvPr id="3" name="Content Placeholder 2">
                 <a:extLst>
                   <a:ext uri="{FF2B5EF4-FFF2-40B4-BE49-F238E27FC236}">
-                    <a16:creationId xmlns:a16="http://schemas.microsoft.com/office/drawing/2014/main" id="{6E831CC6-F753-4B8C-9685-3BAB1A05B669}"/>
+                    <a16:creationId xmlns:a16="http://schemas.microsoft.com/office/drawing/2014/main" xmlns="" id="{6E831CC6-F753-4B8C-9685-3BAB1A05B669}"/>
                   </a:ext>
                 </a:extLst>
               </p:cNvPr>
@@ -46076,7 +46084,7 @@
           <p:cNvPr id="4" name="Footer Placeholder 3">
             <a:extLst>
               <a:ext uri="{FF2B5EF4-FFF2-40B4-BE49-F238E27FC236}">
-                <a16:creationId xmlns:a16="http://schemas.microsoft.com/office/drawing/2014/main" id="{F379F50E-D397-4727-97D7-4EBF3B33A182}"/>
+                <a16:creationId xmlns:a16="http://schemas.microsoft.com/office/drawing/2014/main" xmlns="" id="{F379F50E-D397-4727-97D7-4EBF3B33A182}"/>
               </a:ext>
             </a:extLst>
           </p:cNvPr>
@@ -46105,7 +46113,7 @@
           <p:cNvPr id="5" name="Slide Number Placeholder 4">
             <a:extLst>
               <a:ext uri="{FF2B5EF4-FFF2-40B4-BE49-F238E27FC236}">
-                <a16:creationId xmlns:a16="http://schemas.microsoft.com/office/drawing/2014/main" id="{2D582AE0-2DD6-419F-BA63-CC17C90ED6A5}"/>
+                <a16:creationId xmlns:a16="http://schemas.microsoft.com/office/drawing/2014/main" xmlns="" id="{2D582AE0-2DD6-419F-BA63-CC17C90ED6A5}"/>
               </a:ext>
             </a:extLst>
           </p:cNvPr>
@@ -46164,7 +46172,7 @@
           <p:cNvPr id="2" name="Title 1">
             <a:extLst>
               <a:ext uri="{FF2B5EF4-FFF2-40B4-BE49-F238E27FC236}">
-                <a16:creationId xmlns:a16="http://schemas.microsoft.com/office/drawing/2014/main" id="{1B2FEB85-9945-47D4-8EEE-684EC949C383}"/>
+                <a16:creationId xmlns:a16="http://schemas.microsoft.com/office/drawing/2014/main" xmlns="" id="{1B2FEB85-9945-47D4-8EEE-684EC949C383}"/>
               </a:ext>
             </a:extLst>
           </p:cNvPr>
@@ -46192,7 +46200,7 @@
           <p:cNvPr id="4" name="Footer Placeholder 3">
             <a:extLst>
               <a:ext uri="{FF2B5EF4-FFF2-40B4-BE49-F238E27FC236}">
-                <a16:creationId xmlns:a16="http://schemas.microsoft.com/office/drawing/2014/main" id="{62ADFAB9-5517-433D-A868-B3D07CECA675}"/>
+                <a16:creationId xmlns:a16="http://schemas.microsoft.com/office/drawing/2014/main" xmlns="" id="{62ADFAB9-5517-433D-A868-B3D07CECA675}"/>
               </a:ext>
             </a:extLst>
           </p:cNvPr>
@@ -46221,7 +46229,7 @@
           <p:cNvPr id="5" name="Slide Number Placeholder 4">
             <a:extLst>
               <a:ext uri="{FF2B5EF4-FFF2-40B4-BE49-F238E27FC236}">
-                <a16:creationId xmlns:a16="http://schemas.microsoft.com/office/drawing/2014/main" id="{80509C27-9EB4-4DB5-8BAD-C114138E6BB1}"/>
+                <a16:creationId xmlns:a16="http://schemas.microsoft.com/office/drawing/2014/main" xmlns="" id="{80509C27-9EB4-4DB5-8BAD-C114138E6BB1}"/>
               </a:ext>
             </a:extLst>
           </p:cNvPr>
@@ -46250,7 +46258,7 @@
           <p:cNvPr id="9" name="Content Placeholder 8">
             <a:extLst>
               <a:ext uri="{FF2B5EF4-FFF2-40B4-BE49-F238E27FC236}">
-                <a16:creationId xmlns:a16="http://schemas.microsoft.com/office/drawing/2014/main" id="{AB0F73FC-8B05-4081-B05A-78102CEE33EC}"/>
+                <a16:creationId xmlns:a16="http://schemas.microsoft.com/office/drawing/2014/main" xmlns="" id="{AB0F73FC-8B05-4081-B05A-78102CEE33EC}"/>
               </a:ext>
             </a:extLst>
           </p:cNvPr>
@@ -46282,7 +46290,7 @@
           <p:cNvPr id="10" name="Rectangle 9">
             <a:extLst>
               <a:ext uri="{FF2B5EF4-FFF2-40B4-BE49-F238E27FC236}">
-                <a16:creationId xmlns:a16="http://schemas.microsoft.com/office/drawing/2014/main" id="{EE027B98-322F-4467-B9CA-18624E4A3DB2}"/>
+                <a16:creationId xmlns:a16="http://schemas.microsoft.com/office/drawing/2014/main" xmlns="" id="{EE027B98-322F-4467-B9CA-18624E4A3DB2}"/>
               </a:ext>
             </a:extLst>
           </p:cNvPr>
@@ -46316,7 +46324,7 @@
           <p:cNvPr id="12" name="TextBox 11">
             <a:extLst>
               <a:ext uri="{FF2B5EF4-FFF2-40B4-BE49-F238E27FC236}">
-                <a16:creationId xmlns:a16="http://schemas.microsoft.com/office/drawing/2014/main" id="{41470006-7474-44A5-9ABA-B14B8B77743F}"/>
+                <a16:creationId xmlns:a16="http://schemas.microsoft.com/office/drawing/2014/main" xmlns="" id="{41470006-7474-44A5-9ABA-B14B8B77743F}"/>
               </a:ext>
             </a:extLst>
           </p:cNvPr>
@@ -46351,7 +46359,7 @@
           <p:cNvPr id="13" name="TextBox 12">
             <a:extLst>
               <a:ext uri="{FF2B5EF4-FFF2-40B4-BE49-F238E27FC236}">
-                <a16:creationId xmlns:a16="http://schemas.microsoft.com/office/drawing/2014/main" id="{418F4D26-F260-4E88-ACC0-A61A11C49E97}"/>
+                <a16:creationId xmlns:a16="http://schemas.microsoft.com/office/drawing/2014/main" xmlns="" id="{418F4D26-F260-4E88-ACC0-A61A11C49E97}"/>
               </a:ext>
             </a:extLst>
           </p:cNvPr>
@@ -46386,7 +46394,7 @@
           <p:cNvPr id="14" name="TextBox 13">
             <a:extLst>
               <a:ext uri="{FF2B5EF4-FFF2-40B4-BE49-F238E27FC236}">
-                <a16:creationId xmlns:a16="http://schemas.microsoft.com/office/drawing/2014/main" id="{19773BDA-89FA-4570-A3E2-FEAEE029979C}"/>
+                <a16:creationId xmlns:a16="http://schemas.microsoft.com/office/drawing/2014/main" xmlns="" id="{19773BDA-89FA-4570-A3E2-FEAEE029979C}"/>
               </a:ext>
             </a:extLst>
           </p:cNvPr>
@@ -46421,7 +46429,7 @@
           <p:cNvPr id="15" name="TextBox 14">
             <a:extLst>
               <a:ext uri="{FF2B5EF4-FFF2-40B4-BE49-F238E27FC236}">
-                <a16:creationId xmlns:a16="http://schemas.microsoft.com/office/drawing/2014/main" id="{4CBC14F1-85DD-4458-8F8B-C28B945B23F6}"/>
+                <a16:creationId xmlns:a16="http://schemas.microsoft.com/office/drawing/2014/main" xmlns="" id="{4CBC14F1-85DD-4458-8F8B-C28B945B23F6}"/>
               </a:ext>
             </a:extLst>
           </p:cNvPr>
@@ -46456,7 +46464,7 @@
           <p:cNvPr id="16" name="TextBox 15">
             <a:extLst>
               <a:ext uri="{FF2B5EF4-FFF2-40B4-BE49-F238E27FC236}">
-                <a16:creationId xmlns:a16="http://schemas.microsoft.com/office/drawing/2014/main" id="{65506363-79A3-4E93-B4B1-74483E27FB66}"/>
+                <a16:creationId xmlns:a16="http://schemas.microsoft.com/office/drawing/2014/main" xmlns="" id="{65506363-79A3-4E93-B4B1-74483E27FB66}"/>
               </a:ext>
             </a:extLst>
           </p:cNvPr>
@@ -46491,7 +46499,7 @@
           <p:cNvPr id="21" name="Group 20">
             <a:extLst>
               <a:ext uri="{FF2B5EF4-FFF2-40B4-BE49-F238E27FC236}">
-                <a16:creationId xmlns:a16="http://schemas.microsoft.com/office/drawing/2014/main" id="{AF19646A-FB7D-400A-9AD9-5A1C670EA0FE}"/>
+                <a16:creationId xmlns:a16="http://schemas.microsoft.com/office/drawing/2014/main" xmlns="" id="{AF19646A-FB7D-400A-9AD9-5A1C670EA0FE}"/>
               </a:ext>
             </a:extLst>
           </p:cNvPr>
@@ -46511,7 +46519,7 @@
             <p:cNvPr id="11" name="Picture 10">
               <a:extLst>
                 <a:ext uri="{FF2B5EF4-FFF2-40B4-BE49-F238E27FC236}">
-                  <a16:creationId xmlns:a16="http://schemas.microsoft.com/office/drawing/2014/main" id="{BB6B2DDE-5D83-414D-A060-E5B2FACD9ACB}"/>
+                  <a16:creationId xmlns:a16="http://schemas.microsoft.com/office/drawing/2014/main" xmlns="" id="{BB6B2DDE-5D83-414D-A060-E5B2FACD9ACB}"/>
                 </a:ext>
               </a:extLst>
             </p:cNvPr>
@@ -46541,7 +46549,7 @@
             <p:cNvPr id="20" name="Rectangle 19">
               <a:extLst>
                 <a:ext uri="{FF2B5EF4-FFF2-40B4-BE49-F238E27FC236}">
-                  <a16:creationId xmlns:a16="http://schemas.microsoft.com/office/drawing/2014/main" id="{41E90D63-6104-4E80-A365-DC5EF87B4931}"/>
+                  <a16:creationId xmlns:a16="http://schemas.microsoft.com/office/drawing/2014/main" xmlns="" id="{41E90D63-6104-4E80-A365-DC5EF87B4931}"/>
                 </a:ext>
               </a:extLst>
             </p:cNvPr>
@@ -46593,7 +46601,7 @@
             <p:cNvPr id="19" name="Picture 18">
               <a:extLst>
                 <a:ext uri="{FF2B5EF4-FFF2-40B4-BE49-F238E27FC236}">
-                  <a16:creationId xmlns:a16="http://schemas.microsoft.com/office/drawing/2014/main" id="{FF829F46-4F1E-41CA-B6D4-78C58B63D01B}"/>
+                  <a16:creationId xmlns:a16="http://schemas.microsoft.com/office/drawing/2014/main" xmlns="" id="{FF829F46-4F1E-41CA-B6D4-78C58B63D01B}"/>
                 </a:ext>
               </a:extLst>
             </p:cNvPr>
@@ -46654,7 +46662,7 @@
           <p:cNvPr id="2" name="Title 1">
             <a:extLst>
               <a:ext uri="{FF2B5EF4-FFF2-40B4-BE49-F238E27FC236}">
-                <a16:creationId xmlns:a16="http://schemas.microsoft.com/office/drawing/2014/main" id="{A47278ED-A8F6-42E5-89EC-DF5087F554F4}"/>
+                <a16:creationId xmlns:a16="http://schemas.microsoft.com/office/drawing/2014/main" xmlns="" id="{A47278ED-A8F6-42E5-89EC-DF5087F554F4}"/>
               </a:ext>
             </a:extLst>
           </p:cNvPr>
@@ -46692,7 +46700,7 @@
               <p:cNvPr id="6" name="Rectangle 5">
                 <a:extLst>
                   <a:ext uri="{FF2B5EF4-FFF2-40B4-BE49-F238E27FC236}">
-                    <a16:creationId xmlns:a16="http://schemas.microsoft.com/office/drawing/2014/main" id="{75D7D27A-670B-4053-B2CD-7ED1DF5FB377}"/>
+                    <a16:creationId xmlns:a16="http://schemas.microsoft.com/office/drawing/2014/main" xmlns="" id="{75D7D27A-670B-4053-B2CD-7ED1DF5FB377}"/>
                   </a:ext>
                 </a:extLst>
               </p:cNvPr>
@@ -46903,7 +46911,7 @@
           <p:cNvPr id="8" name="Footer Placeholder 7">
             <a:extLst>
               <a:ext uri="{FF2B5EF4-FFF2-40B4-BE49-F238E27FC236}">
-                <a16:creationId xmlns:a16="http://schemas.microsoft.com/office/drawing/2014/main" id="{4FB63826-4C8C-4905-B4F5-F759B2877AFC}"/>
+                <a16:creationId xmlns:a16="http://schemas.microsoft.com/office/drawing/2014/main" xmlns="" id="{4FB63826-4C8C-4905-B4F5-F759B2877AFC}"/>
               </a:ext>
             </a:extLst>
           </p:cNvPr>
@@ -46932,7 +46940,7 @@
           <p:cNvPr id="9" name="Slide Number Placeholder 8">
             <a:extLst>
               <a:ext uri="{FF2B5EF4-FFF2-40B4-BE49-F238E27FC236}">
-                <a16:creationId xmlns:a16="http://schemas.microsoft.com/office/drawing/2014/main" id="{4A3C6E04-5177-4D1D-B6FF-729D193CB32F}"/>
+                <a16:creationId xmlns:a16="http://schemas.microsoft.com/office/drawing/2014/main" xmlns="" id="{4A3C6E04-5177-4D1D-B6FF-729D193CB32F}"/>
               </a:ext>
             </a:extLst>
           </p:cNvPr>
@@ -46963,7 +46971,7 @@
               <p:cNvPr id="10" name="TextBox 9">
                 <a:extLst>
                   <a:ext uri="{FF2B5EF4-FFF2-40B4-BE49-F238E27FC236}">
-                    <a16:creationId xmlns:a16="http://schemas.microsoft.com/office/drawing/2014/main" id="{ED731317-1955-4758-9B03-AAE41C5FA7AD}"/>
+                    <a16:creationId xmlns:a16="http://schemas.microsoft.com/office/drawing/2014/main" xmlns="" id="{ED731317-1955-4758-9B03-AAE41C5FA7AD}"/>
                   </a:ext>
                 </a:extLst>
               </p:cNvPr>
@@ -47431,7 +47439,7 @@
               <p:cNvPr id="11" name="TextBox 10">
                 <a:extLst>
                   <a:ext uri="{FF2B5EF4-FFF2-40B4-BE49-F238E27FC236}">
-                    <a16:creationId xmlns:a16="http://schemas.microsoft.com/office/drawing/2014/main" id="{4B795388-74E4-4244-A456-D82D5276BD38}"/>
+                    <a16:creationId xmlns:a16="http://schemas.microsoft.com/office/drawing/2014/main" xmlns="" id="{4B795388-74E4-4244-A456-D82D5276BD38}"/>
                   </a:ext>
                 </a:extLst>
               </p:cNvPr>
@@ -47671,7 +47679,7 @@
           <p:cNvPr id="13" name="TextBox 12">
             <a:extLst>
               <a:ext uri="{FF2B5EF4-FFF2-40B4-BE49-F238E27FC236}">
-                <a16:creationId xmlns:a16="http://schemas.microsoft.com/office/drawing/2014/main" id="{FF447650-B301-4DB0-97F0-E929927BD6F8}"/>
+                <a16:creationId xmlns:a16="http://schemas.microsoft.com/office/drawing/2014/main" xmlns="" id="{FF447650-B301-4DB0-97F0-E929927BD6F8}"/>
               </a:ext>
             </a:extLst>
           </p:cNvPr>
@@ -47736,7 +47744,7 @@
           <p:cNvPr id="2" name="Title 1">
             <a:extLst>
               <a:ext uri="{FF2B5EF4-FFF2-40B4-BE49-F238E27FC236}">
-                <a16:creationId xmlns:a16="http://schemas.microsoft.com/office/drawing/2014/main" id="{825A1F7E-98FF-438C-9269-08B9690196FC}"/>
+                <a16:creationId xmlns:a16="http://schemas.microsoft.com/office/drawing/2014/main" xmlns="" id="{825A1F7E-98FF-438C-9269-08B9690196FC}"/>
               </a:ext>
             </a:extLst>
           </p:cNvPr>
@@ -47773,7 +47781,7 @@
           <p:cNvPr id="4" name="Footer Placeholder 3">
             <a:extLst>
               <a:ext uri="{FF2B5EF4-FFF2-40B4-BE49-F238E27FC236}">
-                <a16:creationId xmlns:a16="http://schemas.microsoft.com/office/drawing/2014/main" id="{08958470-0BE7-4739-BBCF-4741BDFB2385}"/>
+                <a16:creationId xmlns:a16="http://schemas.microsoft.com/office/drawing/2014/main" xmlns="" id="{08958470-0BE7-4739-BBCF-4741BDFB2385}"/>
               </a:ext>
             </a:extLst>
           </p:cNvPr>
@@ -47802,7 +47810,7 @@
           <p:cNvPr id="5" name="Slide Number Placeholder 4">
             <a:extLst>
               <a:ext uri="{FF2B5EF4-FFF2-40B4-BE49-F238E27FC236}">
-                <a16:creationId xmlns:a16="http://schemas.microsoft.com/office/drawing/2014/main" id="{48F0A489-2D15-453F-BE9F-9D1242E63AD5}"/>
+                <a16:creationId xmlns:a16="http://schemas.microsoft.com/office/drawing/2014/main" xmlns="" id="{48F0A489-2D15-453F-BE9F-9D1242E63AD5}"/>
               </a:ext>
             </a:extLst>
           </p:cNvPr>
@@ -47831,7 +47839,7 @@
           <p:cNvPr id="13" name="Content Placeholder 12">
             <a:extLst>
               <a:ext uri="{FF2B5EF4-FFF2-40B4-BE49-F238E27FC236}">
-                <a16:creationId xmlns:a16="http://schemas.microsoft.com/office/drawing/2014/main" id="{16850297-8B20-4639-B2E9-B8A315EC76A4}"/>
+                <a16:creationId xmlns:a16="http://schemas.microsoft.com/office/drawing/2014/main" xmlns="" id="{16850297-8B20-4639-B2E9-B8A315EC76A4}"/>
               </a:ext>
             </a:extLst>
           </p:cNvPr>
@@ -47865,7 +47873,7 @@
               <p:cNvPr id="14" name="Rectangle 13">
                 <a:extLst>
                   <a:ext uri="{FF2B5EF4-FFF2-40B4-BE49-F238E27FC236}">
-                    <a16:creationId xmlns:a16="http://schemas.microsoft.com/office/drawing/2014/main" id="{7F6EB22F-4189-47C7-B6F7-18B8791BE392}"/>
+                    <a16:creationId xmlns:a16="http://schemas.microsoft.com/office/drawing/2014/main" xmlns="" id="{7F6EB22F-4189-47C7-B6F7-18B8791BE392}"/>
                   </a:ext>
                 </a:extLst>
               </p:cNvPr>
@@ -48330,7 +48338,7 @@
           <p:cNvPr id="2" name="Title 1">
             <a:extLst>
               <a:ext uri="{FF2B5EF4-FFF2-40B4-BE49-F238E27FC236}">
-                <a16:creationId xmlns:a16="http://schemas.microsoft.com/office/drawing/2014/main" id="{9294C237-3C49-4945-B440-C4D1F8676B8C}"/>
+                <a16:creationId xmlns:a16="http://schemas.microsoft.com/office/drawing/2014/main" xmlns="" id="{9294C237-3C49-4945-B440-C4D1F8676B8C}"/>
               </a:ext>
             </a:extLst>
           </p:cNvPr>
@@ -48360,7 +48368,7 @@
               <p:cNvPr id="3" name="Content Placeholder 2">
                 <a:extLst>
                   <a:ext uri="{FF2B5EF4-FFF2-40B4-BE49-F238E27FC236}">
-                    <a16:creationId xmlns:a16="http://schemas.microsoft.com/office/drawing/2014/main" id="{445E1713-0AD4-41CB-A54A-0C5F0D21CE6F}"/>
+                    <a16:creationId xmlns:a16="http://schemas.microsoft.com/office/drawing/2014/main" xmlns="" id="{445E1713-0AD4-41CB-A54A-0C5F0D21CE6F}"/>
                   </a:ext>
                 </a:extLst>
               </p:cNvPr>
@@ -48700,7 +48708,7 @@
           <p:cNvPr id="4" name="Footer Placeholder 3">
             <a:extLst>
               <a:ext uri="{FF2B5EF4-FFF2-40B4-BE49-F238E27FC236}">
-                <a16:creationId xmlns:a16="http://schemas.microsoft.com/office/drawing/2014/main" id="{B679449B-4C9F-4086-842E-4337E6B94A63}"/>
+                <a16:creationId xmlns:a16="http://schemas.microsoft.com/office/drawing/2014/main" xmlns="" id="{B679449B-4C9F-4086-842E-4337E6B94A63}"/>
               </a:ext>
             </a:extLst>
           </p:cNvPr>
@@ -48729,7 +48737,7 @@
           <p:cNvPr id="5" name="Slide Number Placeholder 4">
             <a:extLst>
               <a:ext uri="{FF2B5EF4-FFF2-40B4-BE49-F238E27FC236}">
-                <a16:creationId xmlns:a16="http://schemas.microsoft.com/office/drawing/2014/main" id="{5C50B301-AB64-4880-A5E9-8B918BC8C925}"/>
+                <a16:creationId xmlns:a16="http://schemas.microsoft.com/office/drawing/2014/main" xmlns="" id="{5C50B301-AB64-4880-A5E9-8B918BC8C925}"/>
               </a:ext>
             </a:extLst>
           </p:cNvPr>
@@ -48788,7 +48796,7 @@
           <p:cNvPr id="2" name="Title 1">
             <a:extLst>
               <a:ext uri="{FF2B5EF4-FFF2-40B4-BE49-F238E27FC236}">
-                <a16:creationId xmlns:a16="http://schemas.microsoft.com/office/drawing/2014/main" id="{A886B7E4-BD54-4BC9-A426-B006B8336FBA}"/>
+                <a16:creationId xmlns:a16="http://schemas.microsoft.com/office/drawing/2014/main" xmlns="" id="{A886B7E4-BD54-4BC9-A426-B006B8336FBA}"/>
               </a:ext>
             </a:extLst>
           </p:cNvPr>
@@ -48816,7 +48824,7 @@
           <p:cNvPr id="4" name="Content Placeholder 3">
             <a:extLst>
               <a:ext uri="{FF2B5EF4-FFF2-40B4-BE49-F238E27FC236}">
-                <a16:creationId xmlns:a16="http://schemas.microsoft.com/office/drawing/2014/main" id="{DD555AD5-0573-4DD0-88F4-B547C945CC51}"/>
+                <a16:creationId xmlns:a16="http://schemas.microsoft.com/office/drawing/2014/main" xmlns="" id="{DD555AD5-0573-4DD0-88F4-B547C945CC51}"/>
               </a:ext>
             </a:extLst>
           </p:cNvPr>
@@ -48848,7 +48856,7 @@
           <p:cNvPr id="3" name="Group 2">
             <a:extLst>
               <a:ext uri="{FF2B5EF4-FFF2-40B4-BE49-F238E27FC236}">
-                <a16:creationId xmlns:a16="http://schemas.microsoft.com/office/drawing/2014/main" id="{752C41C8-DFA9-40B8-B403-A7DA5D829D05}"/>
+                <a16:creationId xmlns:a16="http://schemas.microsoft.com/office/drawing/2014/main" xmlns="" id="{752C41C8-DFA9-40B8-B403-A7DA5D829D05}"/>
               </a:ext>
             </a:extLst>
           </p:cNvPr>
@@ -48868,7 +48876,7 @@
             <p:cNvPr id="5" name="Picture 4">
               <a:extLst>
                 <a:ext uri="{FF2B5EF4-FFF2-40B4-BE49-F238E27FC236}">
-                  <a16:creationId xmlns:a16="http://schemas.microsoft.com/office/drawing/2014/main" id="{16E1D0BD-99D7-48E4-87EA-13782F6489BF}"/>
+                  <a16:creationId xmlns:a16="http://schemas.microsoft.com/office/drawing/2014/main" xmlns="" id="{16E1D0BD-99D7-48E4-87EA-13782F6489BF}"/>
                 </a:ext>
               </a:extLst>
             </p:cNvPr>
@@ -48898,7 +48906,7 @@
             <p:cNvPr id="6" name="Picture 5">
               <a:extLst>
                 <a:ext uri="{FF2B5EF4-FFF2-40B4-BE49-F238E27FC236}">
-                  <a16:creationId xmlns:a16="http://schemas.microsoft.com/office/drawing/2014/main" id="{1A77B030-842F-4811-B2EE-67DA99C50F48}"/>
+                  <a16:creationId xmlns:a16="http://schemas.microsoft.com/office/drawing/2014/main" xmlns="" id="{1A77B030-842F-4811-B2EE-67DA99C50F48}"/>
                 </a:ext>
               </a:extLst>
             </p:cNvPr>
@@ -48929,7 +48937,7 @@
           <p:cNvPr id="7" name="Footer Placeholder 6">
             <a:extLst>
               <a:ext uri="{FF2B5EF4-FFF2-40B4-BE49-F238E27FC236}">
-                <a16:creationId xmlns:a16="http://schemas.microsoft.com/office/drawing/2014/main" id="{C7873B15-1524-460B-89FE-482C4AEEAABA}"/>
+                <a16:creationId xmlns:a16="http://schemas.microsoft.com/office/drawing/2014/main" xmlns="" id="{C7873B15-1524-460B-89FE-482C4AEEAABA}"/>
               </a:ext>
             </a:extLst>
           </p:cNvPr>
@@ -48957,7 +48965,7 @@
           <p:cNvPr id="8" name="Slide Number Placeholder 7">
             <a:extLst>
               <a:ext uri="{FF2B5EF4-FFF2-40B4-BE49-F238E27FC236}">
-                <a16:creationId xmlns:a16="http://schemas.microsoft.com/office/drawing/2014/main" id="{4AB877AC-88A3-4338-8989-4FACA2D96245}"/>
+                <a16:creationId xmlns:a16="http://schemas.microsoft.com/office/drawing/2014/main" xmlns="" id="{4AB877AC-88A3-4338-8989-4FACA2D96245}"/>
               </a:ext>
             </a:extLst>
           </p:cNvPr>
@@ -48988,7 +48996,7 @@
               <p:cNvPr id="9" name="TextBox 8">
                 <a:extLst>
                   <a:ext uri="{FF2B5EF4-FFF2-40B4-BE49-F238E27FC236}">
-                    <a16:creationId xmlns:a16="http://schemas.microsoft.com/office/drawing/2014/main" id="{2DAA0987-E6F4-4B2C-A369-4FD9DF2758BD}"/>
+                    <a16:creationId xmlns:a16="http://schemas.microsoft.com/office/drawing/2014/main" xmlns="" id="{2DAA0987-E6F4-4B2C-A369-4FD9DF2758BD}"/>
                   </a:ext>
                 </a:extLst>
               </p:cNvPr>
@@ -49140,7 +49148,7 @@
           <p:cNvPr id="10" name="Rectangle 9">
             <a:extLst>
               <a:ext uri="{FF2B5EF4-FFF2-40B4-BE49-F238E27FC236}">
-                <a16:creationId xmlns:a16="http://schemas.microsoft.com/office/drawing/2014/main" id="{3FDDB76F-763B-406B-AE3B-78212FDDA55C}"/>
+                <a16:creationId xmlns:a16="http://schemas.microsoft.com/office/drawing/2014/main" xmlns="" id="{3FDDB76F-763B-406B-AE3B-78212FDDA55C}"/>
               </a:ext>
             </a:extLst>
           </p:cNvPr>
@@ -49237,7 +49245,7 @@
           <p:cNvPr id="12" name="Rectangle 11">
             <a:extLst>
               <a:ext uri="{FF2B5EF4-FFF2-40B4-BE49-F238E27FC236}">
-                <a16:creationId xmlns:a16="http://schemas.microsoft.com/office/drawing/2014/main" id="{0FF8123D-5976-4A3A-BF06-33914C6B25A1}"/>
+                <a16:creationId xmlns:a16="http://schemas.microsoft.com/office/drawing/2014/main" xmlns="" id="{0FF8123D-5976-4A3A-BF06-33914C6B25A1}"/>
               </a:ext>
             </a:extLst>
           </p:cNvPr>
@@ -49277,7 +49285,7 @@
           <p:cNvPr id="13" name="Rectangle 12">
             <a:extLst>
               <a:ext uri="{FF2B5EF4-FFF2-40B4-BE49-F238E27FC236}">
-                <a16:creationId xmlns:a16="http://schemas.microsoft.com/office/drawing/2014/main" id="{70DB6D05-6E48-45C6-9AAE-32A1FF54F94F}"/>
+                <a16:creationId xmlns:a16="http://schemas.microsoft.com/office/drawing/2014/main" xmlns="" id="{70DB6D05-6E48-45C6-9AAE-32A1FF54F94F}"/>
               </a:ext>
             </a:extLst>
           </p:cNvPr>
@@ -49317,7 +49325,7 @@
           <p:cNvPr id="14" name="Rectangle 13">
             <a:extLst>
               <a:ext uri="{FF2B5EF4-FFF2-40B4-BE49-F238E27FC236}">
-                <a16:creationId xmlns:a16="http://schemas.microsoft.com/office/drawing/2014/main" id="{850D4AB3-0FDC-4DB9-9219-2BD510CCB65A}"/>
+                <a16:creationId xmlns:a16="http://schemas.microsoft.com/office/drawing/2014/main" xmlns="" id="{850D4AB3-0FDC-4DB9-9219-2BD510CCB65A}"/>
               </a:ext>
             </a:extLst>
           </p:cNvPr>
@@ -49549,7 +49557,7 @@
           <p:cNvPr id="2" name="Title 1">
             <a:extLst>
               <a:ext uri="{FF2B5EF4-FFF2-40B4-BE49-F238E27FC236}">
-                <a16:creationId xmlns:a16="http://schemas.microsoft.com/office/drawing/2014/main" id="{FBBC1470-4361-4DB4-802F-8FE2196CD857}"/>
+                <a16:creationId xmlns:a16="http://schemas.microsoft.com/office/drawing/2014/main" xmlns="" id="{FBBC1470-4361-4DB4-802F-8FE2196CD857}"/>
               </a:ext>
             </a:extLst>
           </p:cNvPr>
@@ -49579,7 +49587,7 @@
               <p:cNvPr id="3" name="Content Placeholder 2">
                 <a:extLst>
                   <a:ext uri="{FF2B5EF4-FFF2-40B4-BE49-F238E27FC236}">
-                    <a16:creationId xmlns:a16="http://schemas.microsoft.com/office/drawing/2014/main" id="{B70C57EC-CB6F-4907-9AE3-7342ECEBB52C}"/>
+                    <a16:creationId xmlns:a16="http://schemas.microsoft.com/office/drawing/2014/main" xmlns="" id="{B70C57EC-CB6F-4907-9AE3-7342ECEBB52C}"/>
                   </a:ext>
                 </a:extLst>
               </p:cNvPr>
@@ -49932,7 +49940,7 @@
           <p:cNvPr id="4" name="Footer Placeholder 3">
             <a:extLst>
               <a:ext uri="{FF2B5EF4-FFF2-40B4-BE49-F238E27FC236}">
-                <a16:creationId xmlns:a16="http://schemas.microsoft.com/office/drawing/2014/main" id="{A6FD015D-56DB-4C09-9E97-EA17FED1475B}"/>
+                <a16:creationId xmlns:a16="http://schemas.microsoft.com/office/drawing/2014/main" xmlns="" id="{A6FD015D-56DB-4C09-9E97-EA17FED1475B}"/>
               </a:ext>
             </a:extLst>
           </p:cNvPr>
@@ -49961,7 +49969,7 @@
           <p:cNvPr id="5" name="Slide Number Placeholder 4">
             <a:extLst>
               <a:ext uri="{FF2B5EF4-FFF2-40B4-BE49-F238E27FC236}">
-                <a16:creationId xmlns:a16="http://schemas.microsoft.com/office/drawing/2014/main" id="{9144D5F1-E658-47C0-867D-F9AAA4162205}"/>
+                <a16:creationId xmlns:a16="http://schemas.microsoft.com/office/drawing/2014/main" xmlns="" id="{9144D5F1-E658-47C0-867D-F9AAA4162205}"/>
               </a:ext>
             </a:extLst>
           </p:cNvPr>
@@ -49990,7 +49998,7 @@
           <p:cNvPr id="7" name="TextBox 6">
             <a:extLst>
               <a:ext uri="{FF2B5EF4-FFF2-40B4-BE49-F238E27FC236}">
-                <a16:creationId xmlns:a16="http://schemas.microsoft.com/office/drawing/2014/main" id="{8CCAD920-4C91-49DD-B40F-C97C78AA1AF5}"/>
+                <a16:creationId xmlns:a16="http://schemas.microsoft.com/office/drawing/2014/main" xmlns="" id="{8CCAD920-4C91-49DD-B40F-C97C78AA1AF5}"/>
               </a:ext>
             </a:extLst>
           </p:cNvPr>
@@ -50031,7 +50039,7 @@
               <p:cNvPr id="8" name="TextBox 7">
                 <a:extLst>
                   <a:ext uri="{FF2B5EF4-FFF2-40B4-BE49-F238E27FC236}">
-                    <a16:creationId xmlns:a16="http://schemas.microsoft.com/office/drawing/2014/main" id="{EBBD4988-64B8-4F4A-A2C6-46E54F3D0A86}"/>
+                    <a16:creationId xmlns:a16="http://schemas.microsoft.com/office/drawing/2014/main" xmlns="" id="{EBBD4988-64B8-4F4A-A2C6-46E54F3D0A86}"/>
                   </a:ext>
                 </a:extLst>
               </p:cNvPr>
@@ -50281,7 +50289,7 @@
           <p:cNvPr id="2" name="Title 1">
             <a:extLst>
               <a:ext uri="{FF2B5EF4-FFF2-40B4-BE49-F238E27FC236}">
-                <a16:creationId xmlns:a16="http://schemas.microsoft.com/office/drawing/2014/main" id="{FBBC1470-4361-4DB4-802F-8FE2196CD857}"/>
+                <a16:creationId xmlns:a16="http://schemas.microsoft.com/office/drawing/2014/main" xmlns="" id="{FBBC1470-4361-4DB4-802F-8FE2196CD857}"/>
               </a:ext>
             </a:extLst>
           </p:cNvPr>
@@ -50309,7 +50317,7 @@
           <p:cNvPr id="3" name="Content Placeholder 2">
             <a:extLst>
               <a:ext uri="{FF2B5EF4-FFF2-40B4-BE49-F238E27FC236}">
-                <a16:creationId xmlns:a16="http://schemas.microsoft.com/office/drawing/2014/main" id="{B70C57EC-CB6F-4907-9AE3-7342ECEBB52C}"/>
+                <a16:creationId xmlns:a16="http://schemas.microsoft.com/office/drawing/2014/main" xmlns="" id="{B70C57EC-CB6F-4907-9AE3-7342ECEBB52C}"/>
               </a:ext>
             </a:extLst>
           </p:cNvPr>
@@ -50404,7 +50412,7 @@
           <p:cNvPr id="4" name="Footer Placeholder 3">
             <a:extLst>
               <a:ext uri="{FF2B5EF4-FFF2-40B4-BE49-F238E27FC236}">
-                <a16:creationId xmlns:a16="http://schemas.microsoft.com/office/drawing/2014/main" id="{A6FD015D-56DB-4C09-9E97-EA17FED1475B}"/>
+                <a16:creationId xmlns:a16="http://schemas.microsoft.com/office/drawing/2014/main" xmlns="" id="{A6FD015D-56DB-4C09-9E97-EA17FED1475B}"/>
               </a:ext>
             </a:extLst>
           </p:cNvPr>
@@ -50433,7 +50441,7 @@
           <p:cNvPr id="5" name="Slide Number Placeholder 4">
             <a:extLst>
               <a:ext uri="{FF2B5EF4-FFF2-40B4-BE49-F238E27FC236}">
-                <a16:creationId xmlns:a16="http://schemas.microsoft.com/office/drawing/2014/main" id="{9144D5F1-E658-47C0-867D-F9AAA4162205}"/>
+                <a16:creationId xmlns:a16="http://schemas.microsoft.com/office/drawing/2014/main" xmlns="" id="{9144D5F1-E658-47C0-867D-F9AAA4162205}"/>
               </a:ext>
             </a:extLst>
           </p:cNvPr>
@@ -50492,7 +50500,7 @@
           <p:cNvPr id="2" name="Title 1">
             <a:extLst>
               <a:ext uri="{FF2B5EF4-FFF2-40B4-BE49-F238E27FC236}">
-                <a16:creationId xmlns:a16="http://schemas.microsoft.com/office/drawing/2014/main" id="{000B68CE-9F7F-4B47-8979-2B0251F124E1}"/>
+                <a16:creationId xmlns:a16="http://schemas.microsoft.com/office/drawing/2014/main" xmlns="" id="{000B68CE-9F7F-4B47-8979-2B0251F124E1}"/>
               </a:ext>
             </a:extLst>
           </p:cNvPr>
@@ -50530,7 +50538,7 @@
           <p:cNvPr id="4" name="Footer Placeholder 3">
             <a:extLst>
               <a:ext uri="{FF2B5EF4-FFF2-40B4-BE49-F238E27FC236}">
-                <a16:creationId xmlns:a16="http://schemas.microsoft.com/office/drawing/2014/main" id="{BDCE5213-0FA1-4E1C-BD80-81C0DDCB876B}"/>
+                <a16:creationId xmlns:a16="http://schemas.microsoft.com/office/drawing/2014/main" xmlns="" id="{BDCE5213-0FA1-4E1C-BD80-81C0DDCB876B}"/>
               </a:ext>
             </a:extLst>
           </p:cNvPr>
@@ -50559,7 +50567,7 @@
           <p:cNvPr id="5" name="Slide Number Placeholder 4">
             <a:extLst>
               <a:ext uri="{FF2B5EF4-FFF2-40B4-BE49-F238E27FC236}">
-                <a16:creationId xmlns:a16="http://schemas.microsoft.com/office/drawing/2014/main" id="{D19CA2EC-EC36-4602-A7A3-1B069B0A3B7E}"/>
+                <a16:creationId xmlns:a16="http://schemas.microsoft.com/office/drawing/2014/main" xmlns="" id="{D19CA2EC-EC36-4602-A7A3-1B069B0A3B7E}"/>
               </a:ext>
             </a:extLst>
           </p:cNvPr>
@@ -50588,7 +50596,7 @@
           <p:cNvPr id="7" name="Content Placeholder 6">
             <a:extLst>
               <a:ext uri="{FF2B5EF4-FFF2-40B4-BE49-F238E27FC236}">
-                <a16:creationId xmlns:a16="http://schemas.microsoft.com/office/drawing/2014/main" id="{F41316FA-B27C-4001-9353-707CAE6EA7B3}"/>
+                <a16:creationId xmlns:a16="http://schemas.microsoft.com/office/drawing/2014/main" xmlns="" id="{F41316FA-B27C-4001-9353-707CAE6EA7B3}"/>
               </a:ext>
             </a:extLst>
           </p:cNvPr>
@@ -50650,7 +50658,7 @@
           <p:cNvPr id="6" name="Title 5">
             <a:extLst>
               <a:ext uri="{FF2B5EF4-FFF2-40B4-BE49-F238E27FC236}">
-                <a16:creationId xmlns:a16="http://schemas.microsoft.com/office/drawing/2014/main" id="{04E62B70-9189-44F1-B54B-0724E4F9281D}"/>
+                <a16:creationId xmlns:a16="http://schemas.microsoft.com/office/drawing/2014/main" xmlns="" id="{04E62B70-9189-44F1-B54B-0724E4F9281D}"/>
               </a:ext>
             </a:extLst>
           </p:cNvPr>
@@ -50687,7 +50695,7 @@
           <p:cNvPr id="4" name="Footer Placeholder 3">
             <a:extLst>
               <a:ext uri="{FF2B5EF4-FFF2-40B4-BE49-F238E27FC236}">
-                <a16:creationId xmlns:a16="http://schemas.microsoft.com/office/drawing/2014/main" id="{06AA38CE-54C8-4ED8-8752-24A3494262D3}"/>
+                <a16:creationId xmlns:a16="http://schemas.microsoft.com/office/drawing/2014/main" xmlns="" id="{06AA38CE-54C8-4ED8-8752-24A3494262D3}"/>
               </a:ext>
             </a:extLst>
           </p:cNvPr>
@@ -50716,7 +50724,7 @@
           <p:cNvPr id="5" name="Slide Number Placeholder 4">
             <a:extLst>
               <a:ext uri="{FF2B5EF4-FFF2-40B4-BE49-F238E27FC236}">
-                <a16:creationId xmlns:a16="http://schemas.microsoft.com/office/drawing/2014/main" id="{5BFB71FB-9F3F-4605-9940-DB1FF707681A}"/>
+                <a16:creationId xmlns:a16="http://schemas.microsoft.com/office/drawing/2014/main" xmlns="" id="{5BFB71FB-9F3F-4605-9940-DB1FF707681A}"/>
               </a:ext>
             </a:extLst>
           </p:cNvPr>
@@ -50775,7 +50783,7 @@
           <p:cNvPr id="5" name="Title 4">
             <a:extLst>
               <a:ext uri="{FF2B5EF4-FFF2-40B4-BE49-F238E27FC236}">
-                <a16:creationId xmlns:a16="http://schemas.microsoft.com/office/drawing/2014/main" id="{F9A12A87-8333-417D-99DD-7AC7CD4F2DF5}"/>
+                <a16:creationId xmlns:a16="http://schemas.microsoft.com/office/drawing/2014/main" xmlns="" id="{F9A12A87-8333-417D-99DD-7AC7CD4F2DF5}"/>
               </a:ext>
             </a:extLst>
           </p:cNvPr>
@@ -50798,14 +50806,14 @@
           </a:p>
         </p:txBody>
       </p:sp>
-      <mc:AlternateContent xmlns:mc="http://schemas.openxmlformats.org/markup-compatibility/2006" xmlns:a14="http://schemas.microsoft.com/office/drawing/2010/main">
-        <mc:Choice Requires="a14">
+      <mc:AlternateContent xmlns:mc="http://schemas.openxmlformats.org/markup-compatibility/2006">
+        <mc:Choice xmlns:a14="http://schemas.microsoft.com/office/drawing/2010/main" Requires="a14">
           <p:sp>
             <p:nvSpPr>
               <p:cNvPr id="6" name="Content Placeholder 5">
                 <a:extLst>
                   <a:ext uri="{FF2B5EF4-FFF2-40B4-BE49-F238E27FC236}">
-                    <a16:creationId xmlns:a16="http://schemas.microsoft.com/office/drawing/2014/main" id="{743F549F-99FF-4509-9600-F4EDF787806D}"/>
+                    <a16:creationId xmlns:a16="http://schemas.microsoft.com/office/drawing/2014/main" xmlns="" id="{743F549F-99FF-4509-9600-F4EDF787806D}"/>
                   </a:ext>
                 </a:extLst>
               </p:cNvPr>
@@ -51200,9 +51208,10 @@
                   <a:t>j</a:t>
                 </a:r>
                 <a:r>
-                  <a:rPr lang="en-US" dirty="0"/>
-                  <a:t>.</a:t>
+                  <a:rPr lang="en-US" dirty="0" smtClean="0"/>
+                  <a:t>. CHECK</a:t>
                 </a:r>
+                <a:endParaRPr lang="en-US" dirty="0"/>
               </a:p>
               <a:p>
                 <a:pPr marL="1371600" lvl="2" indent="-457200">
@@ -51269,13 +51278,13 @@
             </p:txBody>
           </p:sp>
         </mc:Choice>
-        <mc:Fallback xmlns="">
+        <mc:Fallback>
           <p:sp>
             <p:nvSpPr>
               <p:cNvPr id="6" name="Content Placeholder 5">
                 <a:extLst>
                   <a:ext uri="{FF2B5EF4-FFF2-40B4-BE49-F238E27FC236}">
-                    <a16:creationId xmlns:a16="http://schemas.microsoft.com/office/drawing/2014/main" id="{743F549F-99FF-4509-9600-F4EDF787806D}"/>
+                    <a16:creationId xmlns:a16="http://schemas.microsoft.com/office/drawing/2014/main" xmlns:a14="http://schemas.microsoft.com/office/drawing/2010/main" xmlns="" id="{743F549F-99FF-4509-9600-F4EDF787806D}"/>
                   </a:ext>
                 </a:extLst>
               </p:cNvPr>
@@ -51287,7 +51296,7 @@
               </p:nvPr>
             </p:nvSpPr>
             <p:spPr>
-              <a:blipFill>
+              <a:blipFill rotWithShape="0">
                 <a:blip r:embed="rId3"/>
                 <a:stretch>
                   <a:fillRect l="-928" t="-1894" b="-2399"/>
@@ -51314,7 +51323,7 @@
           <p:cNvPr id="3" name="Footer Placeholder 2">
             <a:extLst>
               <a:ext uri="{FF2B5EF4-FFF2-40B4-BE49-F238E27FC236}">
-                <a16:creationId xmlns:a16="http://schemas.microsoft.com/office/drawing/2014/main" id="{3595DC28-358B-43DC-A8F0-4261D7EDDE18}"/>
+                <a16:creationId xmlns:a16="http://schemas.microsoft.com/office/drawing/2014/main" xmlns="" id="{3595DC28-358B-43DC-A8F0-4261D7EDDE18}"/>
               </a:ext>
             </a:extLst>
           </p:cNvPr>
@@ -51342,7 +51351,7 @@
           <p:cNvPr id="4" name="Slide Number Placeholder 3">
             <a:extLst>
               <a:ext uri="{FF2B5EF4-FFF2-40B4-BE49-F238E27FC236}">
-                <a16:creationId xmlns:a16="http://schemas.microsoft.com/office/drawing/2014/main" id="{60C353A5-12D3-46A6-B6CB-6381E97BE722}"/>
+                <a16:creationId xmlns:a16="http://schemas.microsoft.com/office/drawing/2014/main" xmlns="" id="{60C353A5-12D3-46A6-B6CB-6381E97BE722}"/>
               </a:ext>
             </a:extLst>
           </p:cNvPr>
@@ -51371,7 +51380,7 @@
           <p:cNvPr id="2" name="Rectangle 1">
             <a:extLst>
               <a:ext uri="{FF2B5EF4-FFF2-40B4-BE49-F238E27FC236}">
-                <a16:creationId xmlns:a16="http://schemas.microsoft.com/office/drawing/2014/main" id="{4D93A52F-F092-4B1F-B837-3FEECCA2C606}"/>
+                <a16:creationId xmlns:a16="http://schemas.microsoft.com/office/drawing/2014/main" xmlns="" id="{4D93A52F-F092-4B1F-B837-3FEECCA2C606}"/>
               </a:ext>
             </a:extLst>
           </p:cNvPr>
@@ -51439,7 +51448,7 @@
           <p:cNvPr id="2" name="Title 1">
             <a:extLst>
               <a:ext uri="{FF2B5EF4-FFF2-40B4-BE49-F238E27FC236}">
-                <a16:creationId xmlns:a16="http://schemas.microsoft.com/office/drawing/2014/main" id="{6F1CCDA2-E16C-42D3-9533-A1CB5D52BA6E}"/>
+                <a16:creationId xmlns:a16="http://schemas.microsoft.com/office/drawing/2014/main" xmlns="" id="{6F1CCDA2-E16C-42D3-9533-A1CB5D52BA6E}"/>
               </a:ext>
             </a:extLst>
           </p:cNvPr>
@@ -51467,7 +51476,7 @@
           <p:cNvPr id="4" name="Footer Placeholder 3">
             <a:extLst>
               <a:ext uri="{FF2B5EF4-FFF2-40B4-BE49-F238E27FC236}">
-                <a16:creationId xmlns:a16="http://schemas.microsoft.com/office/drawing/2014/main" id="{104144B1-1547-49A0-BC04-4DA7B4C7BCFF}"/>
+                <a16:creationId xmlns:a16="http://schemas.microsoft.com/office/drawing/2014/main" xmlns="" id="{104144B1-1547-49A0-BC04-4DA7B4C7BCFF}"/>
               </a:ext>
             </a:extLst>
           </p:cNvPr>
@@ -51496,7 +51505,7 @@
           <p:cNvPr id="5" name="Slide Number Placeholder 4">
             <a:extLst>
               <a:ext uri="{FF2B5EF4-FFF2-40B4-BE49-F238E27FC236}">
-                <a16:creationId xmlns:a16="http://schemas.microsoft.com/office/drawing/2014/main" id="{D997F39B-B080-46EC-A8D8-47DF95EC6B3A}"/>
+                <a16:creationId xmlns:a16="http://schemas.microsoft.com/office/drawing/2014/main" xmlns="" id="{D997F39B-B080-46EC-A8D8-47DF95EC6B3A}"/>
               </a:ext>
             </a:extLst>
           </p:cNvPr>
@@ -51525,7 +51534,7 @@
           <p:cNvPr id="7" name="Content Placeholder 6">
             <a:extLst>
               <a:ext uri="{FF2B5EF4-FFF2-40B4-BE49-F238E27FC236}">
-                <a16:creationId xmlns:a16="http://schemas.microsoft.com/office/drawing/2014/main" id="{BFC0C904-D30B-4199-BC01-B4F1C84D880D}"/>
+                <a16:creationId xmlns:a16="http://schemas.microsoft.com/office/drawing/2014/main" xmlns="" id="{BFC0C904-D30B-4199-BC01-B4F1C84D880D}"/>
               </a:ext>
             </a:extLst>
           </p:cNvPr>
@@ -51557,7 +51566,7 @@
           <p:cNvPr id="9" name="Picture 8">
             <a:extLst>
               <a:ext uri="{FF2B5EF4-FFF2-40B4-BE49-F238E27FC236}">
-                <a16:creationId xmlns:a16="http://schemas.microsoft.com/office/drawing/2014/main" id="{E1C43FE2-5409-44C6-BF85-ED61207674A0}"/>
+                <a16:creationId xmlns:a16="http://schemas.microsoft.com/office/drawing/2014/main" xmlns="" id="{E1C43FE2-5409-44C6-BF85-ED61207674A0}"/>
               </a:ext>
             </a:extLst>
           </p:cNvPr>
@@ -51587,7 +51596,7 @@
           <p:cNvPr id="13" name="Oval 12">
             <a:extLst>
               <a:ext uri="{FF2B5EF4-FFF2-40B4-BE49-F238E27FC236}">
-                <a16:creationId xmlns:a16="http://schemas.microsoft.com/office/drawing/2014/main" id="{947A4A60-0777-40D2-8E7D-8C44B34F7239}"/>
+                <a16:creationId xmlns:a16="http://schemas.microsoft.com/office/drawing/2014/main" xmlns="" id="{947A4A60-0777-40D2-8E7D-8C44B34F7239}"/>
               </a:ext>
             </a:extLst>
           </p:cNvPr>
@@ -51632,7 +51641,7 @@
           <p:cNvPr id="14" name="TextBox 13">
             <a:extLst>
               <a:ext uri="{FF2B5EF4-FFF2-40B4-BE49-F238E27FC236}">
-                <a16:creationId xmlns:a16="http://schemas.microsoft.com/office/drawing/2014/main" id="{490005B5-5398-4766-A70F-2F9985F1290C}"/>
+                <a16:creationId xmlns:a16="http://schemas.microsoft.com/office/drawing/2014/main" xmlns="" id="{490005B5-5398-4766-A70F-2F9985F1290C}"/>
               </a:ext>
             </a:extLst>
           </p:cNvPr>
@@ -51667,7 +51676,7 @@
           <p:cNvPr id="16" name="Straight Arrow Connector 15">
             <a:extLst>
               <a:ext uri="{FF2B5EF4-FFF2-40B4-BE49-F238E27FC236}">
-                <a16:creationId xmlns:a16="http://schemas.microsoft.com/office/drawing/2014/main" id="{940A354A-C85F-425B-AD79-83FD5579FA48}"/>
+                <a16:creationId xmlns:a16="http://schemas.microsoft.com/office/drawing/2014/main" xmlns="" id="{940A354A-C85F-425B-AD79-83FD5579FA48}"/>
               </a:ext>
             </a:extLst>
           </p:cNvPr>
@@ -51917,7 +51926,7 @@
           <p:cNvPr id="2" name="Title 1">
             <a:extLst>
               <a:ext uri="{FF2B5EF4-FFF2-40B4-BE49-F238E27FC236}">
-                <a16:creationId xmlns:a16="http://schemas.microsoft.com/office/drawing/2014/main" id="{A415AC96-B4B3-46A8-927C-FC1878E350EA}"/>
+                <a16:creationId xmlns:a16="http://schemas.microsoft.com/office/drawing/2014/main" xmlns="" id="{A415AC96-B4B3-46A8-927C-FC1878E350EA}"/>
               </a:ext>
             </a:extLst>
           </p:cNvPr>
@@ -51945,7 +51954,7 @@
           <p:cNvPr id="3" name="Content Placeholder 2">
             <a:extLst>
               <a:ext uri="{FF2B5EF4-FFF2-40B4-BE49-F238E27FC236}">
-                <a16:creationId xmlns:a16="http://schemas.microsoft.com/office/drawing/2014/main" id="{5F8CDE74-B5EB-44CF-9C74-D0126265089B}"/>
+                <a16:creationId xmlns:a16="http://schemas.microsoft.com/office/drawing/2014/main" xmlns="" id="{5F8CDE74-B5EB-44CF-9C74-D0126265089B}"/>
               </a:ext>
             </a:extLst>
           </p:cNvPr>
@@ -51986,7 +51995,7 @@
           <p:cNvPr id="4" name="Footer Placeholder 3">
             <a:extLst>
               <a:ext uri="{FF2B5EF4-FFF2-40B4-BE49-F238E27FC236}">
-                <a16:creationId xmlns:a16="http://schemas.microsoft.com/office/drawing/2014/main" id="{81CFA5CF-93DF-495B-878B-0DA0F9C5B237}"/>
+                <a16:creationId xmlns:a16="http://schemas.microsoft.com/office/drawing/2014/main" xmlns="" id="{81CFA5CF-93DF-495B-878B-0DA0F9C5B237}"/>
               </a:ext>
             </a:extLst>
           </p:cNvPr>
@@ -52015,7 +52024,7 @@
           <p:cNvPr id="5" name="Slide Number Placeholder 4">
             <a:extLst>
               <a:ext uri="{FF2B5EF4-FFF2-40B4-BE49-F238E27FC236}">
-                <a16:creationId xmlns:a16="http://schemas.microsoft.com/office/drawing/2014/main" id="{5D78B619-EF34-46C9-8CB5-B3BED47C93AA}"/>
+                <a16:creationId xmlns:a16="http://schemas.microsoft.com/office/drawing/2014/main" xmlns="" id="{5D78B619-EF34-46C9-8CB5-B3BED47C93AA}"/>
               </a:ext>
             </a:extLst>
           </p:cNvPr>
@@ -52044,7 +52053,7 @@
           <p:cNvPr id="7" name="Picture 6">
             <a:extLst>
               <a:ext uri="{FF2B5EF4-FFF2-40B4-BE49-F238E27FC236}">
-                <a16:creationId xmlns:a16="http://schemas.microsoft.com/office/drawing/2014/main" id="{02E7466E-DEA7-4DE1-B46C-8C1E75C0C64A}"/>
+                <a16:creationId xmlns:a16="http://schemas.microsoft.com/office/drawing/2014/main" xmlns="" id="{02E7466E-DEA7-4DE1-B46C-8C1E75C0C64A}"/>
               </a:ext>
             </a:extLst>
           </p:cNvPr>
@@ -52054,7 +52063,7 @@
           <p:nvPr/>
         </p:nvPicPr>
         <p:blipFill>
-          <a:blip r:embed="rId2">
+          <a:blip r:embed="rId2" cstate="print">
             <a:extLst>
               <a:ext uri="{28A0092B-C50C-407E-A947-70E740481C1C}">
                 <a14:useLocalDpi xmlns:a14="http://schemas.microsoft.com/office/drawing/2010/main" val="0"/>
@@ -52115,7 +52124,7 @@
           <p:cNvPr id="2" name="Title 1">
             <a:extLst>
               <a:ext uri="{FF2B5EF4-FFF2-40B4-BE49-F238E27FC236}">
-                <a16:creationId xmlns:a16="http://schemas.microsoft.com/office/drawing/2014/main" id="{9A788399-31D4-45F3-907E-5B2D508DE04D}"/>
+                <a16:creationId xmlns:a16="http://schemas.microsoft.com/office/drawing/2014/main" xmlns="" id="{9A788399-31D4-45F3-907E-5B2D508DE04D}"/>
               </a:ext>
             </a:extLst>
           </p:cNvPr>
@@ -52143,7 +52152,7 @@
           <p:cNvPr id="4" name="Slide Number Placeholder 3">
             <a:extLst>
               <a:ext uri="{FF2B5EF4-FFF2-40B4-BE49-F238E27FC236}">
-                <a16:creationId xmlns:a16="http://schemas.microsoft.com/office/drawing/2014/main" id="{C8984A3E-92EA-4876-8FE2-463EBBC28A9A}"/>
+                <a16:creationId xmlns:a16="http://schemas.microsoft.com/office/drawing/2014/main" xmlns="" id="{C8984A3E-92EA-4876-8FE2-463EBBC28A9A}"/>
               </a:ext>
             </a:extLst>
           </p:cNvPr>
@@ -52177,7 +52186,7 @@
           <p:cNvPr id="8" name="Content Placeholder 7">
             <a:extLst>
               <a:ext uri="{FF2B5EF4-FFF2-40B4-BE49-F238E27FC236}">
-                <a16:creationId xmlns:a16="http://schemas.microsoft.com/office/drawing/2014/main" id="{90D3BD25-9997-42D1-B30B-533A31369638}"/>
+                <a16:creationId xmlns:a16="http://schemas.microsoft.com/office/drawing/2014/main" xmlns="" id="{90D3BD25-9997-42D1-B30B-533A31369638}"/>
               </a:ext>
             </a:extLst>
           </p:cNvPr>
@@ -52209,7 +52218,7 @@
           <p:cNvPr id="9" name="Rectangle 8">
             <a:extLst>
               <a:ext uri="{FF2B5EF4-FFF2-40B4-BE49-F238E27FC236}">
-                <a16:creationId xmlns:a16="http://schemas.microsoft.com/office/drawing/2014/main" id="{6545FC3D-AE2F-458B-9D46-D05AD2F4FAB3}"/>
+                <a16:creationId xmlns:a16="http://schemas.microsoft.com/office/drawing/2014/main" xmlns="" id="{6545FC3D-AE2F-458B-9D46-D05AD2F4FAB3}"/>
               </a:ext>
             </a:extLst>
           </p:cNvPr>
@@ -52261,7 +52270,7 @@
           <p:cNvPr id="10" name="Footer Placeholder 9">
             <a:extLst>
               <a:ext uri="{FF2B5EF4-FFF2-40B4-BE49-F238E27FC236}">
-                <a16:creationId xmlns:a16="http://schemas.microsoft.com/office/drawing/2014/main" id="{9D553857-542E-457D-8CF8-C6D19669686F}"/>
+                <a16:creationId xmlns:a16="http://schemas.microsoft.com/office/drawing/2014/main" xmlns="" id="{9D553857-542E-457D-8CF8-C6D19669686F}"/>
               </a:ext>
             </a:extLst>
           </p:cNvPr>
@@ -52292,7 +52301,7 @@
               <p:cNvPr id="3" name="TextBox 2">
                 <a:extLst>
                   <a:ext uri="{FF2B5EF4-FFF2-40B4-BE49-F238E27FC236}">
-                    <a16:creationId xmlns:a16="http://schemas.microsoft.com/office/drawing/2014/main" id="{8EA6CA5D-BC5C-4C34-B816-BBEC7DDB596F}"/>
+                    <a16:creationId xmlns:a16="http://schemas.microsoft.com/office/drawing/2014/main" xmlns="" id="{8EA6CA5D-BC5C-4C34-B816-BBEC7DDB596F}"/>
                   </a:ext>
                 </a:extLst>
               </p:cNvPr>
@@ -52571,7 +52580,7 @@
           <p:cNvPr id="6" name="Picture 5">
             <a:extLst>
               <a:ext uri="{FF2B5EF4-FFF2-40B4-BE49-F238E27FC236}">
-                <a16:creationId xmlns:a16="http://schemas.microsoft.com/office/drawing/2014/main" id="{20B0935D-1172-42F1-B889-5CC615447284}"/>
+                <a16:creationId xmlns:a16="http://schemas.microsoft.com/office/drawing/2014/main" xmlns="" id="{20B0935D-1172-42F1-B889-5CC615447284}"/>
               </a:ext>
             </a:extLst>
           </p:cNvPr>
@@ -53147,7 +53156,7 @@
           <p:cNvPr id="4" name="Footer Placeholder 3">
             <a:extLst>
               <a:ext uri="{FF2B5EF4-FFF2-40B4-BE49-F238E27FC236}">
-                <a16:creationId xmlns:a16="http://schemas.microsoft.com/office/drawing/2014/main" id="{21DC6A39-8F51-4E7D-A631-DEECF5FBE2FC}"/>
+                <a16:creationId xmlns:a16="http://schemas.microsoft.com/office/drawing/2014/main" xmlns="" id="{21DC6A39-8F51-4E7D-A631-DEECF5FBE2FC}"/>
               </a:ext>
             </a:extLst>
           </p:cNvPr>
@@ -53364,7 +53373,7 @@
           <p:cNvPr id="2" name="Title 1">
             <a:extLst>
               <a:ext uri="{FF2B5EF4-FFF2-40B4-BE49-F238E27FC236}">
-                <a16:creationId xmlns:a16="http://schemas.microsoft.com/office/drawing/2014/main" id="{9A788399-31D4-45F3-907E-5B2D508DE04D}"/>
+                <a16:creationId xmlns:a16="http://schemas.microsoft.com/office/drawing/2014/main" xmlns="" id="{9A788399-31D4-45F3-907E-5B2D508DE04D}"/>
               </a:ext>
             </a:extLst>
           </p:cNvPr>
@@ -53392,7 +53401,7 @@
           <p:cNvPr id="4" name="Slide Number Placeholder 3">
             <a:extLst>
               <a:ext uri="{FF2B5EF4-FFF2-40B4-BE49-F238E27FC236}">
-                <a16:creationId xmlns:a16="http://schemas.microsoft.com/office/drawing/2014/main" id="{C8984A3E-92EA-4876-8FE2-463EBBC28A9A}"/>
+                <a16:creationId xmlns:a16="http://schemas.microsoft.com/office/drawing/2014/main" xmlns="" id="{C8984A3E-92EA-4876-8FE2-463EBBC28A9A}"/>
               </a:ext>
             </a:extLst>
           </p:cNvPr>
@@ -53426,7 +53435,7 @@
           <p:cNvPr id="8" name="Content Placeholder 7">
             <a:extLst>
               <a:ext uri="{FF2B5EF4-FFF2-40B4-BE49-F238E27FC236}">
-                <a16:creationId xmlns:a16="http://schemas.microsoft.com/office/drawing/2014/main" id="{90D3BD25-9997-42D1-B30B-533A31369638}"/>
+                <a16:creationId xmlns:a16="http://schemas.microsoft.com/office/drawing/2014/main" xmlns="" id="{90D3BD25-9997-42D1-B30B-533A31369638}"/>
               </a:ext>
             </a:extLst>
           </p:cNvPr>
@@ -53458,7 +53467,7 @@
           <p:cNvPr id="3" name="Rectangle 2">
             <a:extLst>
               <a:ext uri="{FF2B5EF4-FFF2-40B4-BE49-F238E27FC236}">
-                <a16:creationId xmlns:a16="http://schemas.microsoft.com/office/drawing/2014/main" id="{033BEFFB-FDE7-43DA-85E0-AAF2BD54B275}"/>
+                <a16:creationId xmlns:a16="http://schemas.microsoft.com/office/drawing/2014/main" xmlns="" id="{033BEFFB-FDE7-43DA-85E0-AAF2BD54B275}"/>
               </a:ext>
             </a:extLst>
           </p:cNvPr>
@@ -53498,7 +53507,7 @@
           <p:cNvPr id="5" name="Footer Placeholder 4">
             <a:extLst>
               <a:ext uri="{FF2B5EF4-FFF2-40B4-BE49-F238E27FC236}">
-                <a16:creationId xmlns:a16="http://schemas.microsoft.com/office/drawing/2014/main" id="{EA0E8894-DC26-425C-81DE-19D5D5E11A08}"/>
+                <a16:creationId xmlns:a16="http://schemas.microsoft.com/office/drawing/2014/main" xmlns="" id="{EA0E8894-DC26-425C-81DE-19D5D5E11A08}"/>
               </a:ext>
             </a:extLst>
           </p:cNvPr>
